--- a/Presentatie/2015 06 09 Presentatie.pptx
+++ b/Presentatie/2015 06 09 Presentatie.pptx
@@ -5,43 +5,45 @@
     <p:sldMasterId id="2147483660" r:id="rId1"/>
   </p:sldMasterIdLst>
   <p:notesMasterIdLst>
-    <p:notesMasterId r:id="rId36"/>
+    <p:notesMasterId r:id="rId38"/>
   </p:notesMasterIdLst>
   <p:sldIdLst>
     <p:sldId id="256" r:id="rId2"/>
     <p:sldId id="257" r:id="rId3"/>
     <p:sldId id="304" r:id="rId4"/>
-    <p:sldId id="259" r:id="rId5"/>
-    <p:sldId id="258" r:id="rId6"/>
-    <p:sldId id="287" r:id="rId7"/>
-    <p:sldId id="261" r:id="rId8"/>
-    <p:sldId id="285" r:id="rId9"/>
-    <p:sldId id="273" r:id="rId10"/>
-    <p:sldId id="288" r:id="rId11"/>
-    <p:sldId id="274" r:id="rId12"/>
-    <p:sldId id="289" r:id="rId13"/>
-    <p:sldId id="290" r:id="rId14"/>
-    <p:sldId id="291" r:id="rId15"/>
-    <p:sldId id="292" r:id="rId16"/>
-    <p:sldId id="293" r:id="rId17"/>
-    <p:sldId id="276" r:id="rId18"/>
-    <p:sldId id="280" r:id="rId19"/>
-    <p:sldId id="281" r:id="rId20"/>
-    <p:sldId id="282" r:id="rId21"/>
-    <p:sldId id="283" r:id="rId22"/>
-    <p:sldId id="284" r:id="rId23"/>
-    <p:sldId id="294" r:id="rId24"/>
-    <p:sldId id="295" r:id="rId25"/>
-    <p:sldId id="296" r:id="rId26"/>
-    <p:sldId id="297" r:id="rId27"/>
-    <p:sldId id="298" r:id="rId28"/>
-    <p:sldId id="299" r:id="rId29"/>
-    <p:sldId id="300" r:id="rId30"/>
-    <p:sldId id="301" r:id="rId31"/>
-    <p:sldId id="302" r:id="rId32"/>
-    <p:sldId id="279" r:id="rId33"/>
-    <p:sldId id="303" r:id="rId34"/>
-    <p:sldId id="272" r:id="rId35"/>
+    <p:sldId id="305" r:id="rId5"/>
+    <p:sldId id="259" r:id="rId6"/>
+    <p:sldId id="258" r:id="rId7"/>
+    <p:sldId id="287" r:id="rId8"/>
+    <p:sldId id="261" r:id="rId9"/>
+    <p:sldId id="285" r:id="rId10"/>
+    <p:sldId id="273" r:id="rId11"/>
+    <p:sldId id="306" r:id="rId12"/>
+    <p:sldId id="288" r:id="rId13"/>
+    <p:sldId id="274" r:id="rId14"/>
+    <p:sldId id="289" r:id="rId15"/>
+    <p:sldId id="290" r:id="rId16"/>
+    <p:sldId id="291" r:id="rId17"/>
+    <p:sldId id="292" r:id="rId18"/>
+    <p:sldId id="293" r:id="rId19"/>
+    <p:sldId id="276" r:id="rId20"/>
+    <p:sldId id="280" r:id="rId21"/>
+    <p:sldId id="281" r:id="rId22"/>
+    <p:sldId id="282" r:id="rId23"/>
+    <p:sldId id="283" r:id="rId24"/>
+    <p:sldId id="284" r:id="rId25"/>
+    <p:sldId id="294" r:id="rId26"/>
+    <p:sldId id="295" r:id="rId27"/>
+    <p:sldId id="296" r:id="rId28"/>
+    <p:sldId id="297" r:id="rId29"/>
+    <p:sldId id="298" r:id="rId30"/>
+    <p:sldId id="299" r:id="rId31"/>
+    <p:sldId id="300" r:id="rId32"/>
+    <p:sldId id="301" r:id="rId33"/>
+    <p:sldId id="302" r:id="rId34"/>
+    <p:sldId id="279" r:id="rId35"/>
+    <p:sldId id="303" r:id="rId36"/>
+    <p:sldId id="272" r:id="rId37"/>
   </p:sldIdLst>
   <p:sldSz cx="9144000" cy="6858000" type="screen4x3"/>
   <p:notesSz cx="6858000" cy="9144000"/>
@@ -142,7 +144,7 @@
   </p:defaultTextStyle>
   <p:extLst>
     <p:ext uri="{EFAFB233-063F-42B5-8137-9DF3F51BA10A}">
-      <p15:sldGuideLst xmlns:p15="http://schemas.microsoft.com/office/powerpoint/2012/main" xmlns="">
+      <p15:sldGuideLst xmlns="" xmlns:p15="http://schemas.microsoft.com/office/powerpoint/2012/main">
         <p15:guide id="1" orient="horz" pos="2160">
           <p15:clr>
             <a:srgbClr val="A4A3A4"/>
@@ -600,7 +602,7 @@
           <a:p>
             <a:fld id="{968E3BEB-7864-49C1-AECF-08F91EDADE17}" type="slidenum">
               <a:rPr lang="nl-BE" smtClean="0"/>
-              <a:t>7</a:t>
+              <a:t>8</a:t>
             </a:fld>
             <a:endParaRPr lang="nl-BE"/>
           </a:p>
@@ -665,19 +667,27 @@
           <a:p>
             <a:r>
               <a:rPr lang="nl-BE" dirty="0" smtClean="0"/>
-              <a:t>David</a:t>
+              <a:t>Cedric</a:t>
+            </a:r>
+          </a:p>
+          <a:p>
+            <a:r>
+              <a:rPr lang="nl-BE" dirty="0" smtClean="0"/>
+              <a:t>Uitleggen welke functies</a:t>
             </a:r>
             <a:r>
               <a:rPr lang="nl-BE" baseline="0" dirty="0" smtClean="0"/>
-              <a:t> uitleggen welke </a:t>
+              <a:t> de BLL heeft </a:t>
+            </a:r>
+          </a:p>
+          <a:p>
+            <a:r>
+              <a:rPr lang="nl-BE" baseline="0" dirty="0" smtClean="0"/>
+              <a:t>Data validatie en PDF </a:t>
             </a:r>
             <a:r>
               <a:rPr lang="nl-BE" baseline="0" dirty="0" err="1" smtClean="0"/>
-              <a:t>models</a:t>
-            </a:r>
-            <a:r>
-              <a:rPr lang="nl-BE" baseline="0" dirty="0" smtClean="0"/>
-              <a:t> er zijn en hoe die zich verhouden t.a.v. ERD-Diagram</a:t>
+              <a:t>createn</a:t>
             </a:r>
             <a:endParaRPr lang="nl-BE" dirty="0"/>
           </a:p>
@@ -700,7 +710,7 @@
           <a:p>
             <a:fld id="{968E3BEB-7864-49C1-AECF-08F91EDADE17}" type="slidenum">
               <a:rPr lang="nl-BE" smtClean="0"/>
-              <a:t>16</a:t>
+              <a:t>17</a:t>
             </a:fld>
             <a:endParaRPr lang="nl-BE"/>
           </a:p>
@@ -709,7 +719,7 @@
     </p:spTree>
     <p:extLst>
       <p:ext uri="{BB962C8B-B14F-4D97-AF65-F5344CB8AC3E}">
-        <p14:creationId xmlns:p14="http://schemas.microsoft.com/office/powerpoint/2010/main" val="3482835230"/>
+        <p14:creationId xmlns:p14="http://schemas.microsoft.com/office/powerpoint/2010/main" val="4170874193"/>
       </p:ext>
     </p:extLst>
   </p:cSld>
@@ -765,25 +775,19 @@
           <a:p>
             <a:r>
               <a:rPr lang="nl-BE" dirty="0" smtClean="0"/>
-              <a:t>DAVID</a:t>
+              <a:t>David</a:t>
             </a:r>
             <a:r>
               <a:rPr lang="nl-BE" baseline="0" dirty="0" smtClean="0"/>
-              <a:t> uitleggen welke functie controller in ons project heeft</a:t>
-            </a:r>
-          </a:p>
-          <a:p>
+              <a:t> uitleggen welke </a:t>
+            </a:r>
+            <a:r>
+              <a:rPr lang="nl-BE" baseline="0" dirty="0" err="1" smtClean="0"/>
+              <a:t>models</a:t>
+            </a:r>
             <a:r>
               <a:rPr lang="nl-BE" baseline="0" dirty="0" smtClean="0"/>
-              <a:t>Ook waarom niet met view controller en </a:t>
-            </a:r>
-            <a:r>
-              <a:rPr lang="nl-BE" baseline="0" dirty="0" err="1" smtClean="0"/>
-              <a:t>coordinating</a:t>
-            </a:r>
-            <a:r>
-              <a:rPr lang="nl-BE" baseline="0" dirty="0" smtClean="0"/>
-              <a:t> controller</a:t>
+              <a:t> er zijn en hoe die zich verhouden t.a.v. ERD-Diagram</a:t>
             </a:r>
             <a:endParaRPr lang="nl-BE" dirty="0"/>
           </a:p>
@@ -806,7 +810,7 @@
           <a:p>
             <a:fld id="{968E3BEB-7864-49C1-AECF-08F91EDADE17}" type="slidenum">
               <a:rPr lang="nl-BE" smtClean="0"/>
-              <a:t>17</a:t>
+              <a:t>18</a:t>
             </a:fld>
             <a:endParaRPr lang="nl-BE"/>
           </a:p>
@@ -815,7 +819,7 @@
     </p:spTree>
     <p:extLst>
       <p:ext uri="{BB962C8B-B14F-4D97-AF65-F5344CB8AC3E}">
-        <p14:creationId xmlns:p14="http://schemas.microsoft.com/office/powerpoint/2010/main" val="2972047967"/>
+        <p14:creationId xmlns:p14="http://schemas.microsoft.com/office/powerpoint/2010/main" val="3482835230"/>
       </p:ext>
     </p:extLst>
   </p:cSld>
@@ -912,7 +916,7 @@
           <a:p>
             <a:fld id="{968E3BEB-7864-49C1-AECF-08F91EDADE17}" type="slidenum">
               <a:rPr lang="nl-BE" smtClean="0"/>
-              <a:t>18</a:t>
+              <a:t>19</a:t>
             </a:fld>
             <a:endParaRPr lang="nl-BE"/>
           </a:p>
@@ -921,7 +925,7 @@
     </p:spTree>
     <p:extLst>
       <p:ext uri="{BB962C8B-B14F-4D97-AF65-F5344CB8AC3E}">
-        <p14:creationId xmlns:p14="http://schemas.microsoft.com/office/powerpoint/2010/main" val="3157986587"/>
+        <p14:creationId xmlns:p14="http://schemas.microsoft.com/office/powerpoint/2010/main" val="2972047967"/>
       </p:ext>
     </p:extLst>
   </p:cSld>
@@ -1018,7 +1022,7 @@
           <a:p>
             <a:fld id="{968E3BEB-7864-49C1-AECF-08F91EDADE17}" type="slidenum">
               <a:rPr lang="nl-BE" smtClean="0"/>
-              <a:t>19</a:t>
+              <a:t>20</a:t>
             </a:fld>
             <a:endParaRPr lang="nl-BE"/>
           </a:p>
@@ -1027,7 +1031,7 @@
     </p:spTree>
     <p:extLst>
       <p:ext uri="{BB962C8B-B14F-4D97-AF65-F5344CB8AC3E}">
-        <p14:creationId xmlns:p14="http://schemas.microsoft.com/office/powerpoint/2010/main" val="875757249"/>
+        <p14:creationId xmlns:p14="http://schemas.microsoft.com/office/powerpoint/2010/main" val="3157986587"/>
       </p:ext>
     </p:extLst>
   </p:cSld>
@@ -1124,7 +1128,7 @@
           <a:p>
             <a:fld id="{968E3BEB-7864-49C1-AECF-08F91EDADE17}" type="slidenum">
               <a:rPr lang="nl-BE" smtClean="0"/>
-              <a:t>20</a:t>
+              <a:t>21</a:t>
             </a:fld>
             <a:endParaRPr lang="nl-BE"/>
           </a:p>
@@ -1133,7 +1137,7 @@
     </p:spTree>
     <p:extLst>
       <p:ext uri="{BB962C8B-B14F-4D97-AF65-F5344CB8AC3E}">
-        <p14:creationId xmlns:p14="http://schemas.microsoft.com/office/powerpoint/2010/main" val="560896584"/>
+        <p14:creationId xmlns:p14="http://schemas.microsoft.com/office/powerpoint/2010/main" val="875757249"/>
       </p:ext>
     </p:extLst>
   </p:cSld>
@@ -1230,7 +1234,7 @@
           <a:p>
             <a:fld id="{968E3BEB-7864-49C1-AECF-08F91EDADE17}" type="slidenum">
               <a:rPr lang="nl-BE" smtClean="0"/>
-              <a:t>21</a:t>
+              <a:t>22</a:t>
             </a:fld>
             <a:endParaRPr lang="nl-BE"/>
           </a:p>
@@ -1239,7 +1243,7 @@
     </p:spTree>
     <p:extLst>
       <p:ext uri="{BB962C8B-B14F-4D97-AF65-F5344CB8AC3E}">
-        <p14:creationId xmlns:p14="http://schemas.microsoft.com/office/powerpoint/2010/main" val="620492628"/>
+        <p14:creationId xmlns:p14="http://schemas.microsoft.com/office/powerpoint/2010/main" val="560896584"/>
       </p:ext>
     </p:extLst>
   </p:cSld>
@@ -1336,7 +1340,7 @@
           <a:p>
             <a:fld id="{968E3BEB-7864-49C1-AECF-08F91EDADE17}" type="slidenum">
               <a:rPr lang="nl-BE" smtClean="0"/>
-              <a:t>22</a:t>
+              <a:t>23</a:t>
             </a:fld>
             <a:endParaRPr lang="nl-BE"/>
           </a:p>
@@ -1345,7 +1349,7 @@
     </p:spTree>
     <p:extLst>
       <p:ext uri="{BB962C8B-B14F-4D97-AF65-F5344CB8AC3E}">
-        <p14:creationId xmlns:p14="http://schemas.microsoft.com/office/powerpoint/2010/main" val="3787582460"/>
+        <p14:creationId xmlns:p14="http://schemas.microsoft.com/office/powerpoint/2010/main" val="620492628"/>
       </p:ext>
     </p:extLst>
   </p:cSld>
@@ -1401,21 +1405,25 @@
           <a:p>
             <a:r>
               <a:rPr lang="nl-BE" dirty="0" smtClean="0"/>
-              <a:t>DIETER</a:t>
-            </a:r>
-          </a:p>
-          <a:p>
-            <a:r>
-              <a:rPr lang="nl-BE" dirty="0" smtClean="0"/>
-              <a:t>Uitleggen welke views er zijn en hoe opgebouwd en</a:t>
+              <a:t>DAVID</a:t>
             </a:r>
             <a:r>
               <a:rPr lang="nl-BE" baseline="0" dirty="0" smtClean="0"/>
-              <a:t> </a:t>
-            </a:r>
-            <a:r>
-              <a:rPr lang="nl-BE" dirty="0" smtClean="0"/>
-              <a:t>waarom we hiervoor gekozen hebben</a:t>
+              <a:t> uitleggen welke functie controller in ons project heeft</a:t>
+            </a:r>
+          </a:p>
+          <a:p>
+            <a:r>
+              <a:rPr lang="nl-BE" baseline="0" dirty="0" smtClean="0"/>
+              <a:t>Ook waarom niet met view controller en </a:t>
+            </a:r>
+            <a:r>
+              <a:rPr lang="nl-BE" baseline="0" dirty="0" err="1" smtClean="0"/>
+              <a:t>coordinating</a:t>
+            </a:r>
+            <a:r>
+              <a:rPr lang="nl-BE" baseline="0" dirty="0" smtClean="0"/>
+              <a:t> controller</a:t>
             </a:r>
             <a:endParaRPr lang="nl-BE" dirty="0"/>
           </a:p>
@@ -1438,7 +1446,7 @@
           <a:p>
             <a:fld id="{968E3BEB-7864-49C1-AECF-08F91EDADE17}" type="slidenum">
               <a:rPr lang="nl-BE" smtClean="0"/>
-              <a:t>23</a:t>
+              <a:t>24</a:t>
             </a:fld>
             <a:endParaRPr lang="nl-BE"/>
           </a:p>
@@ -1447,7 +1455,7 @@
     </p:spTree>
     <p:extLst>
       <p:ext uri="{BB962C8B-B14F-4D97-AF65-F5344CB8AC3E}">
-        <p14:creationId xmlns:p14="http://schemas.microsoft.com/office/powerpoint/2010/main" val="3357917920"/>
+        <p14:creationId xmlns:p14="http://schemas.microsoft.com/office/powerpoint/2010/main" val="3787582460"/>
       </p:ext>
     </p:extLst>
   </p:cSld>
@@ -1509,41 +1517,15 @@
           <a:p>
             <a:r>
               <a:rPr lang="nl-BE" dirty="0" smtClean="0"/>
-              <a:t>Bootstrap:</a:t>
-            </a:r>
-            <a:r>
-              <a:rPr lang="nl-BE" baseline="0" dirty="0" smtClean="0"/>
-              <a:t> keuze verantwoorden</a:t>
-            </a:r>
-          </a:p>
-          <a:p>
-            <a:r>
-              <a:rPr lang="nl-BE" baseline="0" dirty="0" smtClean="0"/>
-              <a:t>Aantal specifieke elementen uitlichten (</a:t>
-            </a:r>
-            <a:r>
-              <a:rPr lang="nl-BE" baseline="0" dirty="0" err="1" smtClean="0"/>
-              <a:t>modal</a:t>
+              <a:t>Uitleggen welke views er zijn en hoe opgebouwd en</a:t>
             </a:r>
             <a:r>
               <a:rPr lang="nl-BE" baseline="0" dirty="0" smtClean="0"/>
               <a:t> </a:t>
             </a:r>
             <a:r>
-              <a:rPr lang="nl-BE" baseline="0" dirty="0" err="1" smtClean="0"/>
-              <a:t>windows</a:t>
-            </a:r>
-            <a:r>
-              <a:rPr lang="nl-BE" baseline="0" dirty="0" smtClean="0"/>
-              <a:t>, </a:t>
-            </a:r>
-            <a:r>
-              <a:rPr lang="nl-BE" baseline="0" dirty="0" err="1" smtClean="0"/>
-              <a:t>lavish</a:t>
-            </a:r>
-            <a:r>
-              <a:rPr lang="nl-BE" baseline="0" dirty="0" smtClean="0"/>
-              <a:t>, carrousel)</a:t>
+              <a:rPr lang="nl-BE" dirty="0" smtClean="0"/>
+              <a:t>waarom we hiervoor gekozen hebben</a:t>
             </a:r>
             <a:endParaRPr lang="nl-BE" dirty="0"/>
           </a:p>
@@ -1566,7 +1548,7 @@
           <a:p>
             <a:fld id="{968E3BEB-7864-49C1-AECF-08F91EDADE17}" type="slidenum">
               <a:rPr lang="nl-BE" smtClean="0"/>
-              <a:t>28</a:t>
+              <a:t>25</a:t>
             </a:fld>
             <a:endParaRPr lang="nl-BE"/>
           </a:p>
@@ -1575,7 +1557,7 @@
     </p:spTree>
     <p:extLst>
       <p:ext uri="{BB962C8B-B14F-4D97-AF65-F5344CB8AC3E}">
-        <p14:creationId xmlns:p14="http://schemas.microsoft.com/office/powerpoint/2010/main" val="3308184676"/>
+        <p14:creationId xmlns:p14="http://schemas.microsoft.com/office/powerpoint/2010/main" val="3357917920"/>
       </p:ext>
     </p:extLst>
   </p:cSld>
@@ -1631,25 +1613,47 @@
           <a:p>
             <a:r>
               <a:rPr lang="nl-BE" dirty="0" smtClean="0"/>
-              <a:t>Cedric</a:t>
+              <a:t>DIETER</a:t>
             </a:r>
           </a:p>
           <a:p>
             <a:r>
               <a:rPr lang="nl-BE" dirty="0" smtClean="0"/>
-              <a:t>Aantal features voorstellen vanuit het </a:t>
-            </a:r>
-            <a:r>
-              <a:rPr lang="nl-BE" dirty="0" err="1" smtClean="0"/>
-              <a:t>use</a:t>
-            </a:r>
-            <a:r>
-              <a:rPr lang="nl-BE" dirty="0" smtClean="0"/>
-              <a:t>-casediagram en dan ook nog een aantal geavanceerde</a:t>
+              <a:t>Bootstrap:</a:t>
             </a:r>
             <a:r>
               <a:rPr lang="nl-BE" baseline="0" dirty="0" smtClean="0"/>
-              <a:t> zaken</a:t>
+              <a:t> keuze verantwoorden</a:t>
+            </a:r>
+          </a:p>
+          <a:p>
+            <a:r>
+              <a:rPr lang="nl-BE" baseline="0" dirty="0" smtClean="0"/>
+              <a:t>Aantal specifieke elementen uitlichten (</a:t>
+            </a:r>
+            <a:r>
+              <a:rPr lang="nl-BE" baseline="0" dirty="0" err="1" smtClean="0"/>
+              <a:t>modal</a:t>
+            </a:r>
+            <a:r>
+              <a:rPr lang="nl-BE" baseline="0" dirty="0" smtClean="0"/>
+              <a:t> </a:t>
+            </a:r>
+            <a:r>
+              <a:rPr lang="nl-BE" baseline="0" dirty="0" err="1" smtClean="0"/>
+              <a:t>windows</a:t>
+            </a:r>
+            <a:r>
+              <a:rPr lang="nl-BE" baseline="0" dirty="0" smtClean="0"/>
+              <a:t>, </a:t>
+            </a:r>
+            <a:r>
+              <a:rPr lang="nl-BE" baseline="0" dirty="0" err="1" smtClean="0"/>
+              <a:t>lavish</a:t>
+            </a:r>
+            <a:r>
+              <a:rPr lang="nl-BE" baseline="0" dirty="0" smtClean="0"/>
+              <a:t>, carrousel)</a:t>
             </a:r>
             <a:endParaRPr lang="nl-BE" dirty="0"/>
           </a:p>
@@ -1672,7 +1676,7 @@
           <a:p>
             <a:fld id="{968E3BEB-7864-49C1-AECF-08F91EDADE17}" type="slidenum">
               <a:rPr lang="nl-BE" smtClean="0"/>
-              <a:t>32</a:t>
+              <a:t>30</a:t>
             </a:fld>
             <a:endParaRPr lang="nl-BE"/>
           </a:p>
@@ -1681,7 +1685,7 @@
     </p:spTree>
     <p:extLst>
       <p:ext uri="{BB962C8B-B14F-4D97-AF65-F5344CB8AC3E}">
-        <p14:creationId xmlns:p14="http://schemas.microsoft.com/office/powerpoint/2010/main" val="2811823657"/>
+        <p14:creationId xmlns:p14="http://schemas.microsoft.com/office/powerpoint/2010/main" val="3308184676"/>
       </p:ext>
     </p:extLst>
   </p:cSld>
@@ -1782,7 +1786,7 @@
           <a:p>
             <a:fld id="{968E3BEB-7864-49C1-AECF-08F91EDADE17}" type="slidenum">
               <a:rPr lang="nl-BE" smtClean="0"/>
-              <a:t>8</a:t>
+              <a:t>9</a:t>
             </a:fld>
             <a:endParaRPr lang="nl-BE"/>
           </a:p>
@@ -1888,7 +1892,113 @@
           <a:p>
             <a:fld id="{968E3BEB-7864-49C1-AECF-08F91EDADE17}" type="slidenum">
               <a:rPr lang="nl-BE" smtClean="0"/>
-              <a:t>33</a:t>
+              <a:t>34</a:t>
+            </a:fld>
+            <a:endParaRPr lang="nl-BE"/>
+          </a:p>
+        </p:txBody>
+      </p:sp>
+    </p:spTree>
+    <p:extLst>
+      <p:ext uri="{BB962C8B-B14F-4D97-AF65-F5344CB8AC3E}">
+        <p14:creationId xmlns:p14="http://schemas.microsoft.com/office/powerpoint/2010/main" val="2811823657"/>
+      </p:ext>
+    </p:extLst>
+  </p:cSld>
+  <p:clrMapOvr>
+    <a:masterClrMapping/>
+  </p:clrMapOvr>
+</p:notes>
+</file>
+
+<file path=ppt/notesSlides/notesSlide21.xml><?xml version="1.0" encoding="utf-8"?>
+<p:notes xmlns:a="http://schemas.openxmlformats.org/drawingml/2006/main" xmlns:r="http://schemas.openxmlformats.org/officeDocument/2006/relationships" xmlns:p="http://schemas.openxmlformats.org/presentationml/2006/main">
+  <p:cSld>
+    <p:spTree>
+      <p:nvGrpSpPr>
+        <p:cNvPr id="1" name=""/>
+        <p:cNvGrpSpPr/>
+        <p:nvPr/>
+      </p:nvGrpSpPr>
+      <p:grpSpPr>
+        <a:xfrm>
+          <a:off x="0" y="0"/>
+          <a:ext cx="0" cy="0"/>
+          <a:chOff x="0" y="0"/>
+          <a:chExt cx="0" cy="0"/>
+        </a:xfrm>
+      </p:grpSpPr>
+      <p:sp>
+        <p:nvSpPr>
+          <p:cNvPr id="2" name="Tijdelijke aanduiding voor dia-afbeelding 1"/>
+          <p:cNvSpPr>
+            <a:spLocks noGrp="1" noRot="1" noChangeAspect="1"/>
+          </p:cNvSpPr>
+          <p:nvPr>
+            <p:ph type="sldImg"/>
+          </p:nvPr>
+        </p:nvSpPr>
+        <p:spPr/>
+      </p:sp>
+      <p:sp>
+        <p:nvSpPr>
+          <p:cNvPr id="3" name="Tijdelijke aanduiding voor notities 2"/>
+          <p:cNvSpPr>
+            <a:spLocks noGrp="1"/>
+          </p:cNvSpPr>
+          <p:nvPr>
+            <p:ph type="body" idx="1"/>
+          </p:nvPr>
+        </p:nvSpPr>
+        <p:spPr/>
+        <p:txBody>
+          <a:bodyPr/>
+          <a:lstStyle/>
+          <a:p>
+            <a:r>
+              <a:rPr lang="nl-BE" dirty="0" smtClean="0"/>
+              <a:t>Cedric</a:t>
+            </a:r>
+          </a:p>
+          <a:p>
+            <a:r>
+              <a:rPr lang="nl-BE" dirty="0" smtClean="0"/>
+              <a:t>Aantal features voorstellen vanuit het </a:t>
+            </a:r>
+            <a:r>
+              <a:rPr lang="nl-BE" dirty="0" err="1" smtClean="0"/>
+              <a:t>use</a:t>
+            </a:r>
+            <a:r>
+              <a:rPr lang="nl-BE" dirty="0" smtClean="0"/>
+              <a:t>-casediagram en dan ook nog een aantal geavanceerde</a:t>
+            </a:r>
+            <a:r>
+              <a:rPr lang="nl-BE" baseline="0" dirty="0" smtClean="0"/>
+              <a:t> zaken</a:t>
+            </a:r>
+            <a:endParaRPr lang="nl-BE" dirty="0"/>
+          </a:p>
+        </p:txBody>
+      </p:sp>
+      <p:sp>
+        <p:nvSpPr>
+          <p:cNvPr id="4" name="Tijdelijke aanduiding voor dianummer 3"/>
+          <p:cNvSpPr>
+            <a:spLocks noGrp="1"/>
+          </p:cNvSpPr>
+          <p:nvPr>
+            <p:ph type="sldNum" sz="quarter" idx="10"/>
+          </p:nvPr>
+        </p:nvSpPr>
+        <p:spPr/>
+        <p:txBody>
+          <a:bodyPr/>
+          <a:lstStyle/>
+          <a:p>
+            <a:fld id="{968E3BEB-7864-49C1-AECF-08F91EDADE17}" type="slidenum">
+              <a:rPr lang="nl-BE" smtClean="0"/>
+              <a:t>35</a:t>
             </a:fld>
             <a:endParaRPr lang="nl-BE"/>
           </a:p>
@@ -2003,7 +2113,7 @@
           <a:p>
             <a:fld id="{968E3BEB-7864-49C1-AECF-08F91EDADE17}" type="slidenum">
               <a:rPr lang="nl-BE" smtClean="0"/>
-              <a:t>9</a:t>
+              <a:t>10</a:t>
             </a:fld>
             <a:endParaRPr lang="nl-BE"/>
           </a:p>
@@ -2068,34 +2178,19 @@
           <a:p>
             <a:r>
               <a:rPr lang="nl-BE" dirty="0" smtClean="0"/>
-              <a:t>Toelichten welke</a:t>
+              <a:t>Diagram</a:t>
             </a:r>
             <a:r>
               <a:rPr lang="nl-BE" baseline="0" dirty="0" smtClean="0"/>
-              <a:t> keuzes er gemaakt zijn in de DAL + </a:t>
+              <a:t> voor aantonen van </a:t>
             </a:r>
             <a:r>
               <a:rPr lang="nl-BE" baseline="0" dirty="0" err="1" smtClean="0"/>
-              <a:t>stored</a:t>
+              <a:t>dependency’s</a:t>
             </a:r>
             <a:r>
               <a:rPr lang="nl-BE" baseline="0" dirty="0" smtClean="0"/>
-              <a:t> procedures </a:t>
-            </a:r>
-            <a:r>
-              <a:rPr lang="nl-BE" baseline="0" dirty="0" err="1" smtClean="0"/>
-              <a:t>etc</a:t>
-            </a:r>
-            <a:endParaRPr lang="nl-BE" baseline="0" dirty="0" smtClean="0"/>
-          </a:p>
-          <a:p>
-            <a:r>
-              <a:rPr lang="nl-BE" baseline="0" dirty="0" smtClean="0"/>
-              <a:t>Code </a:t>
-            </a:r>
-            <a:r>
-              <a:rPr lang="nl-BE" baseline="0" dirty="0" err="1" smtClean="0"/>
-              <a:t>snippets</a:t>
+              <a:t> </a:t>
             </a:r>
             <a:endParaRPr lang="nl-BE" dirty="0"/>
           </a:p>
@@ -2118,7 +2213,7 @@
           <a:p>
             <a:fld id="{968E3BEB-7864-49C1-AECF-08F91EDADE17}" type="slidenum">
               <a:rPr lang="nl-BE" smtClean="0"/>
-              <a:t>10</a:t>
+              <a:t>11</a:t>
             </a:fld>
             <a:endParaRPr lang="nl-BE"/>
           </a:p>
@@ -2183,27 +2278,34 @@
           <a:p>
             <a:r>
               <a:rPr lang="nl-BE" dirty="0" smtClean="0"/>
-              <a:t>Cedric</a:t>
-            </a:r>
-          </a:p>
-          <a:p>
-            <a:r>
-              <a:rPr lang="nl-BE" dirty="0" smtClean="0"/>
-              <a:t>Uitleggen welke functies</a:t>
+              <a:t>Toelichten welke</a:t>
             </a:r>
             <a:r>
               <a:rPr lang="nl-BE" baseline="0" dirty="0" smtClean="0"/>
-              <a:t> de BLL heeft </a:t>
-            </a:r>
-          </a:p>
-          <a:p>
+              <a:t> keuzes er gemaakt zijn in de DAL + </a:t>
+            </a:r>
+            <a:r>
+              <a:rPr lang="nl-BE" baseline="0" dirty="0" err="1" smtClean="0"/>
+              <a:t>stored</a:t>
+            </a:r>
             <a:r>
               <a:rPr lang="nl-BE" baseline="0" dirty="0" smtClean="0"/>
-              <a:t>Data validatie en PDF </a:t>
+              <a:t> procedures </a:t>
             </a:r>
             <a:r>
               <a:rPr lang="nl-BE" baseline="0" dirty="0" err="1" smtClean="0"/>
-              <a:t>createn</a:t>
+              <a:t>etc</a:t>
+            </a:r>
+            <a:endParaRPr lang="nl-BE" baseline="0" dirty="0" smtClean="0"/>
+          </a:p>
+          <a:p>
+            <a:r>
+              <a:rPr lang="nl-BE" baseline="0" dirty="0" smtClean="0"/>
+              <a:t>Code </a:t>
+            </a:r>
+            <a:r>
+              <a:rPr lang="nl-BE" baseline="0" dirty="0" err="1" smtClean="0"/>
+              <a:t>snippets</a:t>
             </a:r>
             <a:endParaRPr lang="nl-BE" dirty="0"/>
           </a:p>
@@ -2226,7 +2328,7 @@
           <a:p>
             <a:fld id="{968E3BEB-7864-49C1-AECF-08F91EDADE17}" type="slidenum">
               <a:rPr lang="nl-BE" smtClean="0"/>
-              <a:t>11</a:t>
+              <a:t>12</a:t>
             </a:fld>
             <a:endParaRPr lang="nl-BE"/>
           </a:p>
@@ -2235,7 +2337,7 @@
     </p:spTree>
     <p:extLst>
       <p:ext uri="{BB962C8B-B14F-4D97-AF65-F5344CB8AC3E}">
-        <p14:creationId xmlns:p14="http://schemas.microsoft.com/office/powerpoint/2010/main" val="4170874193"/>
+        <p14:creationId xmlns:p14="http://schemas.microsoft.com/office/powerpoint/2010/main" val="2787416582"/>
       </p:ext>
     </p:extLst>
   </p:cSld>
@@ -2334,7 +2436,7 @@
           <a:p>
             <a:fld id="{968E3BEB-7864-49C1-AECF-08F91EDADE17}" type="slidenum">
               <a:rPr lang="nl-BE" smtClean="0"/>
-              <a:t>12</a:t>
+              <a:t>13</a:t>
             </a:fld>
             <a:endParaRPr lang="nl-BE"/>
           </a:p>
@@ -2442,7 +2544,7 @@
           <a:p>
             <a:fld id="{968E3BEB-7864-49C1-AECF-08F91EDADE17}" type="slidenum">
               <a:rPr lang="nl-BE" smtClean="0"/>
-              <a:t>13</a:t>
+              <a:t>14</a:t>
             </a:fld>
             <a:endParaRPr lang="nl-BE"/>
           </a:p>
@@ -2550,7 +2652,7 @@
           <a:p>
             <a:fld id="{968E3BEB-7864-49C1-AECF-08F91EDADE17}" type="slidenum">
               <a:rPr lang="nl-BE" smtClean="0"/>
-              <a:t>14</a:t>
+              <a:t>15</a:t>
             </a:fld>
             <a:endParaRPr lang="nl-BE"/>
           </a:p>
@@ -2658,7 +2760,7 @@
           <a:p>
             <a:fld id="{968E3BEB-7864-49C1-AECF-08F91EDADE17}" type="slidenum">
               <a:rPr lang="nl-BE" smtClean="0"/>
-              <a:t>15</a:t>
+              <a:t>16</a:t>
             </a:fld>
             <a:endParaRPr lang="nl-BE"/>
           </a:p>
@@ -6301,7 +6403,7 @@
           <a:p>
             <a:r>
               <a:rPr lang="nl-BE" dirty="0" smtClean="0"/>
-              <a:t>DAL: Voorbeeld</a:t>
+              <a:t>DAL: opbouw</a:t>
             </a:r>
             <a:endParaRPr lang="nl-BE" dirty="0"/>
           </a:p>
@@ -6320,9 +6422,96 @@
         <p:spPr/>
         <p:txBody>
           <a:bodyPr>
-            <a:normAutofit/>
+            <a:normAutofit lnSpcReduction="10000"/>
           </a:bodyPr>
           <a:lstStyle/>
+          <a:p>
+            <a:pPr marL="228600" lvl="1" indent="0">
+              <a:buNone/>
+            </a:pPr>
+            <a:r>
+              <a:rPr lang="en-US" altLang="nl-BE" sz="2400" b="1" dirty="0" smtClean="0"/>
+              <a:t>Classes</a:t>
+            </a:r>
+            <a:r>
+              <a:rPr lang="en-US" altLang="nl-BE" sz="2400" dirty="0" smtClean="0"/>
+              <a:t>:</a:t>
+            </a:r>
+          </a:p>
+          <a:p>
+            <a:pPr lvl="1"/>
+            <a:r>
+              <a:rPr lang="en-US" altLang="nl-BE" sz="2400" dirty="0" smtClean="0"/>
+              <a:t>Provider: credentials database</a:t>
+            </a:r>
+          </a:p>
+          <a:p>
+            <a:pPr lvl="1"/>
+            <a:r>
+              <a:rPr lang="en-US" altLang="nl-BE" sz="2400" dirty="0" err="1" smtClean="0"/>
+              <a:t>ContextController</a:t>
+            </a:r>
+            <a:r>
+              <a:rPr lang="en-US" altLang="nl-BE" sz="2400" dirty="0" smtClean="0"/>
+              <a:t>: </a:t>
+            </a:r>
+            <a:r>
+              <a:rPr lang="en-US" altLang="nl-BE" sz="2400" dirty="0" err="1" smtClean="0"/>
+              <a:t>helperklasse</a:t>
+            </a:r>
+            <a:r>
+              <a:rPr lang="en-US" altLang="nl-BE" sz="2400" dirty="0" smtClean="0"/>
+              <a:t> </a:t>
+            </a:r>
+            <a:r>
+              <a:rPr lang="en-US" altLang="nl-BE" sz="2400" dirty="0" err="1" smtClean="0"/>
+              <a:t>interviewcontext</a:t>
+            </a:r>
+            <a:r>
+              <a:rPr lang="en-US" altLang="nl-BE" sz="2400" dirty="0" smtClean="0"/>
+              <a:t> </a:t>
+            </a:r>
+          </a:p>
+          <a:p>
+            <a:pPr lvl="1"/>
+            <a:r>
+              <a:rPr lang="en-US" altLang="nl-BE" sz="2400" dirty="0" err="1" smtClean="0"/>
+              <a:t>InterviewContext</a:t>
+            </a:r>
+            <a:r>
+              <a:rPr lang="en-US" altLang="nl-BE" sz="2400" dirty="0" smtClean="0"/>
+              <a:t>: </a:t>
+            </a:r>
+            <a:r>
+              <a:rPr lang="en-US" altLang="nl-BE" sz="2400" dirty="0" err="1" smtClean="0"/>
+              <a:t>functies</a:t>
+            </a:r>
+            <a:r>
+              <a:rPr lang="en-US" altLang="nl-BE" sz="2400" dirty="0" smtClean="0"/>
+              <a:t> om stored procedures </a:t>
+            </a:r>
+            <a:r>
+              <a:rPr lang="en-US" altLang="nl-BE" sz="2400" dirty="0" err="1" smtClean="0"/>
+              <a:t>aan</a:t>
+            </a:r>
+            <a:r>
+              <a:rPr lang="en-US" altLang="nl-BE" sz="2400" dirty="0" smtClean="0"/>
+              <a:t> </a:t>
+            </a:r>
+            <a:r>
+              <a:rPr lang="en-US" altLang="nl-BE" sz="2400" dirty="0" err="1" smtClean="0"/>
+              <a:t>te</a:t>
+            </a:r>
+            <a:r>
+              <a:rPr lang="en-US" altLang="nl-BE" sz="2400" dirty="0" smtClean="0"/>
+              <a:t> </a:t>
+            </a:r>
+            <a:r>
+              <a:rPr lang="en-US" altLang="nl-BE" sz="2400" dirty="0" err="1" smtClean="0"/>
+              <a:t>spreken</a:t>
+            </a:r>
+            <a:endParaRPr lang="en-US" altLang="nl-BE" sz="2400" dirty="0" smtClean="0"/>
+          </a:p>
           <a:p>
             <a:pPr marL="228600" lvl="1" indent="0">
               <a:buNone/>
@@ -6333,6 +6522,69 @@
             <a:pPr marL="228600" lvl="1" indent="0">
               <a:buNone/>
             </a:pPr>
+            <a:r>
+              <a:rPr lang="en-US" altLang="nl-BE" sz="2400" b="1" dirty="0" err="1" smtClean="0"/>
+              <a:t>Testclasses</a:t>
+            </a:r>
+            <a:r>
+              <a:rPr lang="en-US" altLang="nl-BE" sz="2400" dirty="0" smtClean="0"/>
+              <a:t>:</a:t>
+            </a:r>
+          </a:p>
+          <a:p>
+            <a:pPr lvl="1"/>
+            <a:r>
+              <a:rPr lang="en-US" altLang="nl-BE" sz="2400" dirty="0" err="1" smtClean="0"/>
+              <a:t>ConnectionTest</a:t>
+            </a:r>
+            <a:endParaRPr lang="en-US" altLang="nl-BE" sz="2400" dirty="0" smtClean="0"/>
+          </a:p>
+          <a:p>
+            <a:pPr lvl="1"/>
+            <a:r>
+              <a:rPr lang="en-US" altLang="nl-BE" sz="2400" dirty="0" err="1" smtClean="0"/>
+              <a:t>InterviewContextTest</a:t>
+            </a:r>
+            <a:endParaRPr lang="en-US" altLang="nl-BE" sz="2400" dirty="0" smtClean="0"/>
+          </a:p>
+          <a:p>
+            <a:pPr marL="228600" lvl="1" indent="0">
+              <a:buNone/>
+            </a:pPr>
+            <a:endParaRPr lang="en-US" altLang="nl-BE" sz="2400" dirty="0" smtClean="0"/>
+          </a:p>
+          <a:p>
+            <a:pPr marL="228600" lvl="1" indent="0">
+              <a:buNone/>
+            </a:pPr>
+            <a:r>
+              <a:rPr lang="en-US" altLang="nl-BE" sz="2400" b="1" dirty="0" smtClean="0"/>
+              <a:t>Helpers: </a:t>
+            </a:r>
+            <a:r>
+              <a:rPr lang="en-US" altLang="nl-BE" sz="2400" dirty="0" smtClean="0"/>
+              <a:t>Log, </a:t>
+            </a:r>
+            <a:r>
+              <a:rPr lang="en-US" altLang="nl-BE" sz="2400" dirty="0" err="1" smtClean="0"/>
+              <a:t>LogApp</a:t>
+            </a:r>
+            <a:r>
+              <a:rPr lang="en-US" altLang="nl-BE" sz="2400" dirty="0" smtClean="0"/>
+              <a:t>, Connection, Feedback</a:t>
+            </a:r>
+            <a:endParaRPr lang="en-US" altLang="nl-BE" sz="2400" b="1" dirty="0"/>
+          </a:p>
+          <a:p>
+            <a:pPr marL="228600" lvl="1" indent="0">
+              <a:buNone/>
+            </a:pPr>
+            <a:endParaRPr lang="en-US" altLang="nl-BE" sz="2400" dirty="0" smtClean="0"/>
+          </a:p>
+          <a:p>
+            <a:pPr marL="228600" lvl="1" indent="0">
+              <a:buNone/>
+            </a:pPr>
             <a:endParaRPr lang="en-US" altLang="nl-BE" sz="2400" dirty="0" smtClean="0"/>
           </a:p>
           <a:p>
@@ -6343,64 +6595,10 @@
           </a:p>
         </p:txBody>
       </p:sp>
-      <p:pic>
-        <p:nvPicPr>
-          <p:cNvPr id="3073" name="Picture 1"/>
-          <p:cNvPicPr>
-            <a:picLocks noChangeAspect="1" noChangeArrowheads="1"/>
-          </p:cNvPicPr>
-          <p:nvPr/>
-        </p:nvPicPr>
-        <p:blipFill>
-          <a:blip r:embed="rId3">
-            <a:extLst>
-              <a:ext uri="{28A0092B-C50C-407E-A947-70E740481C1C}">
-                <a14:useLocalDpi xmlns:a14="http://schemas.microsoft.com/office/drawing/2010/main" val="0"/>
-              </a:ext>
-            </a:extLst>
-          </a:blip>
-          <a:srcRect/>
-          <a:stretch>
-            <a:fillRect/>
-          </a:stretch>
-        </p:blipFill>
-        <p:spPr bwMode="auto">
-          <a:xfrm>
-            <a:off x="1157287" y="2132856"/>
-            <a:ext cx="6829425" cy="4295775"/>
-          </a:xfrm>
-          <a:prstGeom prst="rect">
-            <a:avLst/>
-          </a:prstGeom>
-          <a:noFill/>
-          <a:ln>
-            <a:noFill/>
-          </a:ln>
-          <a:extLst>
-            <a:ext uri="{909E8E84-426E-40DD-AFC4-6F175D3DCCD1}">
-              <a14:hiddenFill xmlns:a14="http://schemas.microsoft.com/office/drawing/2010/main">
-                <a:solidFill>
-                  <a:schemeClr val="accent1"/>
-                </a:solidFill>
-              </a14:hiddenFill>
-            </a:ext>
-            <a:ext uri="{91240B29-F687-4F45-9708-019B960494DF}">
-              <a14:hiddenLine xmlns:a14="http://schemas.microsoft.com/office/drawing/2010/main" w="9525">
-                <a:solidFill>
-                  <a:schemeClr val="tx1"/>
-                </a:solidFill>
-                <a:miter lim="800000"/>
-                <a:headEnd/>
-                <a:tailEnd/>
-              </a14:hiddenLine>
-            </a:ext>
-          </a:extLst>
-        </p:spPr>
-      </p:pic>
     </p:spTree>
     <p:extLst>
       <p:ext uri="{BB962C8B-B14F-4D97-AF65-F5344CB8AC3E}">
-        <p14:creationId xmlns:p14="http://schemas.microsoft.com/office/powerpoint/2010/main" val="2635967455"/>
+        <p14:creationId xmlns:p14="http://schemas.microsoft.com/office/powerpoint/2010/main" val="4043580440"/>
       </p:ext>
     </p:extLst>
   </p:cSld>
@@ -6451,7 +6649,11 @@
           <a:p>
             <a:r>
               <a:rPr lang="nl-BE" dirty="0" smtClean="0"/>
-              <a:t>BLL: Opbouw</a:t>
+              <a:t>DAL: </a:t>
+            </a:r>
+            <a:r>
+              <a:rPr lang="nl-BE" dirty="0" err="1" smtClean="0"/>
+              <a:t>OPbouw</a:t>
             </a:r>
             <a:endParaRPr lang="nl-BE" dirty="0"/>
           </a:p>
@@ -6459,200 +6661,948 @@
       </p:sp>
       <p:sp>
         <p:nvSpPr>
-          <p:cNvPr id="5" name="Tijdelijke aanduiding voor inhoud 4"/>
-          <p:cNvSpPr>
-            <a:spLocks noGrp="1"/>
-          </p:cNvSpPr>
-          <p:nvPr>
-            <p:ph idx="1"/>
-          </p:nvPr>
+          <p:cNvPr id="3" name="Rectangle 2"/>
+          <p:cNvSpPr/>
+          <p:nvPr/>
         </p:nvSpPr>
-        <p:spPr/>
+        <p:spPr>
+          <a:xfrm>
+            <a:off x="670181" y="2409492"/>
+            <a:ext cx="1152128" cy="504056"/>
+          </a:xfrm>
+          <a:prstGeom prst="rect">
+            <a:avLst/>
+          </a:prstGeom>
+        </p:spPr>
+        <p:style>
+          <a:lnRef idx="0">
+            <a:schemeClr val="accent1"/>
+          </a:lnRef>
+          <a:fillRef idx="3">
+            <a:schemeClr val="accent1"/>
+          </a:fillRef>
+          <a:effectRef idx="3">
+            <a:schemeClr val="accent1"/>
+          </a:effectRef>
+          <a:fontRef idx="minor">
+            <a:schemeClr val="lt1"/>
+          </a:fontRef>
+        </p:style>
         <p:txBody>
-          <a:bodyPr>
-            <a:normAutofit lnSpcReduction="10000"/>
+          <a:bodyPr rtlCol="0" anchor="ctr"/>
+          <a:lstStyle/>
+          <a:p>
+            <a:pPr algn="ctr"/>
+            <a:r>
+              <a:rPr lang="nl-BE" dirty="0" smtClean="0">
+                <a:solidFill>
+                  <a:schemeClr val="bg1"/>
+                </a:solidFill>
+              </a:rPr>
+              <a:t>Feedback</a:t>
+            </a:r>
+            <a:endParaRPr lang="nl-BE" dirty="0">
+              <a:solidFill>
+                <a:schemeClr val="bg1"/>
+              </a:solidFill>
+            </a:endParaRPr>
+          </a:p>
+        </p:txBody>
+      </p:sp>
+      <p:sp>
+        <p:nvSpPr>
+          <p:cNvPr id="6" name="Rectangle 5"/>
+          <p:cNvSpPr/>
+          <p:nvPr/>
+        </p:nvSpPr>
+        <p:spPr>
+          <a:xfrm>
+            <a:off x="670181" y="3392812"/>
+            <a:ext cx="1152128" cy="504056"/>
+          </a:xfrm>
+          <a:prstGeom prst="rect">
+            <a:avLst/>
+          </a:prstGeom>
+        </p:spPr>
+        <p:style>
+          <a:lnRef idx="0">
+            <a:schemeClr val="accent1"/>
+          </a:lnRef>
+          <a:fillRef idx="3">
+            <a:schemeClr val="accent1"/>
+          </a:fillRef>
+          <a:effectRef idx="3">
+            <a:schemeClr val="accent1"/>
+          </a:effectRef>
+          <a:fontRef idx="minor">
+            <a:schemeClr val="lt1"/>
+          </a:fontRef>
+        </p:style>
+        <p:txBody>
+          <a:bodyPr rtlCol="0" anchor="ctr"/>
+          <a:lstStyle/>
+          <a:p>
+            <a:pPr algn="ctr"/>
+            <a:r>
+              <a:rPr lang="nl-BE" dirty="0" smtClean="0">
+                <a:solidFill>
+                  <a:schemeClr val="bg1"/>
+                </a:solidFill>
+              </a:rPr>
+              <a:t>Log</a:t>
+            </a:r>
+            <a:endParaRPr lang="nl-BE" dirty="0">
+              <a:solidFill>
+                <a:schemeClr val="bg1"/>
+              </a:solidFill>
+            </a:endParaRPr>
+          </a:p>
+        </p:txBody>
+      </p:sp>
+      <p:sp>
+        <p:nvSpPr>
+          <p:cNvPr id="7" name="Rectangle 6"/>
+          <p:cNvSpPr/>
+          <p:nvPr/>
+        </p:nvSpPr>
+        <p:spPr>
+          <a:xfrm>
+            <a:off x="670181" y="4375771"/>
+            <a:ext cx="1152128" cy="504056"/>
+          </a:xfrm>
+          <a:prstGeom prst="rect">
+            <a:avLst/>
+          </a:prstGeom>
+        </p:spPr>
+        <p:style>
+          <a:lnRef idx="0">
+            <a:schemeClr val="accent1"/>
+          </a:lnRef>
+          <a:fillRef idx="3">
+            <a:schemeClr val="accent1"/>
+          </a:fillRef>
+          <a:effectRef idx="3">
+            <a:schemeClr val="accent1"/>
+          </a:effectRef>
+          <a:fontRef idx="minor">
+            <a:schemeClr val="lt1"/>
+          </a:fontRef>
+        </p:style>
+        <p:txBody>
+          <a:bodyPr rtlCol="0" anchor="ctr"/>
+          <a:lstStyle/>
+          <a:p>
+            <a:pPr algn="ctr"/>
+            <a:r>
+              <a:rPr lang="nl-BE" dirty="0" err="1" smtClean="0">
+                <a:solidFill>
+                  <a:schemeClr val="bg1"/>
+                </a:solidFill>
+              </a:rPr>
+              <a:t>LogApp</a:t>
+            </a:r>
+            <a:endParaRPr lang="nl-BE" dirty="0">
+              <a:solidFill>
+                <a:schemeClr val="bg1"/>
+              </a:solidFill>
+            </a:endParaRPr>
+          </a:p>
+        </p:txBody>
+      </p:sp>
+      <p:sp>
+        <p:nvSpPr>
+          <p:cNvPr id="8" name="Rectangle 7"/>
+          <p:cNvSpPr/>
+          <p:nvPr/>
+        </p:nvSpPr>
+        <p:spPr>
+          <a:xfrm>
+            <a:off x="2340118" y="3399167"/>
+            <a:ext cx="1296144" cy="504056"/>
+          </a:xfrm>
+          <a:prstGeom prst="rect">
+            <a:avLst/>
+          </a:prstGeom>
+        </p:spPr>
+        <p:style>
+          <a:lnRef idx="0">
+            <a:schemeClr val="accent1"/>
+          </a:lnRef>
+          <a:fillRef idx="3">
+            <a:schemeClr val="accent1"/>
+          </a:fillRef>
+          <a:effectRef idx="3">
+            <a:schemeClr val="accent1"/>
+          </a:effectRef>
+          <a:fontRef idx="minor">
+            <a:schemeClr val="lt1"/>
+          </a:fontRef>
+        </p:style>
+        <p:txBody>
+          <a:bodyPr rtlCol="0" anchor="ctr"/>
+          <a:lstStyle/>
+          <a:p>
+            <a:pPr algn="ctr"/>
+            <a:r>
+              <a:rPr lang="nl-BE" dirty="0" smtClean="0">
+                <a:solidFill>
+                  <a:schemeClr val="bg1"/>
+                </a:solidFill>
+              </a:rPr>
+              <a:t>Connection</a:t>
+            </a:r>
+            <a:endParaRPr lang="nl-BE" dirty="0">
+              <a:solidFill>
+                <a:schemeClr val="bg1"/>
+              </a:solidFill>
+            </a:endParaRPr>
+          </a:p>
+        </p:txBody>
+      </p:sp>
+      <p:sp>
+        <p:nvSpPr>
+          <p:cNvPr id="9" name="Rectangle 8"/>
+          <p:cNvSpPr/>
+          <p:nvPr/>
+        </p:nvSpPr>
+        <p:spPr>
+          <a:xfrm>
+            <a:off x="2340118" y="4375771"/>
+            <a:ext cx="1296144" cy="504056"/>
+          </a:xfrm>
+          <a:prstGeom prst="rect">
+            <a:avLst/>
+          </a:prstGeom>
+        </p:spPr>
+        <p:style>
+          <a:lnRef idx="0">
+            <a:schemeClr val="accent1"/>
+          </a:lnRef>
+          <a:fillRef idx="3">
+            <a:schemeClr val="accent1"/>
+          </a:fillRef>
+          <a:effectRef idx="3">
+            <a:schemeClr val="accent1"/>
+          </a:effectRef>
+          <a:fontRef idx="minor">
+            <a:schemeClr val="lt1"/>
+          </a:fontRef>
+        </p:style>
+        <p:txBody>
+          <a:bodyPr rtlCol="0" anchor="ctr"/>
+          <a:lstStyle/>
+          <a:p>
+            <a:pPr algn="ctr"/>
+            <a:r>
+              <a:rPr lang="nl-BE" dirty="0" smtClean="0">
+                <a:solidFill>
+                  <a:schemeClr val="bg1"/>
+                </a:solidFill>
+              </a:rPr>
+              <a:t>Provider</a:t>
+            </a:r>
+            <a:endParaRPr lang="nl-BE" dirty="0">
+              <a:solidFill>
+                <a:schemeClr val="bg1"/>
+              </a:solidFill>
+            </a:endParaRPr>
+          </a:p>
+        </p:txBody>
+      </p:sp>
+      <p:sp>
+        <p:nvSpPr>
+          <p:cNvPr id="10" name="Rectangle 9"/>
+          <p:cNvSpPr/>
+          <p:nvPr/>
+        </p:nvSpPr>
+        <p:spPr>
+          <a:xfrm>
+            <a:off x="4154071" y="4381286"/>
+            <a:ext cx="1944997" cy="504056"/>
+          </a:xfrm>
+          <a:prstGeom prst="rect">
+            <a:avLst/>
+          </a:prstGeom>
+        </p:spPr>
+        <p:style>
+          <a:lnRef idx="0">
+            <a:schemeClr val="accent1"/>
+          </a:lnRef>
+          <a:fillRef idx="3">
+            <a:schemeClr val="accent1"/>
+          </a:fillRef>
+          <a:effectRef idx="3">
+            <a:schemeClr val="accent1"/>
+          </a:effectRef>
+          <a:fontRef idx="minor">
+            <a:schemeClr val="lt1"/>
+          </a:fontRef>
+        </p:style>
+        <p:txBody>
+          <a:bodyPr rtlCol="0" anchor="ctr"/>
+          <a:lstStyle/>
+          <a:p>
+            <a:pPr algn="ctr"/>
+            <a:r>
+              <a:rPr lang="nl-BE" dirty="0" err="1" smtClean="0">
+                <a:solidFill>
+                  <a:schemeClr val="bg1"/>
+                </a:solidFill>
+              </a:rPr>
+              <a:t>ContextController</a:t>
+            </a:r>
+            <a:endParaRPr lang="nl-BE" dirty="0">
+              <a:solidFill>
+                <a:schemeClr val="bg1"/>
+              </a:solidFill>
+            </a:endParaRPr>
+          </a:p>
+        </p:txBody>
+      </p:sp>
+      <p:sp>
+        <p:nvSpPr>
+          <p:cNvPr id="11" name="Rectangle 10"/>
+          <p:cNvSpPr/>
+          <p:nvPr/>
+        </p:nvSpPr>
+        <p:spPr>
+          <a:xfrm>
+            <a:off x="4154071" y="5384836"/>
+            <a:ext cx="1944996" cy="504056"/>
+          </a:xfrm>
+          <a:prstGeom prst="rect">
+            <a:avLst/>
+          </a:prstGeom>
+        </p:spPr>
+        <p:style>
+          <a:lnRef idx="0">
+            <a:schemeClr val="accent1"/>
+          </a:lnRef>
+          <a:fillRef idx="3">
+            <a:schemeClr val="accent1"/>
+          </a:fillRef>
+          <a:effectRef idx="3">
+            <a:schemeClr val="accent1"/>
+          </a:effectRef>
+          <a:fontRef idx="minor">
+            <a:schemeClr val="lt1"/>
+          </a:fontRef>
+        </p:style>
+        <p:txBody>
+          <a:bodyPr rtlCol="0" anchor="ctr"/>
+          <a:lstStyle/>
+          <a:p>
+            <a:pPr algn="ctr"/>
+            <a:r>
+              <a:rPr lang="nl-BE" dirty="0" err="1" smtClean="0">
+                <a:solidFill>
+                  <a:schemeClr val="bg1"/>
+                </a:solidFill>
+              </a:rPr>
+              <a:t>InterviewContext</a:t>
+            </a:r>
+            <a:endParaRPr lang="nl-BE" dirty="0">
+              <a:solidFill>
+                <a:schemeClr val="bg1"/>
+              </a:solidFill>
+            </a:endParaRPr>
+          </a:p>
+        </p:txBody>
+      </p:sp>
+      <p:sp>
+        <p:nvSpPr>
+          <p:cNvPr id="12" name="Rectangle 11"/>
+          <p:cNvSpPr/>
+          <p:nvPr/>
+        </p:nvSpPr>
+        <p:spPr>
+          <a:xfrm>
+            <a:off x="6616877" y="4879827"/>
+            <a:ext cx="2089012" cy="504056"/>
+          </a:xfrm>
+          <a:prstGeom prst="rect">
+            <a:avLst/>
+          </a:prstGeom>
+        </p:spPr>
+        <p:style>
+          <a:lnRef idx="0">
+            <a:schemeClr val="accent1"/>
+          </a:lnRef>
+          <a:fillRef idx="3">
+            <a:schemeClr val="accent1"/>
+          </a:fillRef>
+          <a:effectRef idx="3">
+            <a:schemeClr val="accent1"/>
+          </a:effectRef>
+          <a:fontRef idx="minor">
+            <a:schemeClr val="lt1"/>
+          </a:fontRef>
+        </p:style>
+        <p:txBody>
+          <a:bodyPr rtlCol="0" anchor="ctr"/>
+          <a:lstStyle/>
+          <a:p>
+            <a:pPr algn="ctr"/>
+            <a:r>
+              <a:rPr lang="nl-BE" dirty="0" smtClean="0">
+                <a:solidFill>
+                  <a:schemeClr val="bg1"/>
+                </a:solidFill>
+              </a:rPr>
+              <a:t>BLL\</a:t>
+            </a:r>
+            <a:r>
+              <a:rPr lang="nl-BE" dirty="0" err="1" smtClean="0">
+                <a:solidFill>
+                  <a:schemeClr val="bg1"/>
+                </a:solidFill>
+              </a:rPr>
+              <a:t>DataController</a:t>
+            </a:r>
+            <a:endParaRPr lang="nl-BE" dirty="0">
+              <a:solidFill>
+                <a:schemeClr val="bg1"/>
+              </a:solidFill>
+            </a:endParaRPr>
+          </a:p>
+        </p:txBody>
+      </p:sp>
+      <p:sp>
+        <p:nvSpPr>
+          <p:cNvPr id="13" name="Rectangle 12"/>
+          <p:cNvSpPr/>
+          <p:nvPr/>
+        </p:nvSpPr>
+        <p:spPr>
+          <a:xfrm>
+            <a:off x="6616877" y="5911222"/>
+            <a:ext cx="2089012" cy="504056"/>
+          </a:xfrm>
+          <a:prstGeom prst="rect">
+            <a:avLst/>
+          </a:prstGeom>
+        </p:spPr>
+        <p:style>
+          <a:lnRef idx="0">
+            <a:schemeClr val="accent1"/>
+          </a:lnRef>
+          <a:fillRef idx="3">
+            <a:schemeClr val="accent1"/>
+          </a:fillRef>
+          <a:effectRef idx="3">
+            <a:schemeClr val="accent1"/>
+          </a:effectRef>
+          <a:fontRef idx="minor">
+            <a:schemeClr val="lt1"/>
+          </a:fontRef>
+        </p:style>
+        <p:txBody>
+          <a:bodyPr rtlCol="0" anchor="ctr"/>
+          <a:lstStyle/>
+          <a:p>
+            <a:pPr algn="ctr"/>
+            <a:r>
+              <a:rPr lang="nl-BE" dirty="0" smtClean="0">
+                <a:solidFill>
+                  <a:schemeClr val="bg1"/>
+                </a:solidFill>
+              </a:rPr>
+              <a:t>MVC\Controller</a:t>
+            </a:r>
+            <a:endParaRPr lang="nl-BE" dirty="0">
+              <a:solidFill>
+                <a:schemeClr val="bg1"/>
+              </a:solidFill>
+            </a:endParaRPr>
+          </a:p>
+        </p:txBody>
+      </p:sp>
+      <p:cxnSp>
+        <p:nvCxnSpPr>
+          <p:cNvPr id="14" name="Straight Arrow Connector 13"/>
+          <p:cNvCxnSpPr>
+            <a:stCxn id="6" idx="0"/>
+            <a:endCxn id="3" idx="2"/>
+          </p:cNvCxnSpPr>
+          <p:nvPr/>
+        </p:nvCxnSpPr>
+        <p:spPr>
+          <a:xfrm flipV="1">
+            <a:off x="1246245" y="2913548"/>
+            <a:ext cx="0" cy="479264"/>
+          </a:xfrm>
+          <a:prstGeom prst="straightConnector1">
+            <a:avLst/>
+          </a:prstGeom>
+          <a:ln w="31750" cmpd="sng">
+            <a:headEnd w="lg" len="lg"/>
+            <a:tailEnd type="triangle" w="lg" len="med"/>
+          </a:ln>
+        </p:spPr>
+        <p:style>
+          <a:lnRef idx="3">
+            <a:schemeClr val="dk1"/>
+          </a:lnRef>
+          <a:fillRef idx="0">
+            <a:schemeClr val="dk1"/>
+          </a:fillRef>
+          <a:effectRef idx="2">
+            <a:schemeClr val="dk1"/>
+          </a:effectRef>
+          <a:fontRef idx="minor">
+            <a:schemeClr val="tx1"/>
+          </a:fontRef>
+        </p:style>
+      </p:cxnSp>
+      <p:cxnSp>
+        <p:nvCxnSpPr>
+          <p:cNvPr id="16" name="Straight Arrow Connector 15"/>
+          <p:cNvCxnSpPr>
+            <a:stCxn id="7" idx="0"/>
+            <a:endCxn id="6" idx="2"/>
+          </p:cNvCxnSpPr>
+          <p:nvPr/>
+        </p:nvCxnSpPr>
+        <p:spPr>
+          <a:xfrm flipV="1">
+            <a:off x="1246245" y="3896868"/>
+            <a:ext cx="0" cy="478903"/>
+          </a:xfrm>
+          <a:prstGeom prst="straightConnector1">
+            <a:avLst/>
+          </a:prstGeom>
+          <a:ln w="31750" cmpd="sng">
+            <a:headEnd w="lg" len="lg"/>
+            <a:tailEnd type="triangle" w="lg" len="med"/>
+          </a:ln>
+        </p:spPr>
+        <p:style>
+          <a:lnRef idx="3">
+            <a:schemeClr val="dk1"/>
+          </a:lnRef>
+          <a:fillRef idx="0">
+            <a:schemeClr val="dk1"/>
+          </a:fillRef>
+          <a:effectRef idx="2">
+            <a:schemeClr val="dk1"/>
+          </a:effectRef>
+          <a:fontRef idx="minor">
+            <a:schemeClr val="tx1"/>
+          </a:fontRef>
+        </p:style>
+      </p:cxnSp>
+      <p:cxnSp>
+        <p:nvCxnSpPr>
+          <p:cNvPr id="19" name="Straight Arrow Connector 18"/>
+          <p:cNvCxnSpPr>
+            <a:stCxn id="9" idx="0"/>
+            <a:endCxn id="8" idx="2"/>
+          </p:cNvCxnSpPr>
+          <p:nvPr/>
+        </p:nvCxnSpPr>
+        <p:spPr>
+          <a:xfrm flipV="1">
+            <a:off x="2988190" y="3903223"/>
+            <a:ext cx="0" cy="472548"/>
+          </a:xfrm>
+          <a:prstGeom prst="straightConnector1">
+            <a:avLst/>
+          </a:prstGeom>
+          <a:ln w="31750" cmpd="sng">
+            <a:headEnd w="lg" len="lg"/>
+            <a:tailEnd type="triangle" w="lg" len="med"/>
+          </a:ln>
+        </p:spPr>
+        <p:style>
+          <a:lnRef idx="3">
+            <a:schemeClr val="dk1"/>
+          </a:lnRef>
+          <a:fillRef idx="0">
+            <a:schemeClr val="dk1"/>
+          </a:fillRef>
+          <a:effectRef idx="2">
+            <a:schemeClr val="dk1"/>
+          </a:effectRef>
+          <a:fontRef idx="minor">
+            <a:schemeClr val="tx1"/>
+          </a:fontRef>
+        </p:style>
+      </p:cxnSp>
+      <p:cxnSp>
+        <p:nvCxnSpPr>
+          <p:cNvPr id="22" name="Straight Arrow Connector 21"/>
+          <p:cNvCxnSpPr>
+            <a:stCxn id="8" idx="1"/>
+            <a:endCxn id="6" idx="3"/>
+          </p:cNvCxnSpPr>
+          <p:nvPr/>
+        </p:nvCxnSpPr>
+        <p:spPr>
+          <a:xfrm flipH="1" flipV="1">
+            <a:off x="1822309" y="3644840"/>
+            <a:ext cx="517809" cy="6355"/>
+          </a:xfrm>
+          <a:prstGeom prst="straightConnector1">
+            <a:avLst/>
+          </a:prstGeom>
+          <a:ln w="31750" cmpd="sng">
+            <a:prstDash val="sysDash"/>
+            <a:headEnd w="lg" len="lg"/>
+            <a:tailEnd type="triangle" w="lg" len="med"/>
+          </a:ln>
+        </p:spPr>
+        <p:style>
+          <a:lnRef idx="3">
+            <a:schemeClr val="dk1"/>
+          </a:lnRef>
+          <a:fillRef idx="0">
+            <a:schemeClr val="dk1"/>
+          </a:fillRef>
+          <a:effectRef idx="2">
+            <a:schemeClr val="dk1"/>
+          </a:effectRef>
+          <a:fontRef idx="minor">
+            <a:schemeClr val="tx1"/>
+          </a:fontRef>
+        </p:style>
+      </p:cxnSp>
+      <p:cxnSp>
+        <p:nvCxnSpPr>
+          <p:cNvPr id="25" name="Straight Arrow Connector 24"/>
+          <p:cNvCxnSpPr>
+            <a:stCxn id="9" idx="1"/>
+            <a:endCxn id="7" idx="3"/>
+          </p:cNvCxnSpPr>
+          <p:nvPr/>
+        </p:nvCxnSpPr>
+        <p:spPr>
+          <a:xfrm flipH="1">
+            <a:off x="1822309" y="4627799"/>
+            <a:ext cx="517809" cy="0"/>
+          </a:xfrm>
+          <a:prstGeom prst="straightConnector1">
+            <a:avLst/>
+          </a:prstGeom>
+          <a:ln w="31750" cmpd="sng">
+            <a:prstDash val="sysDash"/>
+            <a:headEnd w="lg" len="lg"/>
+            <a:tailEnd type="triangle" w="lg" len="med"/>
+          </a:ln>
+        </p:spPr>
+        <p:style>
+          <a:lnRef idx="3">
+            <a:schemeClr val="dk1"/>
+          </a:lnRef>
+          <a:fillRef idx="0">
+            <a:schemeClr val="dk1"/>
+          </a:fillRef>
+          <a:effectRef idx="2">
+            <a:schemeClr val="dk1"/>
+          </a:effectRef>
+          <a:fontRef idx="minor">
+            <a:schemeClr val="tx1"/>
+          </a:fontRef>
+        </p:style>
+      </p:cxnSp>
+      <p:cxnSp>
+        <p:nvCxnSpPr>
+          <p:cNvPr id="28" name="Straight Arrow Connector 27"/>
+          <p:cNvCxnSpPr>
+            <a:stCxn id="10" idx="1"/>
+            <a:endCxn id="9" idx="3"/>
+          </p:cNvCxnSpPr>
+          <p:nvPr/>
+        </p:nvCxnSpPr>
+        <p:spPr>
+          <a:xfrm flipH="1" flipV="1">
+            <a:off x="3636262" y="4627799"/>
+            <a:ext cx="517809" cy="5515"/>
+          </a:xfrm>
+          <a:prstGeom prst="straightConnector1">
+            <a:avLst/>
+          </a:prstGeom>
+          <a:ln w="31750" cmpd="sng">
+            <a:prstDash val="sysDash"/>
+            <a:headEnd w="lg" len="lg"/>
+            <a:tailEnd type="triangle" w="lg" len="med"/>
+          </a:ln>
+        </p:spPr>
+        <p:style>
+          <a:lnRef idx="3">
+            <a:schemeClr val="dk1"/>
+          </a:lnRef>
+          <a:fillRef idx="0">
+            <a:schemeClr val="dk1"/>
+          </a:fillRef>
+          <a:effectRef idx="2">
+            <a:schemeClr val="dk1"/>
+          </a:effectRef>
+          <a:fontRef idx="minor">
+            <a:schemeClr val="tx1"/>
+          </a:fontRef>
+        </p:style>
+      </p:cxnSp>
+      <p:cxnSp>
+        <p:nvCxnSpPr>
+          <p:cNvPr id="31" name="Straight Arrow Connector 30"/>
+          <p:cNvCxnSpPr>
+            <a:stCxn id="11" idx="0"/>
+            <a:endCxn id="10" idx="2"/>
+          </p:cNvCxnSpPr>
+          <p:nvPr/>
+        </p:nvCxnSpPr>
+        <p:spPr>
+          <a:xfrm flipV="1">
+            <a:off x="5126569" y="4885342"/>
+            <a:ext cx="1" cy="499494"/>
+          </a:xfrm>
+          <a:prstGeom prst="straightConnector1">
+            <a:avLst/>
+          </a:prstGeom>
+          <a:ln w="31750" cmpd="sng">
+            <a:prstDash val="sysDash"/>
+            <a:headEnd w="lg" len="lg"/>
+            <a:tailEnd type="triangle" w="lg" len="med"/>
+          </a:ln>
+        </p:spPr>
+        <p:style>
+          <a:lnRef idx="3">
+            <a:schemeClr val="dk1"/>
+          </a:lnRef>
+          <a:fillRef idx="0">
+            <a:schemeClr val="dk1"/>
+          </a:fillRef>
+          <a:effectRef idx="2">
+            <a:schemeClr val="dk1"/>
+          </a:effectRef>
+          <a:fontRef idx="minor">
+            <a:schemeClr val="tx1"/>
+          </a:fontRef>
+        </p:style>
+      </p:cxnSp>
+      <p:cxnSp>
+        <p:nvCxnSpPr>
+          <p:cNvPr id="34" name="Straight Arrow Connector 33"/>
+          <p:cNvCxnSpPr>
+            <a:stCxn id="12" idx="1"/>
+          </p:cNvCxnSpPr>
+          <p:nvPr/>
+        </p:nvCxnSpPr>
+        <p:spPr>
+          <a:xfrm flipH="1">
+            <a:off x="6099067" y="5131855"/>
+            <a:ext cx="517810" cy="313369"/>
+          </a:xfrm>
+          <a:prstGeom prst="straightConnector1">
+            <a:avLst/>
+          </a:prstGeom>
+          <a:ln w="31750" cmpd="sng">
+            <a:prstDash val="sysDash"/>
+            <a:headEnd w="lg" len="lg"/>
+            <a:tailEnd type="triangle" w="lg" len="med"/>
+          </a:ln>
+        </p:spPr>
+        <p:style>
+          <a:lnRef idx="3">
+            <a:schemeClr val="dk1"/>
+          </a:lnRef>
+          <a:fillRef idx="0">
+            <a:schemeClr val="dk1"/>
+          </a:fillRef>
+          <a:effectRef idx="2">
+            <a:schemeClr val="dk1"/>
+          </a:effectRef>
+          <a:fontRef idx="minor">
+            <a:schemeClr val="tx1"/>
+          </a:fontRef>
+        </p:style>
+      </p:cxnSp>
+      <p:cxnSp>
+        <p:nvCxnSpPr>
+          <p:cNvPr id="37" name="Straight Arrow Connector 36"/>
+          <p:cNvCxnSpPr>
+            <a:stCxn id="13" idx="1"/>
+          </p:cNvCxnSpPr>
+          <p:nvPr/>
+        </p:nvCxnSpPr>
+        <p:spPr>
+          <a:xfrm flipH="1" flipV="1">
+            <a:off x="6099067" y="5805264"/>
+            <a:ext cx="517810" cy="357986"/>
+          </a:xfrm>
+          <a:prstGeom prst="straightConnector1">
+            <a:avLst/>
+          </a:prstGeom>
+          <a:ln w="31750" cmpd="sng">
+            <a:prstDash val="sysDash"/>
+            <a:headEnd w="lg" len="lg"/>
+            <a:tailEnd type="triangle" w="lg" len="med"/>
+          </a:ln>
+        </p:spPr>
+        <p:style>
+          <a:lnRef idx="3">
+            <a:schemeClr val="dk1"/>
+          </a:lnRef>
+          <a:fillRef idx="0">
+            <a:schemeClr val="dk1"/>
+          </a:fillRef>
+          <a:effectRef idx="2">
+            <a:schemeClr val="dk1"/>
+          </a:effectRef>
+          <a:fontRef idx="minor">
+            <a:schemeClr val="tx1"/>
+          </a:fontRef>
+        </p:style>
+      </p:cxnSp>
+      <p:cxnSp>
+        <p:nvCxnSpPr>
+          <p:cNvPr id="123" name="Straight Arrow Connector 122"/>
+          <p:cNvCxnSpPr/>
+          <p:nvPr/>
+        </p:nvCxnSpPr>
+        <p:spPr>
+          <a:xfrm>
+            <a:off x="2274754" y="6237312"/>
+            <a:ext cx="576064" cy="0"/>
+          </a:xfrm>
+          <a:prstGeom prst="straightConnector1">
+            <a:avLst/>
+          </a:prstGeom>
+          <a:ln w="31750" cmpd="sng">
+            <a:prstDash val="sysDash"/>
+            <a:headEnd w="lg" len="lg"/>
+            <a:tailEnd type="triangle" w="lg" len="med"/>
+          </a:ln>
+        </p:spPr>
+        <p:style>
+          <a:lnRef idx="3">
+            <a:schemeClr val="dk1"/>
+          </a:lnRef>
+          <a:fillRef idx="0">
+            <a:schemeClr val="dk1"/>
+          </a:fillRef>
+          <a:effectRef idx="2">
+            <a:schemeClr val="dk1"/>
+          </a:effectRef>
+          <a:fontRef idx="minor">
+            <a:schemeClr val="tx1"/>
+          </a:fontRef>
+        </p:style>
+      </p:cxnSp>
+      <p:cxnSp>
+        <p:nvCxnSpPr>
+          <p:cNvPr id="124" name="Straight Arrow Connector 123"/>
+          <p:cNvCxnSpPr/>
+          <p:nvPr/>
+        </p:nvCxnSpPr>
+        <p:spPr>
+          <a:xfrm>
+            <a:off x="2274754" y="5911222"/>
+            <a:ext cx="576064" cy="0"/>
+          </a:xfrm>
+          <a:prstGeom prst="straightConnector1">
+            <a:avLst/>
+          </a:prstGeom>
+          <a:ln w="31750" cmpd="sng">
+            <a:headEnd w="lg" len="lg"/>
+            <a:tailEnd type="triangle" w="lg" len="med"/>
+          </a:ln>
+        </p:spPr>
+        <p:style>
+          <a:lnRef idx="3">
+            <a:schemeClr val="dk1"/>
+          </a:lnRef>
+          <a:fillRef idx="0">
+            <a:schemeClr val="dk1"/>
+          </a:fillRef>
+          <a:effectRef idx="2">
+            <a:schemeClr val="dk1"/>
+          </a:effectRef>
+          <a:fontRef idx="minor">
+            <a:schemeClr val="tx1"/>
+          </a:fontRef>
+        </p:style>
+      </p:cxnSp>
+      <p:sp>
+        <p:nvSpPr>
+          <p:cNvPr id="129" name="TextBox 128"/>
+          <p:cNvSpPr txBox="1"/>
+          <p:nvPr/>
+        </p:nvSpPr>
+        <p:spPr>
+          <a:xfrm>
+            <a:off x="735879" y="5704226"/>
+            <a:ext cx="1401346" cy="369332"/>
+          </a:xfrm>
+          <a:prstGeom prst="rect">
+            <a:avLst/>
+          </a:prstGeom>
+          <a:noFill/>
+        </p:spPr>
+        <p:txBody>
+          <a:bodyPr wrap="none" rtlCol="0">
+            <a:spAutoFit/>
           </a:bodyPr>
           <a:lstStyle/>
           <a:p>
-            <a:pPr marL="228600" lvl="1" indent="0">
-              <a:buNone/>
-            </a:pPr>
-            <a:r>
-              <a:rPr lang="en-US" sz="2400" b="1" dirty="0" smtClean="0"/>
-              <a:t>Classes:</a:t>
-            </a:r>
-          </a:p>
-          <a:p>
-            <a:pPr lvl="1"/>
-            <a:r>
-              <a:rPr lang="en-US" sz="2400" dirty="0" err="1" smtClean="0"/>
-              <a:t>CreateReport</a:t>
-            </a:r>
-            <a:r>
-              <a:rPr lang="en-US" sz="2400" dirty="0" smtClean="0"/>
-              <a:t>: helper user-</a:t>
-            </a:r>
-            <a:r>
-              <a:rPr lang="en-US" sz="2400" dirty="0" err="1" smtClean="0"/>
-              <a:t>interactieafhandeling</a:t>
-            </a:r>
-            <a:endParaRPr lang="en-US" sz="2400" dirty="0" smtClean="0"/>
-          </a:p>
-          <a:p>
-            <a:pPr lvl="1"/>
-            <a:r>
-              <a:rPr lang="nl-BE" sz="2400" dirty="0" err="1" smtClean="0"/>
-              <a:t>DataController</a:t>
-            </a:r>
-            <a:r>
-              <a:rPr lang="nl-BE" sz="2400" dirty="0" smtClean="0"/>
-              <a:t>: verdere afhandeling dataverwerking</a:t>
-            </a:r>
-            <a:endParaRPr lang="nl-BE" sz="2400" dirty="0"/>
-          </a:p>
-          <a:p>
-            <a:pPr lvl="1"/>
-            <a:r>
-              <a:rPr lang="nl-BE" sz="2400" dirty="0" smtClean="0"/>
-              <a:t>Download: correcte afhandeling browser-download</a:t>
-            </a:r>
-          </a:p>
-          <a:p>
-            <a:pPr lvl="1"/>
-            <a:r>
-              <a:rPr lang="en-US" altLang="nl-BE" sz="2400" dirty="0" smtClean="0"/>
-              <a:t>PDF: </a:t>
-            </a:r>
-            <a:r>
-              <a:rPr lang="en-US" altLang="nl-BE" sz="2400" dirty="0" err="1" smtClean="0"/>
-              <a:t>extensie</a:t>
-            </a:r>
-            <a:r>
-              <a:rPr lang="en-US" altLang="nl-BE" sz="2400" dirty="0" smtClean="0"/>
-              <a:t> PDF</a:t>
-            </a:r>
-            <a:endParaRPr lang="en-US" altLang="nl-BE" sz="2400" dirty="0"/>
-          </a:p>
-          <a:p>
-            <a:pPr lvl="1"/>
-            <a:r>
-              <a:rPr lang="nl-BE" sz="2400" dirty="0" err="1" smtClean="0"/>
-              <a:t>CreatePdf</a:t>
-            </a:r>
-            <a:r>
-              <a:rPr lang="nl-BE" sz="2400" dirty="0" smtClean="0"/>
-              <a:t>: aanmaken </a:t>
-            </a:r>
-            <a:r>
-              <a:rPr lang="nl-BE" sz="2400" dirty="0" err="1" smtClean="0"/>
-              <a:t>PDF-bestand</a:t>
-            </a:r>
-            <a:endParaRPr lang="nl-BE" sz="2400" dirty="0"/>
-          </a:p>
-          <a:p>
-            <a:pPr lvl="1"/>
-            <a:r>
-              <a:rPr lang="en-US" altLang="nl-BE" sz="2400" dirty="0" err="1" smtClean="0"/>
-              <a:t>AddQuestion</a:t>
-            </a:r>
-            <a:r>
-              <a:rPr lang="en-US" altLang="nl-BE" sz="2400" dirty="0" smtClean="0"/>
-              <a:t>: </a:t>
-            </a:r>
-            <a:r>
-              <a:rPr lang="en-US" altLang="nl-BE" sz="2400" dirty="0" err="1" smtClean="0"/>
-              <a:t>vraag</a:t>
-            </a:r>
-            <a:r>
-              <a:rPr lang="en-US" altLang="nl-BE" sz="2400" dirty="0" smtClean="0"/>
-              <a:t> </a:t>
-            </a:r>
-            <a:r>
-              <a:rPr lang="en-US" altLang="nl-BE" sz="2400" dirty="0" err="1" smtClean="0"/>
-              <a:t>aan</a:t>
-            </a:r>
-            <a:r>
-              <a:rPr lang="en-US" altLang="nl-BE" sz="2400" dirty="0" smtClean="0"/>
-              <a:t> databank </a:t>
-            </a:r>
-            <a:r>
-              <a:rPr lang="en-US" altLang="nl-BE" sz="2400" dirty="0" err="1" smtClean="0"/>
-              <a:t>toevoegen</a:t>
-            </a:r>
-            <a:r>
-              <a:rPr lang="en-US" altLang="nl-BE" sz="2400" dirty="0" smtClean="0"/>
-              <a:t> (met </a:t>
-            </a:r>
-            <a:r>
-              <a:rPr lang="en-US" altLang="nl-BE" sz="2400" dirty="0" err="1" smtClean="0"/>
-              <a:t>gegevens</a:t>
-            </a:r>
-            <a:r>
-              <a:rPr lang="en-US" altLang="nl-BE" sz="2400" dirty="0" smtClean="0"/>
-              <a:t> via </a:t>
-            </a:r>
-            <a:r>
-              <a:rPr lang="en-US" altLang="nl-BE" sz="2400" dirty="0" err="1" smtClean="0"/>
-              <a:t>ajax</a:t>
-            </a:r>
-            <a:r>
-              <a:rPr lang="en-US" altLang="nl-BE" sz="2400" dirty="0" smtClean="0"/>
-              <a:t> </a:t>
-            </a:r>
-            <a:r>
-              <a:rPr lang="en-US" altLang="nl-BE" sz="2400" dirty="0" err="1" smtClean="0"/>
-              <a:t>doorgekregen</a:t>
-            </a:r>
-            <a:r>
-              <a:rPr lang="en-US" altLang="nl-BE" sz="2400" dirty="0" smtClean="0"/>
-              <a:t>)</a:t>
-            </a:r>
-            <a:endParaRPr lang="en-US" altLang="nl-BE" sz="2400" dirty="0"/>
-          </a:p>
-          <a:p>
-            <a:pPr marL="228600" lvl="1" indent="0">
-              <a:buNone/>
-            </a:pPr>
-            <a:endParaRPr lang="en-US" altLang="nl-BE" sz="2400" dirty="0" smtClean="0"/>
-          </a:p>
-          <a:p>
-            <a:pPr marL="228600" lvl="1" indent="0">
-              <a:buNone/>
-            </a:pPr>
-            <a:r>
-              <a:rPr lang="en-US" altLang="nl-BE" sz="2400" b="1" dirty="0" err="1" smtClean="0"/>
-              <a:t>Testclasses</a:t>
-            </a:r>
-            <a:r>
-              <a:rPr lang="en-US" altLang="nl-BE" sz="2400" b="1" dirty="0" smtClean="0"/>
-              <a:t>:</a:t>
-            </a:r>
-            <a:endParaRPr lang="en-US" altLang="nl-BE" sz="2400" b="1" dirty="0"/>
-          </a:p>
-          <a:p>
-            <a:pPr lvl="1"/>
-            <a:r>
-              <a:rPr lang="nl-BE" sz="2400" dirty="0" err="1"/>
-              <a:t>CreatePdfTest</a:t>
-            </a:r>
-            <a:endParaRPr lang="nl-BE" sz="2400" dirty="0"/>
-          </a:p>
-          <a:p>
-            <a:pPr lvl="1"/>
-            <a:endParaRPr lang="en-US" altLang="nl-BE" sz="2400" dirty="0" smtClean="0"/>
-          </a:p>
-          <a:p>
-            <a:pPr marL="228600" lvl="1" indent="0">
-              <a:buNone/>
-            </a:pPr>
-            <a:endParaRPr lang="en-US" altLang="nl-BE" sz="2400" dirty="0"/>
+            <a:r>
+              <a:rPr lang="nl-BE" dirty="0" smtClean="0">
+                <a:solidFill>
+                  <a:schemeClr val="bg1"/>
+                </a:solidFill>
+              </a:rPr>
+              <a:t>erft over van</a:t>
+            </a:r>
+            <a:endParaRPr lang="nl-BE" dirty="0">
+              <a:solidFill>
+                <a:schemeClr val="bg1"/>
+              </a:solidFill>
+            </a:endParaRPr>
+          </a:p>
+        </p:txBody>
+      </p:sp>
+      <p:sp>
+        <p:nvSpPr>
+          <p:cNvPr id="130" name="TextBox 129"/>
+          <p:cNvSpPr txBox="1"/>
+          <p:nvPr/>
+        </p:nvSpPr>
+        <p:spPr>
+          <a:xfrm>
+            <a:off x="328979" y="6052646"/>
+            <a:ext cx="1813638" cy="369332"/>
+          </a:xfrm>
+          <a:prstGeom prst="rect">
+            <a:avLst/>
+          </a:prstGeom>
+          <a:noFill/>
+        </p:spPr>
+        <p:txBody>
+          <a:bodyPr wrap="none" rtlCol="0">
+            <a:spAutoFit/>
+          </a:bodyPr>
+          <a:lstStyle/>
+          <a:p>
+            <a:r>
+              <a:rPr lang="nl-BE" dirty="0" smtClean="0">
+                <a:solidFill>
+                  <a:schemeClr val="bg1"/>
+                </a:solidFill>
+              </a:rPr>
+              <a:t>is afhankelijk van</a:t>
+            </a:r>
+            <a:endParaRPr lang="nl-BE" dirty="0">
+              <a:solidFill>
+                <a:schemeClr val="bg1"/>
+              </a:solidFill>
+            </a:endParaRPr>
           </a:p>
         </p:txBody>
       </p:sp>
     </p:spTree>
     <p:extLst>
       <p:ext uri="{BB962C8B-B14F-4D97-AF65-F5344CB8AC3E}">
-        <p14:creationId xmlns:p14="http://schemas.microsoft.com/office/powerpoint/2010/main" val="2296259540"/>
+        <p14:creationId xmlns:p14="http://schemas.microsoft.com/office/powerpoint/2010/main" val="2118891832"/>
       </p:ext>
     </p:extLst>
   </p:cSld>
@@ -6703,21 +7653,55 @@
           <a:p>
             <a:r>
               <a:rPr lang="nl-BE" dirty="0" smtClean="0"/>
-              <a:t>BLL: Voorbeeld PDF(1)</a:t>
+              <a:t>DAL: Voorbeeld</a:t>
             </a:r>
             <a:endParaRPr lang="nl-BE" dirty="0"/>
+          </a:p>
+        </p:txBody>
+      </p:sp>
+      <p:sp>
+        <p:nvSpPr>
+          <p:cNvPr id="5" name="Tijdelijke aanduiding voor inhoud 4"/>
+          <p:cNvSpPr>
+            <a:spLocks noGrp="1"/>
+          </p:cNvSpPr>
+          <p:nvPr>
+            <p:ph idx="1"/>
+          </p:nvPr>
+        </p:nvSpPr>
+        <p:spPr/>
+        <p:txBody>
+          <a:bodyPr>
+            <a:normAutofit/>
+          </a:bodyPr>
+          <a:lstStyle/>
+          <a:p>
+            <a:pPr marL="228600" lvl="1" indent="0">
+              <a:buNone/>
+            </a:pPr>
+            <a:endParaRPr lang="en-US" altLang="nl-BE" sz="2400" dirty="0" smtClean="0"/>
+          </a:p>
+          <a:p>
+            <a:pPr marL="228600" lvl="1" indent="0">
+              <a:buNone/>
+            </a:pPr>
+            <a:endParaRPr lang="en-US" altLang="nl-BE" sz="2400" dirty="0" smtClean="0"/>
+          </a:p>
+          <a:p>
+            <a:pPr marL="228600" lvl="1" indent="0">
+              <a:buNone/>
+            </a:pPr>
+            <a:endParaRPr lang="en-US" altLang="nl-BE" sz="2400" dirty="0"/>
           </a:p>
         </p:txBody>
       </p:sp>
       <p:pic>
         <p:nvPicPr>
-          <p:cNvPr id="4098" name="Picture 2"/>
+          <p:cNvPr id="3073" name="Picture 1"/>
           <p:cNvPicPr>
-            <a:picLocks noGrp="1" noChangeAspect="1" noChangeArrowheads="1"/>
+            <a:picLocks noChangeAspect="1" noChangeArrowheads="1"/>
           </p:cNvPicPr>
-          <p:nvPr>
-            <p:ph idx="1"/>
-          </p:nvPr>
+          <p:nvPr/>
         </p:nvPicPr>
         <p:blipFill>
           <a:blip r:embed="rId3">
@@ -6734,8 +7718,8 @@
         </p:blipFill>
         <p:spPr bwMode="auto">
           <a:xfrm>
-            <a:off x="1561306" y="2057400"/>
-            <a:ext cx="6019800" cy="4114800"/>
+            <a:off x="1157287" y="2132856"/>
+            <a:ext cx="6829425" cy="4295775"/>
           </a:xfrm>
           <a:prstGeom prst="rect">
             <a:avLst/>
@@ -6768,7 +7752,7 @@
     </p:spTree>
     <p:extLst>
       <p:ext uri="{BB962C8B-B14F-4D97-AF65-F5344CB8AC3E}">
-        <p14:creationId xmlns:p14="http://schemas.microsoft.com/office/powerpoint/2010/main" val="139715372"/>
+        <p14:creationId xmlns:p14="http://schemas.microsoft.com/office/powerpoint/2010/main" val="2635967455"/>
       </p:ext>
     </p:extLst>
   </p:cSld>
@@ -6818,131 +7802,209 @@
           <a:lstStyle/>
           <a:p>
             <a:r>
-              <a:rPr lang="nl-BE" dirty="0"/>
-              <a:t>BLL: Voorbeeld </a:t>
-            </a:r>
-            <a:r>
               <a:rPr lang="nl-BE" dirty="0" smtClean="0"/>
-              <a:t>PDF(2)</a:t>
+              <a:t>BLL: Opbouw</a:t>
             </a:r>
             <a:endParaRPr lang="nl-BE" dirty="0"/>
           </a:p>
         </p:txBody>
       </p:sp>
-      <p:pic>
-        <p:nvPicPr>
-          <p:cNvPr id="5122" name="Picture 2"/>
-          <p:cNvPicPr>
-            <a:picLocks noGrp="1" noChangeAspect="1" noChangeArrowheads="1"/>
-          </p:cNvPicPr>
+      <p:sp>
+        <p:nvSpPr>
+          <p:cNvPr id="5" name="Tijdelijke aanduiding voor inhoud 4"/>
+          <p:cNvSpPr>
+            <a:spLocks noGrp="1"/>
+          </p:cNvSpPr>
           <p:nvPr>
             <p:ph idx="1"/>
           </p:nvPr>
-        </p:nvPicPr>
-        <p:blipFill>
-          <a:blip r:embed="rId3">
-            <a:extLst>
-              <a:ext uri="{28A0092B-C50C-407E-A947-70E740481C1C}">
-                <a14:useLocalDpi xmlns:a14="http://schemas.microsoft.com/office/drawing/2010/main" val="0"/>
-              </a:ext>
-            </a:extLst>
-          </a:blip>
-          <a:srcRect/>
-          <a:stretch>
-            <a:fillRect/>
-          </a:stretch>
-        </p:blipFill>
-        <p:spPr bwMode="auto">
-          <a:xfrm>
-            <a:off x="1908969" y="2671763"/>
-            <a:ext cx="5324475" cy="2886075"/>
-          </a:xfrm>
-          <a:prstGeom prst="rect">
-            <a:avLst/>
-          </a:prstGeom>
-          <a:noFill/>
-          <a:ln>
-            <a:noFill/>
-          </a:ln>
-          <a:extLst>
-            <a:ext uri="{909E8E84-426E-40DD-AFC4-6F175D3DCCD1}">
-              <a14:hiddenFill xmlns:a14="http://schemas.microsoft.com/office/drawing/2010/main">
-                <a:solidFill>
-                  <a:schemeClr val="accent1"/>
-                </a:solidFill>
-              </a14:hiddenFill>
-            </a:ext>
-            <a:ext uri="{91240B29-F687-4F45-9708-019B960494DF}">
-              <a14:hiddenLine xmlns:a14="http://schemas.microsoft.com/office/drawing/2010/main" w="9525">
-                <a:solidFill>
-                  <a:schemeClr val="tx1"/>
-                </a:solidFill>
-                <a:miter lim="800000"/>
-                <a:headEnd/>
-                <a:tailEnd/>
-              </a14:hiddenLine>
-            </a:ext>
-          </a:extLst>
-        </p:spPr>
-      </p:pic>
-      <p:pic>
-        <p:nvPicPr>
-          <p:cNvPr id="6" name="Picture 2"/>
-          <p:cNvPicPr>
-            <a:picLocks noChangeAspect="1" noChangeArrowheads="1"/>
-          </p:cNvPicPr>
-          <p:nvPr/>
-        </p:nvPicPr>
-        <p:blipFill>
-          <a:blip r:embed="rId3">
-            <a:extLst>
-              <a:ext uri="{28A0092B-C50C-407E-A947-70E740481C1C}">
-                <a14:useLocalDpi xmlns:a14="http://schemas.microsoft.com/office/drawing/2010/main" val="0"/>
-              </a:ext>
-            </a:extLst>
-          </a:blip>
-          <a:srcRect/>
-          <a:stretch>
-            <a:fillRect/>
-          </a:stretch>
-        </p:blipFill>
-        <p:spPr bwMode="auto">
-          <a:xfrm>
-            <a:off x="1907704" y="2636912"/>
-            <a:ext cx="5324475" cy="2886075"/>
-          </a:xfrm>
-          <a:prstGeom prst="rect">
-            <a:avLst/>
-          </a:prstGeom>
-          <a:noFill/>
-          <a:ln>
-            <a:noFill/>
-          </a:ln>
-          <a:extLst>
-            <a:ext uri="{909E8E84-426E-40DD-AFC4-6F175D3DCCD1}">
-              <a14:hiddenFill xmlns:a14="http://schemas.microsoft.com/office/drawing/2010/main">
-                <a:solidFill>
-                  <a:schemeClr val="accent1"/>
-                </a:solidFill>
-              </a14:hiddenFill>
-            </a:ext>
-            <a:ext uri="{91240B29-F687-4F45-9708-019B960494DF}">
-              <a14:hiddenLine xmlns:a14="http://schemas.microsoft.com/office/drawing/2010/main" w="9525">
-                <a:solidFill>
-                  <a:schemeClr val="tx1"/>
-                </a:solidFill>
-                <a:miter lim="800000"/>
-                <a:headEnd/>
-                <a:tailEnd/>
-              </a14:hiddenLine>
-            </a:ext>
-          </a:extLst>
-        </p:spPr>
-      </p:pic>
+        </p:nvSpPr>
+        <p:spPr/>
+        <p:txBody>
+          <a:bodyPr>
+            <a:normAutofit lnSpcReduction="10000"/>
+          </a:bodyPr>
+          <a:lstStyle/>
+          <a:p>
+            <a:pPr marL="228600" lvl="1" indent="0">
+              <a:buNone/>
+            </a:pPr>
+            <a:r>
+              <a:rPr lang="en-US" sz="2400" b="1" dirty="0" smtClean="0"/>
+              <a:t>Classes:</a:t>
+            </a:r>
+          </a:p>
+          <a:p>
+            <a:pPr lvl="1"/>
+            <a:r>
+              <a:rPr lang="en-US" sz="2400" dirty="0" err="1" smtClean="0"/>
+              <a:t>CreateReport</a:t>
+            </a:r>
+            <a:r>
+              <a:rPr lang="en-US" sz="2400" dirty="0" smtClean="0"/>
+              <a:t>: helper user-</a:t>
+            </a:r>
+            <a:r>
+              <a:rPr lang="en-US" sz="2400" dirty="0" err="1" smtClean="0"/>
+              <a:t>interactieafhandeling</a:t>
+            </a:r>
+            <a:endParaRPr lang="en-US" sz="2400" dirty="0" smtClean="0"/>
+          </a:p>
+          <a:p>
+            <a:pPr lvl="1"/>
+            <a:r>
+              <a:rPr lang="nl-BE" sz="2400" dirty="0" err="1" smtClean="0"/>
+              <a:t>DataController</a:t>
+            </a:r>
+            <a:r>
+              <a:rPr lang="nl-BE" sz="2400" dirty="0" smtClean="0"/>
+              <a:t>: verdere afhandeling dataverwerking</a:t>
+            </a:r>
+            <a:endParaRPr lang="nl-BE" sz="2400" dirty="0"/>
+          </a:p>
+          <a:p>
+            <a:pPr lvl="1"/>
+            <a:r>
+              <a:rPr lang="nl-BE" sz="2400" dirty="0" smtClean="0"/>
+              <a:t>Download: correcte afhandeling browser-download</a:t>
+            </a:r>
+          </a:p>
+          <a:p>
+            <a:pPr lvl="1"/>
+            <a:r>
+              <a:rPr lang="en-US" altLang="nl-BE" sz="2400" dirty="0" smtClean="0"/>
+              <a:t>PDF: </a:t>
+            </a:r>
+            <a:r>
+              <a:rPr lang="en-US" altLang="nl-BE" sz="2400" dirty="0" err="1" smtClean="0"/>
+              <a:t>extensie</a:t>
+            </a:r>
+            <a:r>
+              <a:rPr lang="en-US" altLang="nl-BE" sz="2400" dirty="0" smtClean="0"/>
+              <a:t> PDF</a:t>
+            </a:r>
+            <a:endParaRPr lang="en-US" altLang="nl-BE" sz="2400" dirty="0"/>
+          </a:p>
+          <a:p>
+            <a:pPr lvl="1"/>
+            <a:r>
+              <a:rPr lang="nl-BE" sz="2400" dirty="0" err="1" smtClean="0"/>
+              <a:t>CreatePdf</a:t>
+            </a:r>
+            <a:r>
+              <a:rPr lang="nl-BE" sz="2400" dirty="0" smtClean="0"/>
+              <a:t>: aanmaken </a:t>
+            </a:r>
+            <a:r>
+              <a:rPr lang="nl-BE" sz="2400" dirty="0" err="1" smtClean="0"/>
+              <a:t>PDF-bestand</a:t>
+            </a:r>
+            <a:endParaRPr lang="nl-BE" sz="2400" dirty="0"/>
+          </a:p>
+          <a:p>
+            <a:pPr lvl="1"/>
+            <a:r>
+              <a:rPr lang="en-US" altLang="nl-BE" sz="2400" dirty="0" err="1" smtClean="0"/>
+              <a:t>AddQuestion</a:t>
+            </a:r>
+            <a:r>
+              <a:rPr lang="en-US" altLang="nl-BE" sz="2400" dirty="0" smtClean="0"/>
+              <a:t>: </a:t>
+            </a:r>
+            <a:r>
+              <a:rPr lang="en-US" altLang="nl-BE" sz="2400" dirty="0" err="1" smtClean="0"/>
+              <a:t>vraag</a:t>
+            </a:r>
+            <a:r>
+              <a:rPr lang="en-US" altLang="nl-BE" sz="2400" dirty="0" smtClean="0"/>
+              <a:t> </a:t>
+            </a:r>
+            <a:r>
+              <a:rPr lang="en-US" altLang="nl-BE" sz="2400" dirty="0" err="1" smtClean="0"/>
+              <a:t>aan</a:t>
+            </a:r>
+            <a:r>
+              <a:rPr lang="en-US" altLang="nl-BE" sz="2400" dirty="0" smtClean="0"/>
+              <a:t> databank </a:t>
+            </a:r>
+            <a:r>
+              <a:rPr lang="en-US" altLang="nl-BE" sz="2400" dirty="0" err="1" smtClean="0"/>
+              <a:t>toevoegen</a:t>
+            </a:r>
+            <a:r>
+              <a:rPr lang="en-US" altLang="nl-BE" sz="2400" dirty="0" smtClean="0"/>
+              <a:t> (met </a:t>
+            </a:r>
+            <a:r>
+              <a:rPr lang="en-US" altLang="nl-BE" sz="2400" dirty="0" err="1" smtClean="0"/>
+              <a:t>gegevens</a:t>
+            </a:r>
+            <a:r>
+              <a:rPr lang="en-US" altLang="nl-BE" sz="2400" dirty="0" smtClean="0"/>
+              <a:t> via </a:t>
+            </a:r>
+            <a:r>
+              <a:rPr lang="en-US" altLang="nl-BE" sz="2400" dirty="0" err="1" smtClean="0"/>
+              <a:t>ajax</a:t>
+            </a:r>
+            <a:r>
+              <a:rPr lang="en-US" altLang="nl-BE" sz="2400" dirty="0" smtClean="0"/>
+              <a:t> </a:t>
+            </a:r>
+            <a:r>
+              <a:rPr lang="en-US" altLang="nl-BE" sz="2400" dirty="0" err="1" smtClean="0"/>
+              <a:t>doorgekregen</a:t>
+            </a:r>
+            <a:r>
+              <a:rPr lang="en-US" altLang="nl-BE" sz="2400" dirty="0" smtClean="0"/>
+              <a:t>)</a:t>
+            </a:r>
+            <a:endParaRPr lang="en-US" altLang="nl-BE" sz="2400" dirty="0"/>
+          </a:p>
+          <a:p>
+            <a:pPr marL="228600" lvl="1" indent="0">
+              <a:buNone/>
+            </a:pPr>
+            <a:endParaRPr lang="en-US" altLang="nl-BE" sz="2400" dirty="0" smtClean="0"/>
+          </a:p>
+          <a:p>
+            <a:pPr marL="228600" lvl="1" indent="0">
+              <a:buNone/>
+            </a:pPr>
+            <a:r>
+              <a:rPr lang="en-US" altLang="nl-BE" sz="2400" b="1" dirty="0" err="1" smtClean="0"/>
+              <a:t>Testclasses</a:t>
+            </a:r>
+            <a:r>
+              <a:rPr lang="en-US" altLang="nl-BE" sz="2400" b="1" dirty="0" smtClean="0"/>
+              <a:t>:</a:t>
+            </a:r>
+            <a:endParaRPr lang="en-US" altLang="nl-BE" sz="2400" b="1" dirty="0"/>
+          </a:p>
+          <a:p>
+            <a:pPr lvl="1"/>
+            <a:r>
+              <a:rPr lang="nl-BE" sz="2400" dirty="0" err="1"/>
+              <a:t>CreatePdfTest</a:t>
+            </a:r>
+            <a:endParaRPr lang="nl-BE" sz="2400" dirty="0"/>
+          </a:p>
+          <a:p>
+            <a:pPr lvl="1"/>
+            <a:endParaRPr lang="en-US" altLang="nl-BE" sz="2400" dirty="0" smtClean="0"/>
+          </a:p>
+          <a:p>
+            <a:pPr marL="228600" lvl="1" indent="0">
+              <a:buNone/>
+            </a:pPr>
+            <a:endParaRPr lang="en-US" altLang="nl-BE" sz="2400" dirty="0"/>
+          </a:p>
+        </p:txBody>
+      </p:sp>
     </p:spTree>
     <p:extLst>
       <p:ext uri="{BB962C8B-B14F-4D97-AF65-F5344CB8AC3E}">
-        <p14:creationId xmlns:p14="http://schemas.microsoft.com/office/powerpoint/2010/main" val="2037104667"/>
+        <p14:creationId xmlns:p14="http://schemas.microsoft.com/office/powerpoint/2010/main" val="2296259540"/>
       </p:ext>
     </p:extLst>
   </p:cSld>
@@ -6992,43 +8054,22 @@
           <a:lstStyle/>
           <a:p>
             <a:r>
-              <a:rPr lang="nl-BE" dirty="0"/>
-              <a:t>BLL: Voorbeeld </a:t>
-            </a:r>
-            <a:r>
               <a:rPr lang="nl-BE" dirty="0" smtClean="0"/>
-              <a:t>PDF(3)</a:t>
+              <a:t>BLL: Voorbeeld PDF(1)</a:t>
             </a:r>
             <a:endParaRPr lang="nl-BE" dirty="0"/>
-          </a:p>
-        </p:txBody>
-      </p:sp>
-      <p:sp>
-        <p:nvSpPr>
-          <p:cNvPr id="3" name="Tijdelijke aanduiding voor inhoud 2"/>
-          <p:cNvSpPr>
-            <a:spLocks noGrp="1"/>
-          </p:cNvSpPr>
-          <p:nvPr>
-            <p:ph idx="1"/>
-          </p:nvPr>
-        </p:nvSpPr>
-        <p:spPr/>
-        <p:txBody>
-          <a:bodyPr/>
-          <a:lstStyle/>
-          <a:p>
-            <a:endParaRPr lang="nl-BE"/>
           </a:p>
         </p:txBody>
       </p:sp>
       <p:pic>
         <p:nvPicPr>
-          <p:cNvPr id="6146" name="Picture 2"/>
+          <p:cNvPr id="4098" name="Picture 2"/>
           <p:cNvPicPr>
-            <a:picLocks noChangeAspect="1" noChangeArrowheads="1"/>
+            <a:picLocks noGrp="1" noChangeAspect="1" noChangeArrowheads="1"/>
           </p:cNvPicPr>
-          <p:nvPr/>
+          <p:nvPr>
+            <p:ph idx="1"/>
+          </p:nvPr>
         </p:nvPicPr>
         <p:blipFill>
           <a:blip r:embed="rId3">
@@ -7045,8 +8086,8 @@
         </p:blipFill>
         <p:spPr bwMode="auto">
           <a:xfrm>
-            <a:off x="1462087" y="2204864"/>
-            <a:ext cx="6219825" cy="3228975"/>
+            <a:off x="1561306" y="2057400"/>
+            <a:ext cx="6019800" cy="4114800"/>
           </a:xfrm>
           <a:prstGeom prst="rect">
             <a:avLst/>
@@ -7079,7 +8120,7 @@
     </p:spTree>
     <p:extLst>
       <p:ext uri="{BB962C8B-B14F-4D97-AF65-F5344CB8AC3E}">
-        <p14:creationId xmlns:p14="http://schemas.microsoft.com/office/powerpoint/2010/main" val="833492152"/>
+        <p14:creationId xmlns:p14="http://schemas.microsoft.com/office/powerpoint/2010/main" val="139715372"/>
       </p:ext>
     </p:extLst>
   </p:cSld>
@@ -7134,6 +8175,317 @@
             </a:r>
             <a:r>
               <a:rPr lang="nl-BE" dirty="0" smtClean="0"/>
+              <a:t>PDF(2)</a:t>
+            </a:r>
+            <a:endParaRPr lang="nl-BE" dirty="0"/>
+          </a:p>
+        </p:txBody>
+      </p:sp>
+      <p:pic>
+        <p:nvPicPr>
+          <p:cNvPr id="5122" name="Picture 2"/>
+          <p:cNvPicPr>
+            <a:picLocks noGrp="1" noChangeAspect="1" noChangeArrowheads="1"/>
+          </p:cNvPicPr>
+          <p:nvPr>
+            <p:ph idx="1"/>
+          </p:nvPr>
+        </p:nvPicPr>
+        <p:blipFill>
+          <a:blip r:embed="rId3">
+            <a:extLst>
+              <a:ext uri="{28A0092B-C50C-407E-A947-70E740481C1C}">
+                <a14:useLocalDpi xmlns:a14="http://schemas.microsoft.com/office/drawing/2010/main" val="0"/>
+              </a:ext>
+            </a:extLst>
+          </a:blip>
+          <a:srcRect/>
+          <a:stretch>
+            <a:fillRect/>
+          </a:stretch>
+        </p:blipFill>
+        <p:spPr bwMode="auto">
+          <a:xfrm>
+            <a:off x="1908969" y="2671763"/>
+            <a:ext cx="5324475" cy="2886075"/>
+          </a:xfrm>
+          <a:prstGeom prst="rect">
+            <a:avLst/>
+          </a:prstGeom>
+          <a:noFill/>
+          <a:ln>
+            <a:noFill/>
+          </a:ln>
+          <a:extLst>
+            <a:ext uri="{909E8E84-426E-40DD-AFC4-6F175D3DCCD1}">
+              <a14:hiddenFill xmlns:a14="http://schemas.microsoft.com/office/drawing/2010/main">
+                <a:solidFill>
+                  <a:schemeClr val="accent1"/>
+                </a:solidFill>
+              </a14:hiddenFill>
+            </a:ext>
+            <a:ext uri="{91240B29-F687-4F45-9708-019B960494DF}">
+              <a14:hiddenLine xmlns:a14="http://schemas.microsoft.com/office/drawing/2010/main" w="9525">
+                <a:solidFill>
+                  <a:schemeClr val="tx1"/>
+                </a:solidFill>
+                <a:miter lim="800000"/>
+                <a:headEnd/>
+                <a:tailEnd/>
+              </a14:hiddenLine>
+            </a:ext>
+          </a:extLst>
+        </p:spPr>
+      </p:pic>
+      <p:pic>
+        <p:nvPicPr>
+          <p:cNvPr id="6" name="Picture 2"/>
+          <p:cNvPicPr>
+            <a:picLocks noChangeAspect="1" noChangeArrowheads="1"/>
+          </p:cNvPicPr>
+          <p:nvPr/>
+        </p:nvPicPr>
+        <p:blipFill>
+          <a:blip r:embed="rId3">
+            <a:extLst>
+              <a:ext uri="{28A0092B-C50C-407E-A947-70E740481C1C}">
+                <a14:useLocalDpi xmlns:a14="http://schemas.microsoft.com/office/drawing/2010/main" val="0"/>
+              </a:ext>
+            </a:extLst>
+          </a:blip>
+          <a:srcRect/>
+          <a:stretch>
+            <a:fillRect/>
+          </a:stretch>
+        </p:blipFill>
+        <p:spPr bwMode="auto">
+          <a:xfrm>
+            <a:off x="1907704" y="2636912"/>
+            <a:ext cx="5324475" cy="2886075"/>
+          </a:xfrm>
+          <a:prstGeom prst="rect">
+            <a:avLst/>
+          </a:prstGeom>
+          <a:noFill/>
+          <a:ln>
+            <a:noFill/>
+          </a:ln>
+          <a:extLst>
+            <a:ext uri="{909E8E84-426E-40DD-AFC4-6F175D3DCCD1}">
+              <a14:hiddenFill xmlns:a14="http://schemas.microsoft.com/office/drawing/2010/main">
+                <a:solidFill>
+                  <a:schemeClr val="accent1"/>
+                </a:solidFill>
+              </a14:hiddenFill>
+            </a:ext>
+            <a:ext uri="{91240B29-F687-4F45-9708-019B960494DF}">
+              <a14:hiddenLine xmlns:a14="http://schemas.microsoft.com/office/drawing/2010/main" w="9525">
+                <a:solidFill>
+                  <a:schemeClr val="tx1"/>
+                </a:solidFill>
+                <a:miter lim="800000"/>
+                <a:headEnd/>
+                <a:tailEnd/>
+              </a14:hiddenLine>
+            </a:ext>
+          </a:extLst>
+        </p:spPr>
+      </p:pic>
+    </p:spTree>
+    <p:extLst>
+      <p:ext uri="{BB962C8B-B14F-4D97-AF65-F5344CB8AC3E}">
+        <p14:creationId xmlns:p14="http://schemas.microsoft.com/office/powerpoint/2010/main" val="2037104667"/>
+      </p:ext>
+    </p:extLst>
+  </p:cSld>
+  <p:clrMapOvr>
+    <a:masterClrMapping/>
+  </p:clrMapOvr>
+  <p:timing>
+    <p:tnLst>
+      <p:par>
+        <p:cTn id="1" dur="indefinite" restart="never" nodeType="tmRoot"/>
+      </p:par>
+    </p:tnLst>
+  </p:timing>
+</p:sld>
+</file>
+
+<file path=ppt/slides/slide16.xml><?xml version="1.0" encoding="utf-8"?>
+<p:sld xmlns:a="http://schemas.openxmlformats.org/drawingml/2006/main" xmlns:r="http://schemas.openxmlformats.org/officeDocument/2006/relationships" xmlns:p="http://schemas.openxmlformats.org/presentationml/2006/main">
+  <p:cSld>
+    <p:spTree>
+      <p:nvGrpSpPr>
+        <p:cNvPr id="1" name=""/>
+        <p:cNvGrpSpPr/>
+        <p:nvPr/>
+      </p:nvGrpSpPr>
+      <p:grpSpPr>
+        <a:xfrm>
+          <a:off x="0" y="0"/>
+          <a:ext cx="0" cy="0"/>
+          <a:chOff x="0" y="0"/>
+          <a:chExt cx="0" cy="0"/>
+        </a:xfrm>
+      </p:grpSpPr>
+      <p:sp>
+        <p:nvSpPr>
+          <p:cNvPr id="2" name="Titel 1"/>
+          <p:cNvSpPr>
+            <a:spLocks noGrp="1"/>
+          </p:cNvSpPr>
+          <p:nvPr>
+            <p:ph type="title"/>
+          </p:nvPr>
+        </p:nvSpPr>
+        <p:spPr/>
+        <p:txBody>
+          <a:bodyPr/>
+          <a:lstStyle/>
+          <a:p>
+            <a:r>
+              <a:rPr lang="nl-BE" dirty="0"/>
+              <a:t>BLL: Voorbeeld </a:t>
+            </a:r>
+            <a:r>
+              <a:rPr lang="nl-BE" dirty="0" smtClean="0"/>
+              <a:t>PDF(3)</a:t>
+            </a:r>
+            <a:endParaRPr lang="nl-BE" dirty="0"/>
+          </a:p>
+        </p:txBody>
+      </p:sp>
+      <p:sp>
+        <p:nvSpPr>
+          <p:cNvPr id="3" name="Tijdelijke aanduiding voor inhoud 2"/>
+          <p:cNvSpPr>
+            <a:spLocks noGrp="1"/>
+          </p:cNvSpPr>
+          <p:nvPr>
+            <p:ph idx="1"/>
+          </p:nvPr>
+        </p:nvSpPr>
+        <p:spPr/>
+        <p:txBody>
+          <a:bodyPr/>
+          <a:lstStyle/>
+          <a:p>
+            <a:endParaRPr lang="nl-BE"/>
+          </a:p>
+        </p:txBody>
+      </p:sp>
+      <p:pic>
+        <p:nvPicPr>
+          <p:cNvPr id="6146" name="Picture 2"/>
+          <p:cNvPicPr>
+            <a:picLocks noChangeAspect="1" noChangeArrowheads="1"/>
+          </p:cNvPicPr>
+          <p:nvPr/>
+        </p:nvPicPr>
+        <p:blipFill>
+          <a:blip r:embed="rId3">
+            <a:extLst>
+              <a:ext uri="{28A0092B-C50C-407E-A947-70E740481C1C}">
+                <a14:useLocalDpi xmlns:a14="http://schemas.microsoft.com/office/drawing/2010/main" val="0"/>
+              </a:ext>
+            </a:extLst>
+          </a:blip>
+          <a:srcRect/>
+          <a:stretch>
+            <a:fillRect/>
+          </a:stretch>
+        </p:blipFill>
+        <p:spPr bwMode="auto">
+          <a:xfrm>
+            <a:off x="1462087" y="2204864"/>
+            <a:ext cx="6219825" cy="3228975"/>
+          </a:xfrm>
+          <a:prstGeom prst="rect">
+            <a:avLst/>
+          </a:prstGeom>
+          <a:noFill/>
+          <a:ln>
+            <a:noFill/>
+          </a:ln>
+          <a:extLst>
+            <a:ext uri="{909E8E84-426E-40DD-AFC4-6F175D3DCCD1}">
+              <a14:hiddenFill xmlns:a14="http://schemas.microsoft.com/office/drawing/2010/main">
+                <a:solidFill>
+                  <a:schemeClr val="accent1"/>
+                </a:solidFill>
+              </a14:hiddenFill>
+            </a:ext>
+            <a:ext uri="{91240B29-F687-4F45-9708-019B960494DF}">
+              <a14:hiddenLine xmlns:a14="http://schemas.microsoft.com/office/drawing/2010/main" w="9525">
+                <a:solidFill>
+                  <a:schemeClr val="tx1"/>
+                </a:solidFill>
+                <a:miter lim="800000"/>
+                <a:headEnd/>
+                <a:tailEnd/>
+              </a14:hiddenLine>
+            </a:ext>
+          </a:extLst>
+        </p:spPr>
+      </p:pic>
+    </p:spTree>
+    <p:extLst>
+      <p:ext uri="{BB962C8B-B14F-4D97-AF65-F5344CB8AC3E}">
+        <p14:creationId xmlns:p14="http://schemas.microsoft.com/office/powerpoint/2010/main" val="833492152"/>
+      </p:ext>
+    </p:extLst>
+  </p:cSld>
+  <p:clrMapOvr>
+    <a:masterClrMapping/>
+  </p:clrMapOvr>
+  <p:timing>
+    <p:tnLst>
+      <p:par>
+        <p:cTn id="1" dur="indefinite" restart="never" nodeType="tmRoot"/>
+      </p:par>
+    </p:tnLst>
+  </p:timing>
+</p:sld>
+</file>
+
+<file path=ppt/slides/slide17.xml><?xml version="1.0" encoding="utf-8"?>
+<p:sld xmlns:a="http://schemas.openxmlformats.org/drawingml/2006/main" xmlns:r="http://schemas.openxmlformats.org/officeDocument/2006/relationships" xmlns:p="http://schemas.openxmlformats.org/presentationml/2006/main">
+  <p:cSld>
+    <p:spTree>
+      <p:nvGrpSpPr>
+        <p:cNvPr id="1" name=""/>
+        <p:cNvGrpSpPr/>
+        <p:nvPr/>
+      </p:nvGrpSpPr>
+      <p:grpSpPr>
+        <a:xfrm>
+          <a:off x="0" y="0"/>
+          <a:ext cx="0" cy="0"/>
+          <a:chOff x="0" y="0"/>
+          <a:chExt cx="0" cy="0"/>
+        </a:xfrm>
+      </p:grpSpPr>
+      <p:sp>
+        <p:nvSpPr>
+          <p:cNvPr id="2" name="Titel 1"/>
+          <p:cNvSpPr>
+            <a:spLocks noGrp="1"/>
+          </p:cNvSpPr>
+          <p:nvPr>
+            <p:ph type="title"/>
+          </p:nvPr>
+        </p:nvSpPr>
+        <p:spPr/>
+        <p:txBody>
+          <a:bodyPr/>
+          <a:lstStyle/>
+          <a:p>
+            <a:r>
+              <a:rPr lang="nl-BE" dirty="0"/>
+              <a:t>BLL: Voorbeeld </a:t>
+            </a:r>
+            <a:r>
+              <a:rPr lang="nl-BE" dirty="0" smtClean="0"/>
               <a:t>PDF(4)</a:t>
             </a:r>
             <a:endParaRPr lang="nl-BE" dirty="0"/>
@@ -7233,7 +8585,7 @@
 </p:sld>
 </file>
 
-<file path=ppt/slides/slide16.xml><?xml version="1.0" encoding="utf-8"?>
+<file path=ppt/slides/slide18.xml><?xml version="1.0" encoding="utf-8"?>
 <p:sld xmlns:a="http://schemas.openxmlformats.org/drawingml/2006/main" xmlns:r="http://schemas.openxmlformats.org/officeDocument/2006/relationships" xmlns:p="http://schemas.openxmlformats.org/presentationml/2006/main">
   <p:cSld>
     <p:spTree>
@@ -15078,7 +16430,7 @@
 </p:sld>
 </file>
 
-<file path=ppt/slides/slide17.xml><?xml version="1.0" encoding="utf-8"?>
+<file path=ppt/slides/slide19.xml><?xml version="1.0" encoding="utf-8"?>
 <p:sld xmlns:a="http://schemas.openxmlformats.org/drawingml/2006/main" xmlns:r="http://schemas.openxmlformats.org/officeDocument/2006/relationships" xmlns:p="http://schemas.openxmlformats.org/presentationml/2006/main">
   <p:cSld>
     <p:spTree>
@@ -15229,7 +16581,176 @@
 </p:sld>
 </file>
 
-<file path=ppt/slides/slide18.xml><?xml version="1.0" encoding="utf-8"?>
+<file path=ppt/slides/slide2.xml><?xml version="1.0" encoding="utf-8"?>
+<p:sld xmlns:a="http://schemas.openxmlformats.org/drawingml/2006/main" xmlns:r="http://schemas.openxmlformats.org/officeDocument/2006/relationships" xmlns:p="http://schemas.openxmlformats.org/presentationml/2006/main">
+  <p:cSld>
+    <p:spTree>
+      <p:nvGrpSpPr>
+        <p:cNvPr id="1" name=""/>
+        <p:cNvGrpSpPr/>
+        <p:nvPr/>
+      </p:nvGrpSpPr>
+      <p:grpSpPr>
+        <a:xfrm>
+          <a:off x="0" y="0"/>
+          <a:ext cx="0" cy="0"/>
+          <a:chOff x="0" y="0"/>
+          <a:chExt cx="0" cy="0"/>
+        </a:xfrm>
+      </p:grpSpPr>
+      <p:sp>
+        <p:nvSpPr>
+          <p:cNvPr id="2" name="Title 1"/>
+          <p:cNvSpPr>
+            <a:spLocks noGrp="1"/>
+          </p:cNvSpPr>
+          <p:nvPr>
+            <p:ph type="title"/>
+          </p:nvPr>
+        </p:nvSpPr>
+        <p:spPr/>
+        <p:txBody>
+          <a:bodyPr/>
+          <a:lstStyle/>
+          <a:p>
+            <a:r>
+              <a:rPr lang="nl-BE" dirty="0" smtClean="0"/>
+              <a:t>Overzicht</a:t>
+            </a:r>
+            <a:endParaRPr lang="nl-BE" dirty="0"/>
+          </a:p>
+        </p:txBody>
+      </p:sp>
+      <p:sp>
+        <p:nvSpPr>
+          <p:cNvPr id="3" name="Content Placeholder 2"/>
+          <p:cNvSpPr>
+            <a:spLocks noGrp="1"/>
+          </p:cNvSpPr>
+          <p:nvPr>
+            <p:ph idx="1"/>
+          </p:nvPr>
+        </p:nvSpPr>
+        <p:spPr/>
+        <p:txBody>
+          <a:bodyPr>
+            <a:normAutofit fontScale="62500" lnSpcReduction="20000"/>
+          </a:bodyPr>
+          <a:lstStyle/>
+          <a:p>
+            <a:r>
+              <a:rPr lang="nl-BE" dirty="0" smtClean="0"/>
+              <a:t>Voorstelling concept</a:t>
+            </a:r>
+          </a:p>
+          <a:p>
+            <a:r>
+              <a:rPr lang="nl-BE" dirty="0" err="1"/>
+              <a:t>Use</a:t>
+            </a:r>
+            <a:r>
+              <a:rPr lang="nl-BE" dirty="0"/>
+              <a:t>-casediagram</a:t>
+            </a:r>
+          </a:p>
+          <a:p>
+            <a:r>
+              <a:rPr lang="nl-BE" dirty="0" smtClean="0"/>
+              <a:t>ERD-diagram</a:t>
+            </a:r>
+          </a:p>
+          <a:p>
+            <a:r>
+              <a:rPr lang="nl-BE" dirty="0" smtClean="0"/>
+              <a:t>Opbouw structuur</a:t>
+            </a:r>
+          </a:p>
+          <a:p>
+            <a:r>
+              <a:rPr lang="nl-BE" dirty="0" smtClean="0"/>
+              <a:t>Databank</a:t>
+            </a:r>
+          </a:p>
+          <a:p>
+            <a:r>
+              <a:rPr lang="nl-BE" dirty="0" smtClean="0"/>
+              <a:t>DAL</a:t>
+            </a:r>
+          </a:p>
+          <a:p>
+            <a:r>
+              <a:rPr lang="nl-BE" dirty="0" smtClean="0"/>
+              <a:t>BLL</a:t>
+            </a:r>
+          </a:p>
+          <a:p>
+            <a:r>
+              <a:rPr lang="nl-BE" dirty="0" smtClean="0"/>
+              <a:t>Model</a:t>
+            </a:r>
+          </a:p>
+          <a:p>
+            <a:r>
+              <a:rPr lang="nl-BE" dirty="0" smtClean="0"/>
+              <a:t>Controller</a:t>
+            </a:r>
+          </a:p>
+          <a:p>
+            <a:r>
+              <a:rPr lang="nl-BE" dirty="0" smtClean="0"/>
+              <a:t>View</a:t>
+            </a:r>
+          </a:p>
+          <a:p>
+            <a:r>
+              <a:rPr lang="nl-BE" dirty="0" smtClean="0"/>
+              <a:t>CSS Framework</a:t>
+            </a:r>
+          </a:p>
+          <a:p>
+            <a:r>
+              <a:rPr lang="nl-BE" dirty="0" smtClean="0"/>
+              <a:t>Live demo</a:t>
+            </a:r>
+          </a:p>
+          <a:p>
+            <a:r>
+              <a:rPr lang="nl-BE" dirty="0" smtClean="0"/>
+              <a:t>Toekomst?</a:t>
+            </a:r>
+          </a:p>
+          <a:p>
+            <a:endParaRPr lang="nl-BE" dirty="0" smtClean="0"/>
+          </a:p>
+          <a:p>
+            <a:endParaRPr lang="nl-BE" dirty="0" smtClean="0"/>
+          </a:p>
+          <a:p>
+            <a:endParaRPr lang="nl-BE" dirty="0"/>
+          </a:p>
+        </p:txBody>
+      </p:sp>
+    </p:spTree>
+    <p:extLst>
+      <p:ext uri="{BB962C8B-B14F-4D97-AF65-F5344CB8AC3E}">
+        <p14:creationId xmlns:p14="http://schemas.microsoft.com/office/powerpoint/2010/main" val="3866638961"/>
+      </p:ext>
+    </p:extLst>
+  </p:cSld>
+  <p:clrMapOvr>
+    <a:masterClrMapping/>
+  </p:clrMapOvr>
+  <p:timing>
+    <p:tnLst>
+      <p:par>
+        <p:cTn id="1" dur="indefinite" restart="never" nodeType="tmRoot"/>
+      </p:par>
+    </p:tnLst>
+  </p:timing>
+</p:sld>
+</file>
+
+<file path=ppt/slides/slide20.xml><?xml version="1.0" encoding="utf-8"?>
 <p:sld xmlns:a="http://schemas.openxmlformats.org/drawingml/2006/main" xmlns:r="http://schemas.openxmlformats.org/officeDocument/2006/relationships" xmlns:p="http://schemas.openxmlformats.org/presentationml/2006/main">
   <p:cSld>
     <p:spTree>
@@ -15688,7 +17209,7 @@
 </p:sld>
 </file>
 
-<file path=ppt/slides/slide19.xml><?xml version="1.0" encoding="utf-8"?>
+<file path=ppt/slides/slide21.xml><?xml version="1.0" encoding="utf-8"?>
 <p:sld xmlns:a="http://schemas.openxmlformats.org/drawingml/2006/main" xmlns:r="http://schemas.openxmlformats.org/officeDocument/2006/relationships" xmlns:p="http://schemas.openxmlformats.org/presentationml/2006/main">
   <p:cSld>
     <p:spTree>
@@ -16394,189 +17915,7 @@
 </p:sld>
 </file>
 
-<file path=ppt/slides/slide2.xml><?xml version="1.0" encoding="utf-8"?>
-<p:sld xmlns:a="http://schemas.openxmlformats.org/drawingml/2006/main" xmlns:r="http://schemas.openxmlformats.org/officeDocument/2006/relationships" xmlns:p="http://schemas.openxmlformats.org/presentationml/2006/main">
-  <p:cSld>
-    <p:spTree>
-      <p:nvGrpSpPr>
-        <p:cNvPr id="1" name=""/>
-        <p:cNvGrpSpPr/>
-        <p:nvPr/>
-      </p:nvGrpSpPr>
-      <p:grpSpPr>
-        <a:xfrm>
-          <a:off x="0" y="0"/>
-          <a:ext cx="0" cy="0"/>
-          <a:chOff x="0" y="0"/>
-          <a:chExt cx="0" cy="0"/>
-        </a:xfrm>
-      </p:grpSpPr>
-      <p:sp>
-        <p:nvSpPr>
-          <p:cNvPr id="2" name="Title 1"/>
-          <p:cNvSpPr>
-            <a:spLocks noGrp="1"/>
-          </p:cNvSpPr>
-          <p:nvPr>
-            <p:ph type="title"/>
-          </p:nvPr>
-        </p:nvSpPr>
-        <p:spPr/>
-        <p:txBody>
-          <a:bodyPr/>
-          <a:lstStyle/>
-          <a:p>
-            <a:r>
-              <a:rPr lang="nl-BE" dirty="0" smtClean="0"/>
-              <a:t>Overzicht</a:t>
-            </a:r>
-            <a:endParaRPr lang="nl-BE" dirty="0"/>
-          </a:p>
-        </p:txBody>
-      </p:sp>
-      <p:sp>
-        <p:nvSpPr>
-          <p:cNvPr id="3" name="Content Placeholder 2"/>
-          <p:cNvSpPr>
-            <a:spLocks noGrp="1"/>
-          </p:cNvSpPr>
-          <p:nvPr>
-            <p:ph idx="1"/>
-          </p:nvPr>
-        </p:nvSpPr>
-        <p:spPr/>
-        <p:txBody>
-          <a:bodyPr>
-            <a:normAutofit fontScale="62500" lnSpcReduction="20000"/>
-          </a:bodyPr>
-          <a:lstStyle/>
-          <a:p>
-            <a:r>
-              <a:rPr lang="nl-BE" dirty="0" smtClean="0"/>
-              <a:t>Voorstelling </a:t>
-            </a:r>
-            <a:r>
-              <a:rPr lang="nl-BE" dirty="0" smtClean="0"/>
-              <a:t>concept</a:t>
-            </a:r>
-            <a:endParaRPr lang="nl-BE" dirty="0" smtClean="0"/>
-          </a:p>
-          <a:p>
-            <a:r>
-              <a:rPr lang="nl-BE" dirty="0" err="1"/>
-              <a:t>Use</a:t>
-            </a:r>
-            <a:r>
-              <a:rPr lang="nl-BE" dirty="0"/>
-              <a:t>-casediagram</a:t>
-            </a:r>
-          </a:p>
-          <a:p>
-            <a:r>
-              <a:rPr lang="nl-BE" dirty="0" smtClean="0"/>
-              <a:t>ERD-diagram</a:t>
-            </a:r>
-          </a:p>
-          <a:p>
-            <a:r>
-              <a:rPr lang="nl-BE" dirty="0" smtClean="0"/>
-              <a:t>Opbouw structuur</a:t>
-            </a:r>
-            <a:endParaRPr lang="nl-BE" dirty="0" smtClean="0"/>
-          </a:p>
-          <a:p>
-            <a:r>
-              <a:rPr lang="nl-BE" dirty="0" smtClean="0"/>
-              <a:t>Databank</a:t>
-            </a:r>
-            <a:endParaRPr lang="nl-BE" dirty="0" smtClean="0"/>
-          </a:p>
-          <a:p>
-            <a:r>
-              <a:rPr lang="nl-BE" dirty="0" smtClean="0"/>
-              <a:t>DAL</a:t>
-            </a:r>
-          </a:p>
-          <a:p>
-            <a:r>
-              <a:rPr lang="nl-BE" dirty="0" smtClean="0"/>
-              <a:t>BLL</a:t>
-            </a:r>
-          </a:p>
-          <a:p>
-            <a:r>
-              <a:rPr lang="nl-BE" dirty="0" smtClean="0"/>
-              <a:t>Model</a:t>
-            </a:r>
-          </a:p>
-          <a:p>
-            <a:r>
-              <a:rPr lang="nl-BE" dirty="0" smtClean="0"/>
-              <a:t>Controller</a:t>
-            </a:r>
-          </a:p>
-          <a:p>
-            <a:r>
-              <a:rPr lang="nl-BE" dirty="0" smtClean="0"/>
-              <a:t>View</a:t>
-            </a:r>
-          </a:p>
-          <a:p>
-            <a:r>
-              <a:rPr lang="nl-BE" dirty="0" smtClean="0"/>
-              <a:t>CSS </a:t>
-            </a:r>
-            <a:r>
-              <a:rPr lang="nl-BE" dirty="0" smtClean="0"/>
-              <a:t>Framework</a:t>
-            </a:r>
-          </a:p>
-          <a:p>
-            <a:r>
-              <a:rPr lang="nl-BE" dirty="0" smtClean="0"/>
-              <a:t>Live demo</a:t>
-            </a:r>
-            <a:endParaRPr lang="nl-BE" dirty="0" smtClean="0"/>
-          </a:p>
-          <a:p>
-            <a:r>
-              <a:rPr lang="nl-BE" dirty="0" smtClean="0"/>
-              <a:t>Toekomst?</a:t>
-            </a:r>
-            <a:endParaRPr lang="nl-BE" dirty="0" smtClean="0"/>
-          </a:p>
-          <a:p>
-            <a:endParaRPr lang="nl-BE" dirty="0" smtClean="0"/>
-          </a:p>
-          <a:p>
-            <a:endParaRPr lang="nl-BE" dirty="0" smtClean="0"/>
-          </a:p>
-          <a:p>
-            <a:endParaRPr lang="nl-BE" dirty="0"/>
-          </a:p>
-        </p:txBody>
-      </p:sp>
-    </p:spTree>
-    <p:extLst>
-      <p:ext uri="{BB962C8B-B14F-4D97-AF65-F5344CB8AC3E}">
-        <p14:creationId xmlns:p14="http://schemas.microsoft.com/office/powerpoint/2010/main" val="3866638961"/>
-      </p:ext>
-    </p:extLst>
-  </p:cSld>
-  <p:clrMapOvr>
-    <a:masterClrMapping/>
-  </p:clrMapOvr>
-  <p:timing>
-    <p:tnLst>
-      <p:par>
-        <p:cTn id="1" dur="indefinite" restart="never" nodeType="tmRoot"/>
-      </p:par>
-    </p:tnLst>
-  </p:timing>
-</p:sld>
-</file>
-
-<file path=ppt/slides/slide20.xml><?xml version="1.0" encoding="utf-8"?>
+<file path=ppt/slides/slide22.xml><?xml version="1.0" encoding="utf-8"?>
 <p:sld xmlns:a="http://schemas.openxmlformats.org/drawingml/2006/main" xmlns:r="http://schemas.openxmlformats.org/officeDocument/2006/relationships" xmlns:p="http://schemas.openxmlformats.org/presentationml/2006/main">
   <p:cSld>
     <p:spTree>
@@ -19069,7 +20408,7 @@
 </p:sld>
 </file>
 
-<file path=ppt/slides/slide21.xml><?xml version="1.0" encoding="utf-8"?>
+<file path=ppt/slides/slide23.xml><?xml version="1.0" encoding="utf-8"?>
 <p:sld xmlns:a="http://schemas.openxmlformats.org/drawingml/2006/main" xmlns:r="http://schemas.openxmlformats.org/officeDocument/2006/relationships" xmlns:p="http://schemas.openxmlformats.org/presentationml/2006/main">
   <p:cSld>
     <p:spTree>
@@ -20665,7 +22004,7 @@
 </p:sld>
 </file>
 
-<file path=ppt/slides/slide22.xml><?xml version="1.0" encoding="utf-8"?>
+<file path=ppt/slides/slide24.xml><?xml version="1.0" encoding="utf-8"?>
 <p:sld xmlns:a="http://schemas.openxmlformats.org/drawingml/2006/main" xmlns:r="http://schemas.openxmlformats.org/officeDocument/2006/relationships" xmlns:p="http://schemas.openxmlformats.org/presentationml/2006/main">
   <p:cSld>
     <p:spTree>
@@ -22629,7 +23968,7 @@
 </p:sld>
 </file>
 
-<file path=ppt/slides/slide23.xml><?xml version="1.0" encoding="utf-8"?>
+<file path=ppt/slides/slide25.xml><?xml version="1.0" encoding="utf-8"?>
 <p:sld xmlns:a="http://schemas.openxmlformats.org/drawingml/2006/main" xmlns:r="http://schemas.openxmlformats.org/officeDocument/2006/relationships" xmlns:p="http://schemas.openxmlformats.org/presentationml/2006/main">
   <p:cSld>
     <p:spTree>
@@ -22726,7 +24065,7 @@
 </p:sld>
 </file>
 
-<file path=ppt/slides/slide24.xml><?xml version="1.0" encoding="utf-8"?>
+<file path=ppt/slides/slide26.xml><?xml version="1.0" encoding="utf-8"?>
 <p:sld xmlns:a="http://schemas.openxmlformats.org/drawingml/2006/main" xmlns:r="http://schemas.openxmlformats.org/officeDocument/2006/relationships" xmlns:p="http://schemas.openxmlformats.org/presentationml/2006/main">
   <p:cSld>
     <p:spTree>
@@ -22863,7 +24202,7 @@
 </p:sld>
 </file>
 
-<file path=ppt/slides/slide25.xml><?xml version="1.0" encoding="utf-8"?>
+<file path=ppt/slides/slide27.xml><?xml version="1.0" encoding="utf-8"?>
 <p:sld xmlns:a="http://schemas.openxmlformats.org/drawingml/2006/main" xmlns:r="http://schemas.openxmlformats.org/officeDocument/2006/relationships" xmlns:p="http://schemas.openxmlformats.org/presentationml/2006/main">
   <p:cSld>
     <p:spTree>
@@ -22984,7 +24323,7 @@
 </p:sld>
 </file>
 
-<file path=ppt/slides/slide26.xml><?xml version="1.0" encoding="utf-8"?>
+<file path=ppt/slides/slide28.xml><?xml version="1.0" encoding="utf-8"?>
 <p:sld xmlns:a="http://schemas.openxmlformats.org/drawingml/2006/main" xmlns:r="http://schemas.openxmlformats.org/officeDocument/2006/relationships" xmlns:p="http://schemas.openxmlformats.org/presentationml/2006/main">
   <p:cSld>
     <p:spTree>
@@ -23073,7 +24412,7 @@
 </p:sld>
 </file>
 
-<file path=ppt/slides/slide27.xml><?xml version="1.0" encoding="utf-8"?>
+<file path=ppt/slides/slide29.xml><?xml version="1.0" encoding="utf-8"?>
 <p:sld xmlns:a="http://schemas.openxmlformats.org/drawingml/2006/main" xmlns:r="http://schemas.openxmlformats.org/officeDocument/2006/relationships" xmlns:p="http://schemas.openxmlformats.org/presentationml/2006/main">
   <p:cSld>
     <p:spTree>
@@ -23162,315 +24501,6 @@
 </p:sld>
 </file>
 
-<file path=ppt/slides/slide28.xml><?xml version="1.0" encoding="utf-8"?>
-<p:sld xmlns:a="http://schemas.openxmlformats.org/drawingml/2006/main" xmlns:r="http://schemas.openxmlformats.org/officeDocument/2006/relationships" xmlns:p="http://schemas.openxmlformats.org/presentationml/2006/main">
-  <p:cSld>
-    <p:spTree>
-      <p:nvGrpSpPr>
-        <p:cNvPr id="1" name=""/>
-        <p:cNvGrpSpPr/>
-        <p:nvPr/>
-      </p:nvGrpSpPr>
-      <p:grpSpPr>
-        <a:xfrm>
-          <a:off x="0" y="0"/>
-          <a:ext cx="0" cy="0"/>
-          <a:chOff x="0" y="0"/>
-          <a:chExt cx="0" cy="0"/>
-        </a:xfrm>
-      </p:grpSpPr>
-      <p:sp>
-        <p:nvSpPr>
-          <p:cNvPr id="2" name="Titel 1"/>
-          <p:cNvSpPr>
-            <a:spLocks noGrp="1"/>
-          </p:cNvSpPr>
-          <p:nvPr>
-            <p:ph type="title"/>
-          </p:nvPr>
-        </p:nvSpPr>
-        <p:spPr/>
-        <p:txBody>
-          <a:bodyPr/>
-          <a:lstStyle/>
-          <a:p>
-            <a:r>
-              <a:rPr lang="nl-BE" dirty="0" smtClean="0"/>
-              <a:t>CSS</a:t>
-            </a:r>
-            <a:endParaRPr lang="nl-BE" dirty="0"/>
-          </a:p>
-        </p:txBody>
-      </p:sp>
-      <p:sp>
-        <p:nvSpPr>
-          <p:cNvPr id="5" name="Tijdelijke aanduiding voor inhoud 4"/>
-          <p:cNvSpPr>
-            <a:spLocks noGrp="1"/>
-          </p:cNvSpPr>
-          <p:nvPr>
-            <p:ph idx="1"/>
-          </p:nvPr>
-        </p:nvSpPr>
-        <p:spPr/>
-        <p:txBody>
-          <a:bodyPr>
-            <a:normAutofit/>
-          </a:bodyPr>
-          <a:lstStyle/>
-          <a:p>
-            <a:pPr marL="228600" lvl="1" indent="0">
-              <a:buNone/>
-            </a:pPr>
-            <a:r>
-              <a:rPr lang="en-US" altLang="nl-BE" sz="2400" dirty="0" err="1" smtClean="0"/>
-              <a:t>Gekozen</a:t>
-            </a:r>
-            <a:r>
-              <a:rPr lang="en-US" altLang="nl-BE" sz="2400" dirty="0" smtClean="0"/>
-              <a:t> framework: Bootstrap</a:t>
-            </a:r>
-          </a:p>
-          <a:p>
-            <a:pPr lvl="1">
-              <a:buFontTx/>
-              <a:buChar char="-"/>
-            </a:pPr>
-            <a:r>
-              <a:rPr lang="en-US" altLang="nl-BE" sz="2400" dirty="0" smtClean="0"/>
-              <a:t>Responsive </a:t>
-            </a:r>
-            <a:r>
-              <a:rPr lang="en-US" altLang="nl-BE" sz="2400" dirty="0" err="1" smtClean="0"/>
-              <a:t>css</a:t>
-            </a:r>
-            <a:r>
-              <a:rPr lang="en-US" altLang="nl-BE" sz="2400" dirty="0" smtClean="0"/>
-              <a:t> framework van twitter</a:t>
-            </a:r>
-          </a:p>
-          <a:p>
-            <a:pPr lvl="1">
-              <a:buFontTx/>
-              <a:buChar char="-"/>
-            </a:pPr>
-            <a:r>
-              <a:rPr lang="en-US" altLang="nl-BE" sz="2400" dirty="0" err="1" smtClean="0"/>
-              <a:t>Goede</a:t>
-            </a:r>
-            <a:r>
-              <a:rPr lang="en-US" altLang="nl-BE" sz="2400" dirty="0" smtClean="0"/>
-              <a:t> basis </a:t>
-            </a:r>
-            <a:r>
-              <a:rPr lang="en-US" altLang="nl-BE" sz="2400" dirty="0" err="1" smtClean="0"/>
-              <a:t>voor</a:t>
-            </a:r>
-            <a:r>
-              <a:rPr lang="en-US" altLang="nl-BE" sz="2400" dirty="0" smtClean="0"/>
-              <a:t> </a:t>
-            </a:r>
-            <a:r>
-              <a:rPr lang="en-US" altLang="nl-BE" sz="2400" dirty="0" err="1" smtClean="0"/>
-              <a:t>moderne</a:t>
-            </a:r>
-            <a:r>
-              <a:rPr lang="en-US" altLang="nl-BE" sz="2400" dirty="0" smtClean="0"/>
-              <a:t> UX</a:t>
-            </a:r>
-          </a:p>
-          <a:p>
-            <a:pPr lvl="1">
-              <a:buFontTx/>
-              <a:buChar char="-"/>
-            </a:pPr>
-            <a:r>
-              <a:rPr lang="en-US" altLang="nl-BE" sz="2400" dirty="0" err="1" smtClean="0"/>
-              <a:t>Leercurve</a:t>
-            </a:r>
-            <a:endParaRPr lang="en-US" altLang="nl-BE" sz="2400" dirty="0" smtClean="0"/>
-          </a:p>
-          <a:p>
-            <a:pPr lvl="1">
-              <a:buFontTx/>
-              <a:buChar char="-"/>
-            </a:pPr>
-            <a:r>
-              <a:rPr lang="en-US" altLang="nl-BE" sz="2400" dirty="0" err="1" smtClean="0"/>
-              <a:t>Nadien</a:t>
-            </a:r>
-            <a:r>
-              <a:rPr lang="en-US" altLang="nl-BE" sz="2400" dirty="0" smtClean="0"/>
-              <a:t> </a:t>
-            </a:r>
-            <a:r>
-              <a:rPr lang="en-US" altLang="nl-BE" sz="2400" dirty="0" err="1" smtClean="0"/>
-              <a:t>snelle</a:t>
-            </a:r>
-            <a:r>
-              <a:rPr lang="en-US" altLang="nl-BE" sz="2400" dirty="0" smtClean="0"/>
-              <a:t> </a:t>
-            </a:r>
-            <a:r>
-              <a:rPr lang="en-US" altLang="nl-BE" sz="2400" dirty="0" err="1" smtClean="0"/>
-              <a:t>opbouw</a:t>
-            </a:r>
-            <a:endParaRPr lang="en-US" altLang="nl-BE" sz="2400" dirty="0" smtClean="0"/>
-          </a:p>
-          <a:p>
-            <a:pPr lvl="1">
-              <a:buFontTx/>
-              <a:buChar char="-"/>
-            </a:pPr>
-            <a:r>
-              <a:rPr lang="en-US" altLang="nl-BE" sz="2400" dirty="0" smtClean="0"/>
-              <a:t>Single page</a:t>
-            </a:r>
-          </a:p>
-        </p:txBody>
-      </p:sp>
-    </p:spTree>
-    <p:extLst>
-      <p:ext uri="{BB962C8B-B14F-4D97-AF65-F5344CB8AC3E}">
-        <p14:creationId xmlns:p14="http://schemas.microsoft.com/office/powerpoint/2010/main" val="3458248056"/>
-      </p:ext>
-    </p:extLst>
-  </p:cSld>
-  <p:clrMapOvr>
-    <a:masterClrMapping/>
-  </p:clrMapOvr>
-  <p:timing>
-    <p:tnLst>
-      <p:par>
-        <p:cTn id="1" dur="indefinite" restart="never" nodeType="tmRoot"/>
-      </p:par>
-    </p:tnLst>
-  </p:timing>
-</p:sld>
-</file>
-
-<file path=ppt/slides/slide29.xml><?xml version="1.0" encoding="utf-8"?>
-<p:sld xmlns:a="http://schemas.openxmlformats.org/drawingml/2006/main" xmlns:r="http://schemas.openxmlformats.org/officeDocument/2006/relationships" xmlns:p="http://schemas.openxmlformats.org/presentationml/2006/main">
-  <p:cSld>
-    <p:spTree>
-      <p:nvGrpSpPr>
-        <p:cNvPr id="1" name=""/>
-        <p:cNvGrpSpPr/>
-        <p:nvPr/>
-      </p:nvGrpSpPr>
-      <p:grpSpPr>
-        <a:xfrm>
-          <a:off x="0" y="0"/>
-          <a:ext cx="0" cy="0"/>
-          <a:chOff x="0" y="0"/>
-          <a:chExt cx="0" cy="0"/>
-        </a:xfrm>
-      </p:grpSpPr>
-      <p:sp>
-        <p:nvSpPr>
-          <p:cNvPr id="2" name="Titel 1"/>
-          <p:cNvSpPr>
-            <a:spLocks noGrp="1"/>
-          </p:cNvSpPr>
-          <p:nvPr>
-            <p:ph type="title"/>
-          </p:nvPr>
-        </p:nvSpPr>
-        <p:spPr/>
-        <p:txBody>
-          <a:bodyPr/>
-          <a:lstStyle/>
-          <a:p>
-            <a:r>
-              <a:rPr lang="nl-BE" dirty="0" err="1" smtClean="0"/>
-              <a:t>Css</a:t>
-            </a:r>
-            <a:r>
-              <a:rPr lang="nl-BE" dirty="0" smtClean="0"/>
-              <a:t>: voorbeeld(1)</a:t>
-            </a:r>
-            <a:endParaRPr lang="nl-BE" dirty="0"/>
-          </a:p>
-        </p:txBody>
-      </p:sp>
-      <p:sp>
-        <p:nvSpPr>
-          <p:cNvPr id="3" name="Tijdelijke aanduiding voor inhoud 2"/>
-          <p:cNvSpPr>
-            <a:spLocks noGrp="1"/>
-          </p:cNvSpPr>
-          <p:nvPr>
-            <p:ph idx="1"/>
-          </p:nvPr>
-        </p:nvSpPr>
-        <p:spPr>
-          <a:xfrm>
-            <a:off x="902189" y="2011680"/>
-            <a:ext cx="1149531" cy="481216"/>
-          </a:xfrm>
-        </p:spPr>
-        <p:txBody>
-          <a:bodyPr/>
-          <a:lstStyle/>
-          <a:p>
-            <a:r>
-              <a:rPr lang="nl-BE" dirty="0" err="1" smtClean="0"/>
-              <a:t>Modal</a:t>
-            </a:r>
-            <a:endParaRPr lang="nl-BE" dirty="0"/>
-          </a:p>
-        </p:txBody>
-      </p:sp>
-      <p:pic>
-        <p:nvPicPr>
-          <p:cNvPr id="4" name="Afbeelding 3"/>
-          <p:cNvPicPr>
-            <a:picLocks noChangeAspect="1"/>
-          </p:cNvPicPr>
-          <p:nvPr/>
-        </p:nvPicPr>
-        <p:blipFill>
-          <a:blip r:embed="rId2">
-            <a:extLst>
-              <a:ext uri="{28A0092B-C50C-407E-A947-70E740481C1C}">
-                <a14:useLocalDpi xmlns:a14="http://schemas.microsoft.com/office/drawing/2010/main" val="0"/>
-              </a:ext>
-            </a:extLst>
-          </a:blip>
-          <a:stretch>
-            <a:fillRect/>
-          </a:stretch>
-        </p:blipFill>
-        <p:spPr>
-          <a:xfrm>
-            <a:off x="251520" y="2489421"/>
-            <a:ext cx="8743950" cy="2952750"/>
-          </a:xfrm>
-          <a:prstGeom prst="rect">
-            <a:avLst/>
-          </a:prstGeom>
-        </p:spPr>
-      </p:pic>
-    </p:spTree>
-    <p:extLst>
-      <p:ext uri="{BB962C8B-B14F-4D97-AF65-F5344CB8AC3E}">
-        <p14:creationId xmlns:p14="http://schemas.microsoft.com/office/powerpoint/2010/main" val="3030977809"/>
-      </p:ext>
-    </p:extLst>
-  </p:cSld>
-  <p:clrMapOvr>
-    <a:masterClrMapping/>
-  </p:clrMapOvr>
-  <p:timing>
-    <p:tnLst>
-      <p:par>
-        <p:cTn id="1" dur="indefinite" restart="never" nodeType="tmRoot"/>
-      </p:par>
-    </p:tnLst>
-  </p:timing>
-</p:sld>
-</file>
-
 <file path=ppt/slides/slide3.xml><?xml version="1.0" encoding="utf-8"?>
 <p:sld xmlns:a="http://schemas.openxmlformats.org/drawingml/2006/main" xmlns:r="http://schemas.openxmlformats.org/officeDocument/2006/relationships" xmlns:p="http://schemas.openxmlformats.org/presentationml/2006/main">
   <p:cSld>
@@ -23507,7 +24537,6 @@
               <a:rPr lang="nl-BE" dirty="0"/>
               <a:t>Voorstelling concept</a:t>
             </a:r>
-            <a:endParaRPr lang="nl-BE" dirty="0"/>
           </a:p>
         </p:txBody>
       </p:sp>
@@ -23703,6 +24732,315 @@
           <a:lstStyle/>
           <a:p>
             <a:r>
+              <a:rPr lang="nl-BE" dirty="0" smtClean="0"/>
+              <a:t>CSS</a:t>
+            </a:r>
+            <a:endParaRPr lang="nl-BE" dirty="0"/>
+          </a:p>
+        </p:txBody>
+      </p:sp>
+      <p:sp>
+        <p:nvSpPr>
+          <p:cNvPr id="5" name="Tijdelijke aanduiding voor inhoud 4"/>
+          <p:cNvSpPr>
+            <a:spLocks noGrp="1"/>
+          </p:cNvSpPr>
+          <p:nvPr>
+            <p:ph idx="1"/>
+          </p:nvPr>
+        </p:nvSpPr>
+        <p:spPr/>
+        <p:txBody>
+          <a:bodyPr>
+            <a:normAutofit/>
+          </a:bodyPr>
+          <a:lstStyle/>
+          <a:p>
+            <a:pPr marL="228600" lvl="1" indent="0">
+              <a:buNone/>
+            </a:pPr>
+            <a:r>
+              <a:rPr lang="en-US" altLang="nl-BE" sz="2400" dirty="0" err="1" smtClean="0"/>
+              <a:t>Gekozen</a:t>
+            </a:r>
+            <a:r>
+              <a:rPr lang="en-US" altLang="nl-BE" sz="2400" dirty="0" smtClean="0"/>
+              <a:t> framework: Bootstrap</a:t>
+            </a:r>
+          </a:p>
+          <a:p>
+            <a:pPr lvl="1">
+              <a:buFontTx/>
+              <a:buChar char="-"/>
+            </a:pPr>
+            <a:r>
+              <a:rPr lang="en-US" altLang="nl-BE" sz="2400" dirty="0" smtClean="0"/>
+              <a:t>Responsive </a:t>
+            </a:r>
+            <a:r>
+              <a:rPr lang="en-US" altLang="nl-BE" sz="2400" dirty="0" err="1" smtClean="0"/>
+              <a:t>css</a:t>
+            </a:r>
+            <a:r>
+              <a:rPr lang="en-US" altLang="nl-BE" sz="2400" dirty="0" smtClean="0"/>
+              <a:t> framework van twitter</a:t>
+            </a:r>
+          </a:p>
+          <a:p>
+            <a:pPr lvl="1">
+              <a:buFontTx/>
+              <a:buChar char="-"/>
+            </a:pPr>
+            <a:r>
+              <a:rPr lang="en-US" altLang="nl-BE" sz="2400" dirty="0" err="1" smtClean="0"/>
+              <a:t>Goede</a:t>
+            </a:r>
+            <a:r>
+              <a:rPr lang="en-US" altLang="nl-BE" sz="2400" dirty="0" smtClean="0"/>
+              <a:t> basis </a:t>
+            </a:r>
+            <a:r>
+              <a:rPr lang="en-US" altLang="nl-BE" sz="2400" dirty="0" err="1" smtClean="0"/>
+              <a:t>voor</a:t>
+            </a:r>
+            <a:r>
+              <a:rPr lang="en-US" altLang="nl-BE" sz="2400" dirty="0" smtClean="0"/>
+              <a:t> </a:t>
+            </a:r>
+            <a:r>
+              <a:rPr lang="en-US" altLang="nl-BE" sz="2400" dirty="0" err="1" smtClean="0"/>
+              <a:t>moderne</a:t>
+            </a:r>
+            <a:r>
+              <a:rPr lang="en-US" altLang="nl-BE" sz="2400" dirty="0" smtClean="0"/>
+              <a:t> UX</a:t>
+            </a:r>
+          </a:p>
+          <a:p>
+            <a:pPr lvl="1">
+              <a:buFontTx/>
+              <a:buChar char="-"/>
+            </a:pPr>
+            <a:r>
+              <a:rPr lang="en-US" altLang="nl-BE" sz="2400" dirty="0" err="1" smtClean="0"/>
+              <a:t>Leercurve</a:t>
+            </a:r>
+            <a:endParaRPr lang="en-US" altLang="nl-BE" sz="2400" dirty="0" smtClean="0"/>
+          </a:p>
+          <a:p>
+            <a:pPr lvl="1">
+              <a:buFontTx/>
+              <a:buChar char="-"/>
+            </a:pPr>
+            <a:r>
+              <a:rPr lang="en-US" altLang="nl-BE" sz="2400" dirty="0" err="1" smtClean="0"/>
+              <a:t>Nadien</a:t>
+            </a:r>
+            <a:r>
+              <a:rPr lang="en-US" altLang="nl-BE" sz="2400" dirty="0" smtClean="0"/>
+              <a:t> </a:t>
+            </a:r>
+            <a:r>
+              <a:rPr lang="en-US" altLang="nl-BE" sz="2400" dirty="0" err="1" smtClean="0"/>
+              <a:t>snelle</a:t>
+            </a:r>
+            <a:r>
+              <a:rPr lang="en-US" altLang="nl-BE" sz="2400" dirty="0" smtClean="0"/>
+              <a:t> </a:t>
+            </a:r>
+            <a:r>
+              <a:rPr lang="en-US" altLang="nl-BE" sz="2400" dirty="0" err="1" smtClean="0"/>
+              <a:t>opbouw</a:t>
+            </a:r>
+            <a:endParaRPr lang="en-US" altLang="nl-BE" sz="2400" dirty="0" smtClean="0"/>
+          </a:p>
+          <a:p>
+            <a:pPr lvl="1">
+              <a:buFontTx/>
+              <a:buChar char="-"/>
+            </a:pPr>
+            <a:r>
+              <a:rPr lang="en-US" altLang="nl-BE" sz="2400" dirty="0" smtClean="0"/>
+              <a:t>Single page</a:t>
+            </a:r>
+          </a:p>
+        </p:txBody>
+      </p:sp>
+    </p:spTree>
+    <p:extLst>
+      <p:ext uri="{BB962C8B-B14F-4D97-AF65-F5344CB8AC3E}">
+        <p14:creationId xmlns:p14="http://schemas.microsoft.com/office/powerpoint/2010/main" val="3458248056"/>
+      </p:ext>
+    </p:extLst>
+  </p:cSld>
+  <p:clrMapOvr>
+    <a:masterClrMapping/>
+  </p:clrMapOvr>
+  <p:timing>
+    <p:tnLst>
+      <p:par>
+        <p:cTn id="1" dur="indefinite" restart="never" nodeType="tmRoot"/>
+      </p:par>
+    </p:tnLst>
+  </p:timing>
+</p:sld>
+</file>
+
+<file path=ppt/slides/slide31.xml><?xml version="1.0" encoding="utf-8"?>
+<p:sld xmlns:a="http://schemas.openxmlformats.org/drawingml/2006/main" xmlns:r="http://schemas.openxmlformats.org/officeDocument/2006/relationships" xmlns:p="http://schemas.openxmlformats.org/presentationml/2006/main">
+  <p:cSld>
+    <p:spTree>
+      <p:nvGrpSpPr>
+        <p:cNvPr id="1" name=""/>
+        <p:cNvGrpSpPr/>
+        <p:nvPr/>
+      </p:nvGrpSpPr>
+      <p:grpSpPr>
+        <a:xfrm>
+          <a:off x="0" y="0"/>
+          <a:ext cx="0" cy="0"/>
+          <a:chOff x="0" y="0"/>
+          <a:chExt cx="0" cy="0"/>
+        </a:xfrm>
+      </p:grpSpPr>
+      <p:sp>
+        <p:nvSpPr>
+          <p:cNvPr id="2" name="Titel 1"/>
+          <p:cNvSpPr>
+            <a:spLocks noGrp="1"/>
+          </p:cNvSpPr>
+          <p:nvPr>
+            <p:ph type="title"/>
+          </p:nvPr>
+        </p:nvSpPr>
+        <p:spPr/>
+        <p:txBody>
+          <a:bodyPr/>
+          <a:lstStyle/>
+          <a:p>
+            <a:r>
+              <a:rPr lang="nl-BE" dirty="0" err="1" smtClean="0"/>
+              <a:t>Css</a:t>
+            </a:r>
+            <a:r>
+              <a:rPr lang="nl-BE" dirty="0" smtClean="0"/>
+              <a:t>: voorbeeld(1)</a:t>
+            </a:r>
+            <a:endParaRPr lang="nl-BE" dirty="0"/>
+          </a:p>
+        </p:txBody>
+      </p:sp>
+      <p:sp>
+        <p:nvSpPr>
+          <p:cNvPr id="3" name="Tijdelijke aanduiding voor inhoud 2"/>
+          <p:cNvSpPr>
+            <a:spLocks noGrp="1"/>
+          </p:cNvSpPr>
+          <p:nvPr>
+            <p:ph idx="1"/>
+          </p:nvPr>
+        </p:nvSpPr>
+        <p:spPr>
+          <a:xfrm>
+            <a:off x="902189" y="2011680"/>
+            <a:ext cx="1149531" cy="481216"/>
+          </a:xfrm>
+        </p:spPr>
+        <p:txBody>
+          <a:bodyPr/>
+          <a:lstStyle/>
+          <a:p>
+            <a:r>
+              <a:rPr lang="nl-BE" dirty="0" err="1" smtClean="0"/>
+              <a:t>Modal</a:t>
+            </a:r>
+            <a:endParaRPr lang="nl-BE" dirty="0"/>
+          </a:p>
+        </p:txBody>
+      </p:sp>
+      <p:pic>
+        <p:nvPicPr>
+          <p:cNvPr id="4" name="Afbeelding 3"/>
+          <p:cNvPicPr>
+            <a:picLocks noChangeAspect="1"/>
+          </p:cNvPicPr>
+          <p:nvPr/>
+        </p:nvPicPr>
+        <p:blipFill>
+          <a:blip r:embed="rId2">
+            <a:extLst>
+              <a:ext uri="{28A0092B-C50C-407E-A947-70E740481C1C}">
+                <a14:useLocalDpi xmlns:a14="http://schemas.microsoft.com/office/drawing/2010/main" val="0"/>
+              </a:ext>
+            </a:extLst>
+          </a:blip>
+          <a:stretch>
+            <a:fillRect/>
+          </a:stretch>
+        </p:blipFill>
+        <p:spPr>
+          <a:xfrm>
+            <a:off x="251520" y="2489421"/>
+            <a:ext cx="8743950" cy="2952750"/>
+          </a:xfrm>
+          <a:prstGeom prst="rect">
+            <a:avLst/>
+          </a:prstGeom>
+        </p:spPr>
+      </p:pic>
+    </p:spTree>
+    <p:extLst>
+      <p:ext uri="{BB962C8B-B14F-4D97-AF65-F5344CB8AC3E}">
+        <p14:creationId xmlns:p14="http://schemas.microsoft.com/office/powerpoint/2010/main" val="3030977809"/>
+      </p:ext>
+    </p:extLst>
+  </p:cSld>
+  <p:clrMapOvr>
+    <a:masterClrMapping/>
+  </p:clrMapOvr>
+  <p:timing>
+    <p:tnLst>
+      <p:par>
+        <p:cTn id="1" dur="indefinite" restart="never" nodeType="tmRoot"/>
+      </p:par>
+    </p:tnLst>
+  </p:timing>
+</p:sld>
+</file>
+
+<file path=ppt/slides/slide32.xml><?xml version="1.0" encoding="utf-8"?>
+<p:sld xmlns:a="http://schemas.openxmlformats.org/drawingml/2006/main" xmlns:r="http://schemas.openxmlformats.org/officeDocument/2006/relationships" xmlns:p="http://schemas.openxmlformats.org/presentationml/2006/main">
+  <p:cSld>
+    <p:spTree>
+      <p:nvGrpSpPr>
+        <p:cNvPr id="1" name=""/>
+        <p:cNvGrpSpPr/>
+        <p:nvPr/>
+      </p:nvGrpSpPr>
+      <p:grpSpPr>
+        <a:xfrm>
+          <a:off x="0" y="0"/>
+          <a:ext cx="0" cy="0"/>
+          <a:chOff x="0" y="0"/>
+          <a:chExt cx="0" cy="0"/>
+        </a:xfrm>
+      </p:grpSpPr>
+      <p:sp>
+        <p:nvSpPr>
+          <p:cNvPr id="2" name="Titel 1"/>
+          <p:cNvSpPr>
+            <a:spLocks noGrp="1"/>
+          </p:cNvSpPr>
+          <p:nvPr>
+            <p:ph type="title"/>
+          </p:nvPr>
+        </p:nvSpPr>
+        <p:spPr/>
+        <p:txBody>
+          <a:bodyPr/>
+          <a:lstStyle/>
+          <a:p>
+            <a:r>
               <a:rPr lang="nl-BE" dirty="0" err="1" smtClean="0"/>
               <a:t>Css:voorbeeld</a:t>
             </a:r>
@@ -23793,7 +25131,7 @@
 </p:sld>
 </file>
 
-<file path=ppt/slides/slide31.xml><?xml version="1.0" encoding="utf-8"?>
+<file path=ppt/slides/slide33.xml><?xml version="1.0" encoding="utf-8"?>
 <p:sld xmlns:a="http://schemas.openxmlformats.org/drawingml/2006/main" xmlns:r="http://schemas.openxmlformats.org/officeDocument/2006/relationships" xmlns:p="http://schemas.openxmlformats.org/presentationml/2006/main">
   <p:cSld>
     <p:spTree>
@@ -23831,11 +25169,7 @@
             </a:r>
             <a:r>
               <a:rPr lang="nl-BE" dirty="0" smtClean="0"/>
-              <a:t>: </a:t>
-            </a:r>
-            <a:r>
-              <a:rPr lang="nl-BE" dirty="0" smtClean="0"/>
-              <a:t>voorbeeld(3)</a:t>
+              <a:t>: voorbeeld(3)</a:t>
             </a:r>
             <a:endParaRPr lang="nl-BE" dirty="0"/>
           </a:p>
@@ -23941,7 +25275,7 @@
 </p:sld>
 </file>
 
-<file path=ppt/slides/slide32.xml><?xml version="1.0" encoding="utf-8"?>
+<file path=ppt/slides/slide34.xml><?xml version="1.0" encoding="utf-8"?>
 <p:sld xmlns:a="http://schemas.openxmlformats.org/drawingml/2006/main" xmlns:r="http://schemas.openxmlformats.org/officeDocument/2006/relationships" xmlns:p="http://schemas.openxmlformats.org/presentationml/2006/main">
   <p:cSld>
     <p:spTree>
@@ -24059,7 +25393,7 @@
 </p:sld>
 </file>
 
-<file path=ppt/slides/slide33.xml><?xml version="1.0" encoding="utf-8"?>
+<file path=ppt/slides/slide35.xml><?xml version="1.0" encoding="utf-8"?>
 <p:sld xmlns:a="http://schemas.openxmlformats.org/drawingml/2006/main" xmlns:r="http://schemas.openxmlformats.org/officeDocument/2006/relationships" xmlns:p="http://schemas.openxmlformats.org/presentationml/2006/main">
   <p:cSld>
     <p:spTree>
@@ -24222,7 +25556,7 @@
 </p:sld>
 </file>
 
-<file path=ppt/slides/slide34.xml><?xml version="1.0" encoding="utf-8"?>
+<file path=ppt/slides/slide36.xml><?xml version="1.0" encoding="utf-8"?>
 <p:sld xmlns:a="http://schemas.openxmlformats.org/drawingml/2006/main" xmlns:r="http://schemas.openxmlformats.org/officeDocument/2006/relationships" xmlns:p="http://schemas.openxmlformats.org/presentationml/2006/main">
   <p:cSld>
     <p:spTree>
@@ -24352,6 +25686,221 @@
           <a:lstStyle/>
           <a:p>
             <a:r>
+              <a:rPr lang="nl-BE" dirty="0" smtClean="0"/>
+              <a:t>Voorstelling </a:t>
+            </a:r>
+            <a:r>
+              <a:rPr lang="nl-BE" dirty="0"/>
+              <a:t>concept</a:t>
+            </a:r>
+            <a:endParaRPr lang="nl-BE" dirty="0"/>
+          </a:p>
+        </p:txBody>
+      </p:sp>
+      <p:pic>
+        <p:nvPicPr>
+          <p:cNvPr id="8" name="Content Placeholder 7"/>
+          <p:cNvPicPr>
+            <a:picLocks noGrp="1" noChangeAspect="1"/>
+          </p:cNvPicPr>
+          <p:nvPr>
+            <p:ph idx="1"/>
+          </p:nvPr>
+        </p:nvPicPr>
+        <p:blipFill>
+          <a:blip r:embed="rId2" cstate="print">
+            <a:extLst>
+              <a:ext uri="{28A0092B-C50C-407E-A947-70E740481C1C}">
+                <a14:useLocalDpi xmlns:a14="http://schemas.microsoft.com/office/drawing/2010/main" val="0"/>
+              </a:ext>
+            </a:extLst>
+          </a:blip>
+          <a:stretch>
+            <a:fillRect/>
+          </a:stretch>
+        </p:blipFill>
+        <p:spPr>
+          <a:xfrm>
+            <a:off x="7380312" y="3744093"/>
+            <a:ext cx="1057597" cy="1057597"/>
+          </a:xfrm>
+        </p:spPr>
+      </p:pic>
+      <p:pic>
+        <p:nvPicPr>
+          <p:cNvPr id="7" name="Picture 6"/>
+          <p:cNvPicPr>
+            <a:picLocks noChangeAspect="1"/>
+          </p:cNvPicPr>
+          <p:nvPr/>
+        </p:nvPicPr>
+        <p:blipFill>
+          <a:blip r:embed="rId3"/>
+          <a:stretch>
+            <a:fillRect/>
+          </a:stretch>
+        </p:blipFill>
+        <p:spPr>
+          <a:xfrm>
+            <a:off x="3275856" y="3053692"/>
+            <a:ext cx="3019425" cy="2438400"/>
+          </a:xfrm>
+          <a:prstGeom prst="rect">
+            <a:avLst/>
+          </a:prstGeom>
+        </p:spPr>
+      </p:pic>
+      <p:pic>
+        <p:nvPicPr>
+          <p:cNvPr id="9" name="Picture 8"/>
+          <p:cNvPicPr>
+            <a:picLocks noChangeAspect="1"/>
+          </p:cNvPicPr>
+          <p:nvPr/>
+        </p:nvPicPr>
+        <p:blipFill>
+          <a:blip r:embed="rId4"/>
+          <a:stretch>
+            <a:fillRect/>
+          </a:stretch>
+        </p:blipFill>
+        <p:spPr>
+          <a:xfrm>
+            <a:off x="565348" y="3458503"/>
+            <a:ext cx="1657350" cy="1628775"/>
+          </a:xfrm>
+          <a:prstGeom prst="rect">
+            <a:avLst/>
+          </a:prstGeom>
+        </p:spPr>
+      </p:pic>
+      <p:cxnSp>
+        <p:nvCxnSpPr>
+          <p:cNvPr id="11" name="Straight Arrow Connector 10"/>
+          <p:cNvCxnSpPr/>
+          <p:nvPr/>
+        </p:nvCxnSpPr>
+        <p:spPr>
+          <a:xfrm>
+            <a:off x="2274638" y="4272890"/>
+            <a:ext cx="929210" cy="1"/>
+          </a:xfrm>
+          <a:prstGeom prst="straightConnector1">
+            <a:avLst/>
+          </a:prstGeom>
+          <a:ln w="25400">
+            <a:solidFill>
+              <a:schemeClr val="tx1"/>
+            </a:solidFill>
+            <a:tailEnd type="triangle" w="lg" len="lg"/>
+          </a:ln>
+        </p:spPr>
+        <p:style>
+          <a:lnRef idx="3">
+            <a:schemeClr val="dk1"/>
+          </a:lnRef>
+          <a:fillRef idx="0">
+            <a:schemeClr val="dk1"/>
+          </a:fillRef>
+          <a:effectRef idx="2">
+            <a:schemeClr val="dk1"/>
+          </a:effectRef>
+          <a:fontRef idx="minor">
+            <a:schemeClr val="tx1"/>
+          </a:fontRef>
+        </p:style>
+      </p:cxnSp>
+      <p:cxnSp>
+        <p:nvCxnSpPr>
+          <p:cNvPr id="13" name="Straight Arrow Connector 12"/>
+          <p:cNvCxnSpPr>
+            <a:endCxn id="8" idx="1"/>
+          </p:cNvCxnSpPr>
+          <p:nvPr/>
+        </p:nvCxnSpPr>
+        <p:spPr>
+          <a:xfrm>
+            <a:off x="6372200" y="4272890"/>
+            <a:ext cx="1008112" cy="2"/>
+          </a:xfrm>
+          <a:prstGeom prst="straightConnector1">
+            <a:avLst/>
+          </a:prstGeom>
+          <a:ln w="25400">
+            <a:solidFill>
+              <a:schemeClr val="tx1"/>
+            </a:solidFill>
+            <a:tailEnd type="triangle" w="lg" len="lg"/>
+          </a:ln>
+        </p:spPr>
+        <p:style>
+          <a:lnRef idx="3">
+            <a:schemeClr val="dk1"/>
+          </a:lnRef>
+          <a:fillRef idx="0">
+            <a:schemeClr val="dk1"/>
+          </a:fillRef>
+          <a:effectRef idx="2">
+            <a:schemeClr val="dk1"/>
+          </a:effectRef>
+          <a:fontRef idx="minor">
+            <a:schemeClr val="tx1"/>
+          </a:fontRef>
+        </p:style>
+      </p:cxnSp>
+    </p:spTree>
+    <p:extLst>
+      <p:ext uri="{BB962C8B-B14F-4D97-AF65-F5344CB8AC3E}">
+        <p14:creationId xmlns:p14="http://schemas.microsoft.com/office/powerpoint/2010/main" val="3717469424"/>
+      </p:ext>
+    </p:extLst>
+  </p:cSld>
+  <p:clrMapOvr>
+    <a:masterClrMapping/>
+  </p:clrMapOvr>
+  <p:timing>
+    <p:tnLst>
+      <p:par>
+        <p:cTn id="1" dur="indefinite" restart="never" nodeType="tmRoot"/>
+      </p:par>
+    </p:tnLst>
+  </p:timing>
+</p:sld>
+</file>
+
+<file path=ppt/slides/slide5.xml><?xml version="1.0" encoding="utf-8"?>
+<p:sld xmlns:a="http://schemas.openxmlformats.org/drawingml/2006/main" xmlns:r="http://schemas.openxmlformats.org/officeDocument/2006/relationships" xmlns:p="http://schemas.openxmlformats.org/presentationml/2006/main">
+  <p:cSld>
+    <p:spTree>
+      <p:nvGrpSpPr>
+        <p:cNvPr id="1" name=""/>
+        <p:cNvGrpSpPr/>
+        <p:nvPr/>
+      </p:nvGrpSpPr>
+      <p:grpSpPr>
+        <a:xfrm>
+          <a:off x="0" y="0"/>
+          <a:ext cx="0" cy="0"/>
+          <a:chOff x="0" y="0"/>
+          <a:chExt cx="0" cy="0"/>
+        </a:xfrm>
+      </p:grpSpPr>
+      <p:sp>
+        <p:nvSpPr>
+          <p:cNvPr id="2" name="Title 1"/>
+          <p:cNvSpPr>
+            <a:spLocks noGrp="1"/>
+          </p:cNvSpPr>
+          <p:nvPr>
+            <p:ph type="title"/>
+          </p:nvPr>
+        </p:nvSpPr>
+        <p:spPr/>
+        <p:txBody>
+          <a:bodyPr/>
+          <a:lstStyle/>
+          <a:p>
+            <a:r>
               <a:rPr lang="nl-BE" dirty="0" err="1" smtClean="0"/>
               <a:t>Use</a:t>
             </a:r>
@@ -24390,7 +25939,6 @@
               <a:rPr lang="nl-BE" dirty="0" smtClean="0"/>
               <a:t>-casediagram ziet er als volgt uit:</a:t>
             </a:r>
-            <a:endParaRPr lang="nl-BE" dirty="0" smtClean="0"/>
           </a:p>
           <a:p>
             <a:endParaRPr lang="nl-BE" dirty="0"/>
@@ -24458,7 +26006,7 @@
 </p:sld>
 </file>
 
-<file path=ppt/slides/slide5.xml><?xml version="1.0" encoding="utf-8"?>
+<file path=ppt/slides/slide6.xml><?xml version="1.0" encoding="utf-8"?>
 <p:sld xmlns:a="http://schemas.openxmlformats.org/drawingml/2006/main" xmlns:r="http://schemas.openxmlformats.org/officeDocument/2006/relationships" xmlns:p="http://schemas.openxmlformats.org/presentationml/2006/main">
   <p:cSld>
     <p:spTree>
@@ -24575,7 +26123,7 @@
 </p:sld>
 </file>
 
-<file path=ppt/slides/slide6.xml><?xml version="1.0" encoding="utf-8"?>
+<file path=ppt/slides/slide7.xml><?xml version="1.0" encoding="utf-8"?>
 <p:sld xmlns:a="http://schemas.openxmlformats.org/drawingml/2006/main" xmlns:r="http://schemas.openxmlformats.org/officeDocument/2006/relationships" xmlns:p="http://schemas.openxmlformats.org/presentationml/2006/main">
   <p:cSld>
     <p:spTree>
@@ -24806,7 +26354,7 @@
 </p:sld>
 </file>
 
-<file path=ppt/slides/slide7.xml><?xml version="1.0" encoding="utf-8"?>
+<file path=ppt/slides/slide8.xml><?xml version="1.0" encoding="utf-8"?>
 <p:sld xmlns:a="http://schemas.openxmlformats.org/drawingml/2006/main" xmlns:r="http://schemas.openxmlformats.org/officeDocument/2006/relationships" xmlns:p="http://schemas.openxmlformats.org/presentationml/2006/main">
   <p:cSld>
     <p:spTree>
@@ -25036,7 +26584,6 @@
               <a:rPr lang="en-US" altLang="nl-BE" sz="2500" dirty="0" smtClean="0"/>
               <a:t> van data</a:t>
             </a:r>
-            <a:endParaRPr lang="en-US" altLang="nl-BE" sz="2500" dirty="0" smtClean="0"/>
           </a:p>
           <a:p>
             <a:pPr lvl="1"/>
@@ -25080,7 +26627,7 @@
 </p:sld>
 </file>
 
-<file path=ppt/slides/slide8.xml><?xml version="1.0" encoding="utf-8"?>
+<file path=ppt/slides/slide9.xml><?xml version="1.0" encoding="utf-8"?>
 <p:sld xmlns:a="http://schemas.openxmlformats.org/drawingml/2006/main" xmlns:r="http://schemas.openxmlformats.org/officeDocument/2006/relationships" xmlns:p="http://schemas.openxmlformats.org/presentationml/2006/main">
   <p:cSld>
     <p:spTree>
@@ -25426,252 +26973,6 @@
     <p:extLst>
       <p:ext uri="{BB962C8B-B14F-4D97-AF65-F5344CB8AC3E}">
         <p14:creationId xmlns:p14="http://schemas.microsoft.com/office/powerpoint/2010/main" val="426607816"/>
-      </p:ext>
-    </p:extLst>
-  </p:cSld>
-  <p:clrMapOvr>
-    <a:masterClrMapping/>
-  </p:clrMapOvr>
-  <p:timing>
-    <p:tnLst>
-      <p:par>
-        <p:cTn id="1" dur="indefinite" restart="never" nodeType="tmRoot"/>
-      </p:par>
-    </p:tnLst>
-  </p:timing>
-</p:sld>
-</file>
-
-<file path=ppt/slides/slide9.xml><?xml version="1.0" encoding="utf-8"?>
-<p:sld xmlns:a="http://schemas.openxmlformats.org/drawingml/2006/main" xmlns:r="http://schemas.openxmlformats.org/officeDocument/2006/relationships" xmlns:p="http://schemas.openxmlformats.org/presentationml/2006/main">
-  <p:cSld>
-    <p:spTree>
-      <p:nvGrpSpPr>
-        <p:cNvPr id="1" name=""/>
-        <p:cNvGrpSpPr/>
-        <p:nvPr/>
-      </p:nvGrpSpPr>
-      <p:grpSpPr>
-        <a:xfrm>
-          <a:off x="0" y="0"/>
-          <a:ext cx="0" cy="0"/>
-          <a:chOff x="0" y="0"/>
-          <a:chExt cx="0" cy="0"/>
-        </a:xfrm>
-      </p:grpSpPr>
-      <p:sp>
-        <p:nvSpPr>
-          <p:cNvPr id="2" name="Titel 1"/>
-          <p:cNvSpPr>
-            <a:spLocks noGrp="1"/>
-          </p:cNvSpPr>
-          <p:nvPr>
-            <p:ph type="title"/>
-          </p:nvPr>
-        </p:nvSpPr>
-        <p:spPr/>
-        <p:txBody>
-          <a:bodyPr/>
-          <a:lstStyle/>
-          <a:p>
-            <a:r>
-              <a:rPr lang="nl-BE" dirty="0" smtClean="0"/>
-              <a:t>DAL: opbouw</a:t>
-            </a:r>
-            <a:endParaRPr lang="nl-BE" dirty="0"/>
-          </a:p>
-        </p:txBody>
-      </p:sp>
-      <p:sp>
-        <p:nvSpPr>
-          <p:cNvPr id="5" name="Tijdelijke aanduiding voor inhoud 4"/>
-          <p:cNvSpPr>
-            <a:spLocks noGrp="1"/>
-          </p:cNvSpPr>
-          <p:nvPr>
-            <p:ph idx="1"/>
-          </p:nvPr>
-        </p:nvSpPr>
-        <p:spPr/>
-        <p:txBody>
-          <a:bodyPr>
-            <a:normAutofit lnSpcReduction="10000"/>
-          </a:bodyPr>
-          <a:lstStyle/>
-          <a:p>
-            <a:pPr marL="228600" lvl="1" indent="0">
-              <a:buNone/>
-            </a:pPr>
-            <a:r>
-              <a:rPr lang="en-US" altLang="nl-BE" sz="2400" b="1" dirty="0" smtClean="0"/>
-              <a:t>Classes</a:t>
-            </a:r>
-            <a:r>
-              <a:rPr lang="en-US" altLang="nl-BE" sz="2400" dirty="0" smtClean="0"/>
-              <a:t>:</a:t>
-            </a:r>
-          </a:p>
-          <a:p>
-            <a:pPr lvl="1"/>
-            <a:r>
-              <a:rPr lang="en-US" altLang="nl-BE" sz="2400" dirty="0" smtClean="0"/>
-              <a:t>Provider: credentials database</a:t>
-            </a:r>
-          </a:p>
-          <a:p>
-            <a:pPr lvl="1"/>
-            <a:r>
-              <a:rPr lang="en-US" altLang="nl-BE" sz="2400" dirty="0" err="1" smtClean="0"/>
-              <a:t>ContextController</a:t>
-            </a:r>
-            <a:r>
-              <a:rPr lang="en-US" altLang="nl-BE" sz="2400" dirty="0" smtClean="0"/>
-              <a:t>: </a:t>
-            </a:r>
-            <a:r>
-              <a:rPr lang="en-US" altLang="nl-BE" sz="2400" dirty="0" err="1" smtClean="0"/>
-              <a:t>helperklasse</a:t>
-            </a:r>
-            <a:r>
-              <a:rPr lang="en-US" altLang="nl-BE" sz="2400" dirty="0" smtClean="0"/>
-              <a:t> </a:t>
-            </a:r>
-            <a:r>
-              <a:rPr lang="en-US" altLang="nl-BE" sz="2400" dirty="0" err="1" smtClean="0"/>
-              <a:t>interviewcontext</a:t>
-            </a:r>
-            <a:r>
-              <a:rPr lang="en-US" altLang="nl-BE" sz="2400" dirty="0" smtClean="0"/>
-              <a:t> </a:t>
-            </a:r>
-          </a:p>
-          <a:p>
-            <a:pPr lvl="1"/>
-            <a:r>
-              <a:rPr lang="en-US" altLang="nl-BE" sz="2400" dirty="0" err="1" smtClean="0"/>
-              <a:t>InterviewContext</a:t>
-            </a:r>
-            <a:r>
-              <a:rPr lang="en-US" altLang="nl-BE" sz="2400" dirty="0" smtClean="0"/>
-              <a:t>: </a:t>
-            </a:r>
-            <a:r>
-              <a:rPr lang="en-US" altLang="nl-BE" sz="2400" dirty="0" err="1" smtClean="0"/>
-              <a:t>functies</a:t>
-            </a:r>
-            <a:r>
-              <a:rPr lang="en-US" altLang="nl-BE" sz="2400" dirty="0" smtClean="0"/>
-              <a:t> om stored procedures </a:t>
-            </a:r>
-            <a:r>
-              <a:rPr lang="en-US" altLang="nl-BE" sz="2400" dirty="0" err="1" smtClean="0"/>
-              <a:t>aan</a:t>
-            </a:r>
-            <a:r>
-              <a:rPr lang="en-US" altLang="nl-BE" sz="2400" dirty="0" smtClean="0"/>
-              <a:t> </a:t>
-            </a:r>
-            <a:r>
-              <a:rPr lang="en-US" altLang="nl-BE" sz="2400" dirty="0" err="1" smtClean="0"/>
-              <a:t>te</a:t>
-            </a:r>
-            <a:r>
-              <a:rPr lang="en-US" altLang="nl-BE" sz="2400" dirty="0" smtClean="0"/>
-              <a:t> </a:t>
-            </a:r>
-            <a:r>
-              <a:rPr lang="en-US" altLang="nl-BE" sz="2400" dirty="0" err="1" smtClean="0"/>
-              <a:t>spreken</a:t>
-            </a:r>
-            <a:endParaRPr lang="en-US" altLang="nl-BE" sz="2400" dirty="0" smtClean="0"/>
-          </a:p>
-          <a:p>
-            <a:pPr marL="228600" lvl="1" indent="0">
-              <a:buNone/>
-            </a:pPr>
-            <a:endParaRPr lang="en-US" altLang="nl-BE" sz="2400" dirty="0" smtClean="0"/>
-          </a:p>
-          <a:p>
-            <a:pPr marL="228600" lvl="1" indent="0">
-              <a:buNone/>
-            </a:pPr>
-            <a:r>
-              <a:rPr lang="en-US" altLang="nl-BE" sz="2400" b="1" dirty="0" err="1" smtClean="0"/>
-              <a:t>Testclasses</a:t>
-            </a:r>
-            <a:r>
-              <a:rPr lang="en-US" altLang="nl-BE" sz="2400" dirty="0" smtClean="0"/>
-              <a:t>:</a:t>
-            </a:r>
-          </a:p>
-          <a:p>
-            <a:pPr lvl="1"/>
-            <a:r>
-              <a:rPr lang="en-US" altLang="nl-BE" sz="2400" dirty="0" err="1" smtClean="0"/>
-              <a:t>ConnectionTest</a:t>
-            </a:r>
-            <a:endParaRPr lang="en-US" altLang="nl-BE" sz="2400" dirty="0" smtClean="0"/>
-          </a:p>
-          <a:p>
-            <a:pPr lvl="1"/>
-            <a:r>
-              <a:rPr lang="en-US" altLang="nl-BE" sz="2400" dirty="0" err="1" smtClean="0"/>
-              <a:t>InterviewContextTest</a:t>
-            </a:r>
-            <a:endParaRPr lang="en-US" altLang="nl-BE" sz="2400" dirty="0" smtClean="0"/>
-          </a:p>
-          <a:p>
-            <a:pPr marL="228600" lvl="1" indent="0">
-              <a:buNone/>
-            </a:pPr>
-            <a:endParaRPr lang="en-US" altLang="nl-BE" sz="2400" dirty="0" smtClean="0"/>
-          </a:p>
-          <a:p>
-            <a:pPr marL="228600" lvl="1" indent="0">
-              <a:buNone/>
-            </a:pPr>
-            <a:r>
-              <a:rPr lang="en-US" altLang="nl-BE" sz="2400" b="1" dirty="0" smtClean="0"/>
-              <a:t>Helpers: </a:t>
-            </a:r>
-            <a:r>
-              <a:rPr lang="en-US" altLang="nl-BE" sz="2400" dirty="0" smtClean="0"/>
-              <a:t>Log, </a:t>
-            </a:r>
-            <a:r>
-              <a:rPr lang="en-US" altLang="nl-BE" sz="2400" dirty="0" err="1" smtClean="0"/>
-              <a:t>LogApp</a:t>
-            </a:r>
-            <a:r>
-              <a:rPr lang="en-US" altLang="nl-BE" sz="2400" dirty="0" smtClean="0"/>
-              <a:t>, Connection, Feedback</a:t>
-            </a:r>
-            <a:endParaRPr lang="en-US" altLang="nl-BE" sz="2400" b="1" dirty="0"/>
-          </a:p>
-          <a:p>
-            <a:pPr marL="228600" lvl="1" indent="0">
-              <a:buNone/>
-            </a:pPr>
-            <a:endParaRPr lang="en-US" altLang="nl-BE" sz="2400" dirty="0" smtClean="0"/>
-          </a:p>
-          <a:p>
-            <a:pPr marL="228600" lvl="1" indent="0">
-              <a:buNone/>
-            </a:pPr>
-            <a:endParaRPr lang="en-US" altLang="nl-BE" sz="2400" dirty="0" smtClean="0"/>
-          </a:p>
-          <a:p>
-            <a:pPr marL="228600" lvl="1" indent="0">
-              <a:buNone/>
-            </a:pPr>
-            <a:endParaRPr lang="en-US" altLang="nl-BE" sz="2400" dirty="0"/>
-          </a:p>
-        </p:txBody>
-      </p:sp>
-    </p:spTree>
-    <p:extLst>
-      <p:ext uri="{BB962C8B-B14F-4D97-AF65-F5344CB8AC3E}">
-        <p14:creationId xmlns:p14="http://schemas.microsoft.com/office/powerpoint/2010/main" val="4043580440"/>
       </p:ext>
     </p:extLst>
   </p:cSld>
@@ -25944,7 +27245,7 @@
   <a:extraClrSchemeLst/>
   <a:extLst>
     <a:ext uri="{05A4C25C-085E-4340-85A3-A5531E510DB2}">
-      <thm15:themeFamily xmlns:thm15="http://schemas.microsoft.com/office/thememl/2012/main" xmlns="" name="Banded" id="{98DFF888-2449-4D28-977C-6306C017633E}" vid="{9792607F-9579-4224-82FF-9C88C3E1E53D}"/>
+      <thm15:themeFamily xmlns="" xmlns:thm15="http://schemas.microsoft.com/office/thememl/2012/main" name="Banded" id="{98DFF888-2449-4D28-977C-6306C017633E}" vid="{9792607F-9579-4224-82FF-9C88C3E1E53D}"/>
     </a:ext>
   </a:extLst>
 </a:theme>

--- a/Presentatie/2015 06 09 Presentatie.pptx
+++ b/Presentatie/2015 06 09 Presentatie.pptx
@@ -7,6 +7,9 @@
   <p:notesMasterIdLst>
     <p:notesMasterId r:id="rId38"/>
   </p:notesMasterIdLst>
+  <p:handoutMasterIdLst>
+    <p:handoutMasterId r:id="rId39"/>
+  </p:handoutMasterIdLst>
   <p:sldIdLst>
     <p:sldId id="256" r:id="rId2"/>
     <p:sldId id="257" r:id="rId3"/>
@@ -46,7 +49,7 @@
     <p:sldId id="272" r:id="rId37"/>
   </p:sldIdLst>
   <p:sldSz cx="9144000" cy="6858000" type="screen4x3"/>
-  <p:notesSz cx="6858000" cy="9144000"/>
+  <p:notesSz cx="6797675" cy="9928225"/>
   <p:defaultTextStyle>
     <a:defPPr>
       <a:defRPr lang="nl-NL"/>
@@ -144,7 +147,7 @@
   </p:defaultTextStyle>
   <p:extLst>
     <p:ext uri="{EFAFB233-063F-42B5-8137-9DF3F51BA10A}">
-      <p15:sldGuideLst xmlns="" xmlns:p15="http://schemas.microsoft.com/office/powerpoint/2012/main">
+      <p15:sldGuideLst xmlns:p15="http://schemas.microsoft.com/office/powerpoint/2012/main" xmlns="">
         <p15:guide id="1" orient="horz" pos="2160">
           <p15:clr>
             <a:srgbClr val="A4A3A4"/>
@@ -159,6 +162,171 @@
     </p:ext>
   </p:extLst>
 </p:presentation>
+</file>
+
+<file path=ppt/handoutMasters/handoutMaster1.xml><?xml version="1.0" encoding="utf-8"?>
+<p:handoutMaster xmlns:a="http://schemas.openxmlformats.org/drawingml/2006/main" xmlns:r="http://schemas.openxmlformats.org/officeDocument/2006/relationships" xmlns:p="http://schemas.openxmlformats.org/presentationml/2006/main">
+  <p:cSld>
+    <p:bg>
+      <p:bgRef idx="1001">
+        <a:schemeClr val="bg1"/>
+      </p:bgRef>
+    </p:bg>
+    <p:spTree>
+      <p:nvGrpSpPr>
+        <p:cNvPr id="1" name=""/>
+        <p:cNvGrpSpPr/>
+        <p:nvPr/>
+      </p:nvGrpSpPr>
+      <p:grpSpPr>
+        <a:xfrm>
+          <a:off x="0" y="0"/>
+          <a:ext cx="0" cy="0"/>
+          <a:chOff x="0" y="0"/>
+          <a:chExt cx="0" cy="0"/>
+        </a:xfrm>
+      </p:grpSpPr>
+      <p:sp>
+        <p:nvSpPr>
+          <p:cNvPr id="2" name="Tijdelijke aanduiding voor koptekst 1"/>
+          <p:cNvSpPr>
+            <a:spLocks noGrp="1"/>
+          </p:cNvSpPr>
+          <p:nvPr>
+            <p:ph type="hdr" sz="quarter"/>
+          </p:nvPr>
+        </p:nvSpPr>
+        <p:spPr>
+          <a:xfrm>
+            <a:off x="0" y="0"/>
+            <a:ext cx="2945659" cy="496411"/>
+          </a:xfrm>
+          <a:prstGeom prst="rect">
+            <a:avLst/>
+          </a:prstGeom>
+        </p:spPr>
+        <p:txBody>
+          <a:bodyPr vert="horz" lIns="91440" tIns="45720" rIns="91440" bIns="45720" rtlCol="0"/>
+          <a:lstStyle>
+            <a:lvl1pPr algn="l">
+              <a:defRPr sz="1200"/>
+            </a:lvl1pPr>
+          </a:lstStyle>
+          <a:p>
+            <a:endParaRPr lang="nl-BE"/>
+          </a:p>
+        </p:txBody>
+      </p:sp>
+      <p:sp>
+        <p:nvSpPr>
+          <p:cNvPr id="3" name="Tijdelijke aanduiding voor datum 2"/>
+          <p:cNvSpPr>
+            <a:spLocks noGrp="1"/>
+          </p:cNvSpPr>
+          <p:nvPr>
+            <p:ph type="dt" sz="quarter" idx="1"/>
+          </p:nvPr>
+        </p:nvSpPr>
+        <p:spPr>
+          <a:xfrm>
+            <a:off x="3850443" y="0"/>
+            <a:ext cx="2945659" cy="496411"/>
+          </a:xfrm>
+          <a:prstGeom prst="rect">
+            <a:avLst/>
+          </a:prstGeom>
+        </p:spPr>
+        <p:txBody>
+          <a:bodyPr vert="horz" lIns="91440" tIns="45720" rIns="91440" bIns="45720" rtlCol="0"/>
+          <a:lstStyle>
+            <a:lvl1pPr algn="r">
+              <a:defRPr sz="1200"/>
+            </a:lvl1pPr>
+          </a:lstStyle>
+          <a:p>
+            <a:fld id="{9CC3FEB5-4DED-4A9A-8834-D99A912103C2}" type="datetimeFigureOut">
+              <a:rPr lang="nl-BE" smtClean="0"/>
+              <a:t>10/06/2015</a:t>
+            </a:fld>
+            <a:endParaRPr lang="nl-BE"/>
+          </a:p>
+        </p:txBody>
+      </p:sp>
+      <p:sp>
+        <p:nvSpPr>
+          <p:cNvPr id="4" name="Tijdelijke aanduiding voor voettekst 3"/>
+          <p:cNvSpPr>
+            <a:spLocks noGrp="1"/>
+          </p:cNvSpPr>
+          <p:nvPr>
+            <p:ph type="ftr" sz="quarter" idx="2"/>
+          </p:nvPr>
+        </p:nvSpPr>
+        <p:spPr>
+          <a:xfrm>
+            <a:off x="0" y="9430091"/>
+            <a:ext cx="2945659" cy="496411"/>
+          </a:xfrm>
+          <a:prstGeom prst="rect">
+            <a:avLst/>
+          </a:prstGeom>
+        </p:spPr>
+        <p:txBody>
+          <a:bodyPr vert="horz" lIns="91440" tIns="45720" rIns="91440" bIns="45720" rtlCol="0" anchor="b"/>
+          <a:lstStyle>
+            <a:lvl1pPr algn="l">
+              <a:defRPr sz="1200"/>
+            </a:lvl1pPr>
+          </a:lstStyle>
+          <a:p>
+            <a:endParaRPr lang="nl-BE"/>
+          </a:p>
+        </p:txBody>
+      </p:sp>
+      <p:sp>
+        <p:nvSpPr>
+          <p:cNvPr id="5" name="Tijdelijke aanduiding voor dianummer 4"/>
+          <p:cNvSpPr>
+            <a:spLocks noGrp="1"/>
+          </p:cNvSpPr>
+          <p:nvPr>
+            <p:ph type="sldNum" sz="quarter" idx="3"/>
+          </p:nvPr>
+        </p:nvSpPr>
+        <p:spPr>
+          <a:xfrm>
+            <a:off x="3850443" y="9430091"/>
+            <a:ext cx="2945659" cy="496411"/>
+          </a:xfrm>
+          <a:prstGeom prst="rect">
+            <a:avLst/>
+          </a:prstGeom>
+        </p:spPr>
+        <p:txBody>
+          <a:bodyPr vert="horz" lIns="91440" tIns="45720" rIns="91440" bIns="45720" rtlCol="0" anchor="b"/>
+          <a:lstStyle>
+            <a:lvl1pPr algn="r">
+              <a:defRPr sz="1200"/>
+            </a:lvl1pPr>
+          </a:lstStyle>
+          <a:p>
+            <a:fld id="{628E1CB0-008D-48D1-95CA-9BB012587821}" type="slidenum">
+              <a:rPr lang="nl-BE" smtClean="0"/>
+              <a:t>‹nr.›</a:t>
+            </a:fld>
+            <a:endParaRPr lang="nl-BE"/>
+          </a:p>
+        </p:txBody>
+      </p:sp>
+    </p:spTree>
+    <p:extLst>
+      <p:ext uri="{BB962C8B-B14F-4D97-AF65-F5344CB8AC3E}">
+        <p14:creationId xmlns:p14="http://schemas.microsoft.com/office/powerpoint/2010/main" val="3506967403"/>
+      </p:ext>
+    </p:extLst>
+  </p:cSld>
+  <p:clrMap bg1="lt1" tx1="dk1" bg2="lt2" tx2="dk2" accent1="accent1" accent2="accent2" accent3="accent3" accent4="accent4" accent5="accent5" accent6="accent6" hlink="hlink" folHlink="folHlink"/>
+</p:handoutMaster>
 </file>
 
 <file path=ppt/notesMasters/notesMaster1.xml><?xml version="1.0" encoding="utf-8"?>
@@ -196,7 +364,7 @@
         <p:spPr>
           <a:xfrm>
             <a:off x="0" y="0"/>
-            <a:ext cx="2971800" cy="457200"/>
+            <a:ext cx="2945659" cy="496411"/>
           </a:xfrm>
           <a:prstGeom prst="rect">
             <a:avLst/>
@@ -226,8 +394,8 @@
         </p:nvSpPr>
         <p:spPr>
           <a:xfrm>
-            <a:off x="3884613" y="0"/>
-            <a:ext cx="2971800" cy="457200"/>
+            <a:off x="3850443" y="0"/>
+            <a:ext cx="2945659" cy="496411"/>
           </a:xfrm>
           <a:prstGeom prst="rect">
             <a:avLst/>
@@ -243,7 +411,7 @@
           <a:p>
             <a:fld id="{76CB4545-7074-4987-9311-BC63D77EFF55}" type="datetimeFigureOut">
               <a:rPr lang="nl-BE" smtClean="0"/>
-              <a:t>9/06/2015</a:t>
+              <a:t>10/06/2015</a:t>
             </a:fld>
             <a:endParaRPr lang="nl-BE"/>
           </a:p>
@@ -261,8 +429,8 @@
         </p:nvSpPr>
         <p:spPr>
           <a:xfrm>
-            <a:off x="1143000" y="685800"/>
-            <a:ext cx="4572000" cy="3429000"/>
+            <a:off x="917575" y="744538"/>
+            <a:ext cx="4962525" cy="3722687"/>
           </a:xfrm>
           <a:prstGeom prst="rect">
             <a:avLst/>
@@ -294,8 +462,8 @@
         </p:nvSpPr>
         <p:spPr>
           <a:xfrm>
-            <a:off x="685800" y="4343400"/>
-            <a:ext cx="5486400" cy="4114800"/>
+            <a:off x="679768" y="4715907"/>
+            <a:ext cx="5438140" cy="4467701"/>
           </a:xfrm>
           <a:prstGeom prst="rect">
             <a:avLst/>
@@ -354,8 +522,8 @@
         </p:nvSpPr>
         <p:spPr>
           <a:xfrm>
-            <a:off x="0" y="8685213"/>
-            <a:ext cx="2971800" cy="457200"/>
+            <a:off x="0" y="9430091"/>
+            <a:ext cx="2945659" cy="496411"/>
           </a:xfrm>
           <a:prstGeom prst="rect">
             <a:avLst/>
@@ -385,8 +553,8 @@
         </p:nvSpPr>
         <p:spPr>
           <a:xfrm>
-            <a:off x="3884613" y="8685213"/>
-            <a:ext cx="2971800" cy="457200"/>
+            <a:off x="3850443" y="9430091"/>
+            <a:ext cx="2945659" cy="496411"/>
           </a:xfrm>
           <a:prstGeom prst="rect">
             <a:avLst/>
@@ -578,10 +746,10 @@
           </a:p>
           <a:p>
             <a:r>
-              <a:rPr lang="nl-BE" smtClean="0"/>
+              <a:rPr lang="nl-BE" dirty="0" smtClean="0"/>
               <a:t>Opbouw DB</a:t>
             </a:r>
-            <a:endParaRPr lang="nl-BE"/>
+            <a:endParaRPr lang="nl-BE" dirty="0"/>
           </a:p>
         </p:txBody>
       </p:sp>
@@ -2960,7 +3128,7 @@
                 </a:solidFill>
               </a:rPr>
               <a:pPr/>
-              <a:t>6/9/2015</a:t>
+              <a:t>6/10/2015</a:t>
             </a:fld>
             <a:endParaRPr lang="en-US" dirty="0">
               <a:solidFill>
@@ -3152,7 +3320,7 @@
                 </a:solidFill>
               </a:rPr>
               <a:pPr/>
-              <a:t>6/9/2015</a:t>
+              <a:t>6/10/2015</a:t>
             </a:fld>
             <a:endParaRPr lang="en-US" dirty="0">
               <a:solidFill>
@@ -3397,7 +3565,7 @@
                 </a:solidFill>
               </a:rPr>
               <a:pPr/>
-              <a:t>6/9/2015</a:t>
+              <a:t>6/10/2015</a:t>
             </a:fld>
             <a:endParaRPr lang="en-US" dirty="0">
               <a:solidFill>
@@ -3599,7 +3767,7 @@
                 </a:solidFill>
               </a:rPr>
               <a:pPr/>
-              <a:t>6/9/2015</a:t>
+              <a:t>6/10/2015</a:t>
             </a:fld>
             <a:endParaRPr lang="en-US" dirty="0">
               <a:solidFill>
@@ -3927,7 +4095,7 @@
                 </a:solidFill>
               </a:rPr>
               <a:pPr/>
-              <a:t>6/9/2015</a:t>
+              <a:t>6/10/2015</a:t>
             </a:fld>
             <a:endParaRPr lang="en-US" dirty="0">
               <a:solidFill>
@@ -4253,7 +4421,7 @@
                 </a:solidFill>
               </a:rPr>
               <a:pPr/>
-              <a:t>6/9/2015</a:t>
+              <a:t>6/10/2015</a:t>
             </a:fld>
             <a:endParaRPr lang="en-US" dirty="0">
               <a:solidFill>
@@ -4697,7 +4865,7 @@
                 </a:solidFill>
               </a:rPr>
               <a:pPr/>
-              <a:t>6/9/2015</a:t>
+              <a:t>6/10/2015</a:t>
             </a:fld>
             <a:endParaRPr lang="en-US" dirty="0">
               <a:solidFill>
@@ -4837,7 +5005,7 @@
                 </a:solidFill>
               </a:rPr>
               <a:pPr/>
-              <a:t>6/9/2015</a:t>
+              <a:t>6/10/2015</a:t>
             </a:fld>
             <a:endParaRPr lang="en-US" dirty="0">
               <a:solidFill>
@@ -4954,7 +5122,7 @@
                 </a:solidFill>
               </a:rPr>
               <a:pPr/>
-              <a:t>6/9/2015</a:t>
+              <a:t>6/10/2015</a:t>
             </a:fld>
             <a:endParaRPr lang="en-US" dirty="0">
               <a:solidFill>
@@ -5249,7 +5417,7 @@
                 </a:solidFill>
               </a:rPr>
               <a:pPr/>
-              <a:t>6/9/2015</a:t>
+              <a:t>6/10/2015</a:t>
             </a:fld>
             <a:endParaRPr lang="en-US" dirty="0">
               <a:solidFill>
@@ -5536,7 +5704,7 @@
                 </a:solidFill>
               </a:rPr>
               <a:pPr/>
-              <a:t>6/9/2015</a:t>
+              <a:t>6/10/2015</a:t>
             </a:fld>
             <a:endParaRPr lang="en-US" dirty="0">
               <a:solidFill>
@@ -5808,7 +5976,7 @@
                 </a:solidFill>
               </a:rPr>
               <a:pPr defTabSz="457200"/>
-              <a:t>6/9/2015</a:t>
+              <a:t>6/10/2015</a:t>
             </a:fld>
             <a:endParaRPr lang="en-US" dirty="0">
               <a:solidFill>
@@ -25693,7 +25861,6 @@
               <a:rPr lang="nl-BE" dirty="0"/>
               <a:t>concept</a:t>
             </a:r>
-            <a:endParaRPr lang="nl-BE" dirty="0"/>
           </a:p>
         </p:txBody>
       </p:sp>
@@ -25947,7 +26114,7 @@
       </p:sp>
       <p:pic>
         <p:nvPicPr>
-          <p:cNvPr id="1026" name="Picture 2" descr="C:\Users\ceja\Dropbox\CVO INF\Programmeren 4\Project\InstantInterview\Presentatie\Instant Interview - slim.png"/>
+          <p:cNvPr id="3" name="Picture 2" descr="C:\Users\ceja\Dropbox\CVO INF\Programmeren 4\Project\InstantInterview\Presentatie\Instant Interview - slim-2.png"/>
           <p:cNvPicPr>
             <a:picLocks noChangeAspect="1" noChangeArrowheads="1"/>
           </p:cNvPicPr>
@@ -25968,7 +26135,7 @@
         </p:blipFill>
         <p:spPr bwMode="auto">
           <a:xfrm>
-            <a:off x="899591" y="2708920"/>
+            <a:off x="775222" y="2636912"/>
             <a:ext cx="7667625" cy="3857625"/>
           </a:xfrm>
           <a:prstGeom prst="rect">
@@ -27245,7 +27412,7 @@
   <a:extraClrSchemeLst/>
   <a:extLst>
     <a:ext uri="{05A4C25C-085E-4340-85A3-A5531E510DB2}">
-      <thm15:themeFamily xmlns="" xmlns:thm15="http://schemas.microsoft.com/office/thememl/2012/main" name="Banded" id="{98DFF888-2449-4D28-977C-6306C017633E}" vid="{9792607F-9579-4224-82FF-9C88C3E1E53D}"/>
+      <thm15:themeFamily xmlns:thm15="http://schemas.microsoft.com/office/thememl/2012/main" xmlns="" name="Banded" id="{98DFF888-2449-4D28-977C-6306C017633E}" vid="{9792607F-9579-4224-82FF-9C88C3E1E53D}"/>
     </a:ext>
   </a:extLst>
 </a:theme>
@@ -27534,4 +27701,289 @@
   <a:objectDefaults/>
   <a:extraClrSchemeLst/>
 </a:theme>
+</file>
+
+<file path=ppt/theme/theme3.xml><?xml version="1.0" encoding="utf-8"?>
+<a:theme xmlns:a="http://schemas.openxmlformats.org/drawingml/2006/main" name="Kantoorthema">
+  <a:themeElements>
+    <a:clrScheme name="Kantoor">
+      <a:dk1>
+        <a:sysClr val="windowText" lastClr="000000"/>
+      </a:dk1>
+      <a:lt1>
+        <a:sysClr val="window" lastClr="FFFFFF"/>
+      </a:lt1>
+      <a:dk2>
+        <a:srgbClr val="1F497D"/>
+      </a:dk2>
+      <a:lt2>
+        <a:srgbClr val="EEECE1"/>
+      </a:lt2>
+      <a:accent1>
+        <a:srgbClr val="4F81BD"/>
+      </a:accent1>
+      <a:accent2>
+        <a:srgbClr val="C0504D"/>
+      </a:accent2>
+      <a:accent3>
+        <a:srgbClr val="9BBB59"/>
+      </a:accent3>
+      <a:accent4>
+        <a:srgbClr val="8064A2"/>
+      </a:accent4>
+      <a:accent5>
+        <a:srgbClr val="4BACC6"/>
+      </a:accent5>
+      <a:accent6>
+        <a:srgbClr val="F79646"/>
+      </a:accent6>
+      <a:hlink>
+        <a:srgbClr val="0000FF"/>
+      </a:hlink>
+      <a:folHlink>
+        <a:srgbClr val="800080"/>
+      </a:folHlink>
+    </a:clrScheme>
+    <a:fontScheme name="Kantoor">
+      <a:majorFont>
+        <a:latin typeface="Calibri"/>
+        <a:ea typeface=""/>
+        <a:cs typeface=""/>
+        <a:font script="Jpan" typeface="ＭＳ Ｐゴシック"/>
+        <a:font script="Hang" typeface="맑은 고딕"/>
+        <a:font script="Hans" typeface="宋体"/>
+        <a:font script="Hant" typeface="新細明體"/>
+        <a:font script="Arab" typeface="Times New Roman"/>
+        <a:font script="Hebr" typeface="Times New Roman"/>
+        <a:font script="Thai" typeface="Angsana New"/>
+        <a:font script="Ethi" typeface="Nyala"/>
+        <a:font script="Beng" typeface="Vrinda"/>
+        <a:font script="Gujr" typeface="Shruti"/>
+        <a:font script="Khmr" typeface="MoolBoran"/>
+        <a:font script="Knda" typeface="Tunga"/>
+        <a:font script="Guru" typeface="Raavi"/>
+        <a:font script="Cans" typeface="Euphemia"/>
+        <a:font script="Cher" typeface="Plantagenet Cherokee"/>
+        <a:font script="Yiii" typeface="Microsoft Yi Baiti"/>
+        <a:font script="Tibt" typeface="Microsoft Himalaya"/>
+        <a:font script="Thaa" typeface="MV Boli"/>
+        <a:font script="Deva" typeface="Mangal"/>
+        <a:font script="Telu" typeface="Gautami"/>
+        <a:font script="Taml" typeface="Latha"/>
+        <a:font script="Syrc" typeface="Estrangelo Edessa"/>
+        <a:font script="Orya" typeface="Kalinga"/>
+        <a:font script="Mlym" typeface="Kartika"/>
+        <a:font script="Laoo" typeface="DokChampa"/>
+        <a:font script="Sinh" typeface="Iskoola Pota"/>
+        <a:font script="Mong" typeface="Mongolian Baiti"/>
+        <a:font script="Viet" typeface="Times New Roman"/>
+        <a:font script="Uigh" typeface="Microsoft Uighur"/>
+        <a:font script="Geor" typeface="Sylfaen"/>
+      </a:majorFont>
+      <a:minorFont>
+        <a:latin typeface="Calibri"/>
+        <a:ea typeface=""/>
+        <a:cs typeface=""/>
+        <a:font script="Jpan" typeface="ＭＳ Ｐゴシック"/>
+        <a:font script="Hang" typeface="맑은 고딕"/>
+        <a:font script="Hans" typeface="宋体"/>
+        <a:font script="Hant" typeface="新細明體"/>
+        <a:font script="Arab" typeface="Arial"/>
+        <a:font script="Hebr" typeface="Arial"/>
+        <a:font script="Thai" typeface="Cordia New"/>
+        <a:font script="Ethi" typeface="Nyala"/>
+        <a:font script="Beng" typeface="Vrinda"/>
+        <a:font script="Gujr" typeface="Shruti"/>
+        <a:font script="Khmr" typeface="DaunPenh"/>
+        <a:font script="Knda" typeface="Tunga"/>
+        <a:font script="Guru" typeface="Raavi"/>
+        <a:font script="Cans" typeface="Euphemia"/>
+        <a:font script="Cher" typeface="Plantagenet Cherokee"/>
+        <a:font script="Yiii" typeface="Microsoft Yi Baiti"/>
+        <a:font script="Tibt" typeface="Microsoft Himalaya"/>
+        <a:font script="Thaa" typeface="MV Boli"/>
+        <a:font script="Deva" typeface="Mangal"/>
+        <a:font script="Telu" typeface="Gautami"/>
+        <a:font script="Taml" typeface="Latha"/>
+        <a:font script="Syrc" typeface="Estrangelo Edessa"/>
+        <a:font script="Orya" typeface="Kalinga"/>
+        <a:font script="Mlym" typeface="Kartika"/>
+        <a:font script="Laoo" typeface="DokChampa"/>
+        <a:font script="Sinh" typeface="Iskoola Pota"/>
+        <a:font script="Mong" typeface="Mongolian Baiti"/>
+        <a:font script="Viet" typeface="Arial"/>
+        <a:font script="Uigh" typeface="Microsoft Uighur"/>
+        <a:font script="Geor" typeface="Sylfaen"/>
+      </a:minorFont>
+    </a:fontScheme>
+    <a:fmtScheme name="Kantoor">
+      <a:fillStyleLst>
+        <a:solidFill>
+          <a:schemeClr val="phClr"/>
+        </a:solidFill>
+        <a:gradFill rotWithShape="1">
+          <a:gsLst>
+            <a:gs pos="0">
+              <a:schemeClr val="phClr">
+                <a:tint val="50000"/>
+                <a:satMod val="300000"/>
+              </a:schemeClr>
+            </a:gs>
+            <a:gs pos="35000">
+              <a:schemeClr val="phClr">
+                <a:tint val="37000"/>
+                <a:satMod val="300000"/>
+              </a:schemeClr>
+            </a:gs>
+            <a:gs pos="100000">
+              <a:schemeClr val="phClr">
+                <a:tint val="15000"/>
+                <a:satMod val="350000"/>
+              </a:schemeClr>
+            </a:gs>
+          </a:gsLst>
+          <a:lin ang="16200000" scaled="1"/>
+        </a:gradFill>
+        <a:gradFill rotWithShape="1">
+          <a:gsLst>
+            <a:gs pos="0">
+              <a:schemeClr val="phClr">
+                <a:shade val="51000"/>
+                <a:satMod val="130000"/>
+              </a:schemeClr>
+            </a:gs>
+            <a:gs pos="80000">
+              <a:schemeClr val="phClr">
+                <a:shade val="93000"/>
+                <a:satMod val="130000"/>
+              </a:schemeClr>
+            </a:gs>
+            <a:gs pos="100000">
+              <a:schemeClr val="phClr">
+                <a:shade val="94000"/>
+                <a:satMod val="135000"/>
+              </a:schemeClr>
+            </a:gs>
+          </a:gsLst>
+          <a:lin ang="16200000" scaled="0"/>
+        </a:gradFill>
+      </a:fillStyleLst>
+      <a:lnStyleLst>
+        <a:ln w="9525" cap="flat" cmpd="sng" algn="ctr">
+          <a:solidFill>
+            <a:schemeClr val="phClr">
+              <a:shade val="95000"/>
+              <a:satMod val="105000"/>
+            </a:schemeClr>
+          </a:solidFill>
+          <a:prstDash val="solid"/>
+        </a:ln>
+        <a:ln w="25400" cap="flat" cmpd="sng" algn="ctr">
+          <a:solidFill>
+            <a:schemeClr val="phClr"/>
+          </a:solidFill>
+          <a:prstDash val="solid"/>
+        </a:ln>
+        <a:ln w="38100" cap="flat" cmpd="sng" algn="ctr">
+          <a:solidFill>
+            <a:schemeClr val="phClr"/>
+          </a:solidFill>
+          <a:prstDash val="solid"/>
+        </a:ln>
+      </a:lnStyleLst>
+      <a:effectStyleLst>
+        <a:effectStyle>
+          <a:effectLst>
+            <a:outerShdw blurRad="40000" dist="20000" dir="5400000" rotWithShape="0">
+              <a:srgbClr val="000000">
+                <a:alpha val="38000"/>
+              </a:srgbClr>
+            </a:outerShdw>
+          </a:effectLst>
+        </a:effectStyle>
+        <a:effectStyle>
+          <a:effectLst>
+            <a:outerShdw blurRad="40000" dist="23000" dir="5400000" rotWithShape="0">
+              <a:srgbClr val="000000">
+                <a:alpha val="35000"/>
+              </a:srgbClr>
+            </a:outerShdw>
+          </a:effectLst>
+        </a:effectStyle>
+        <a:effectStyle>
+          <a:effectLst>
+            <a:outerShdw blurRad="40000" dist="23000" dir="5400000" rotWithShape="0">
+              <a:srgbClr val="000000">
+                <a:alpha val="35000"/>
+              </a:srgbClr>
+            </a:outerShdw>
+          </a:effectLst>
+          <a:scene3d>
+            <a:camera prst="orthographicFront">
+              <a:rot lat="0" lon="0" rev="0"/>
+            </a:camera>
+            <a:lightRig rig="threePt" dir="t">
+              <a:rot lat="0" lon="0" rev="1200000"/>
+            </a:lightRig>
+          </a:scene3d>
+          <a:sp3d>
+            <a:bevelT w="63500" h="25400"/>
+          </a:sp3d>
+        </a:effectStyle>
+      </a:effectStyleLst>
+      <a:bgFillStyleLst>
+        <a:solidFill>
+          <a:schemeClr val="phClr"/>
+        </a:solidFill>
+        <a:gradFill rotWithShape="1">
+          <a:gsLst>
+            <a:gs pos="0">
+              <a:schemeClr val="phClr">
+                <a:tint val="40000"/>
+                <a:satMod val="350000"/>
+              </a:schemeClr>
+            </a:gs>
+            <a:gs pos="40000">
+              <a:schemeClr val="phClr">
+                <a:tint val="45000"/>
+                <a:shade val="99000"/>
+                <a:satMod val="350000"/>
+              </a:schemeClr>
+            </a:gs>
+            <a:gs pos="100000">
+              <a:schemeClr val="phClr">
+                <a:shade val="20000"/>
+                <a:satMod val="255000"/>
+              </a:schemeClr>
+            </a:gs>
+          </a:gsLst>
+          <a:path path="circle">
+            <a:fillToRect l="50000" t="-80000" r="50000" b="180000"/>
+          </a:path>
+        </a:gradFill>
+        <a:gradFill rotWithShape="1">
+          <a:gsLst>
+            <a:gs pos="0">
+              <a:schemeClr val="phClr">
+                <a:tint val="80000"/>
+                <a:satMod val="300000"/>
+              </a:schemeClr>
+            </a:gs>
+            <a:gs pos="100000">
+              <a:schemeClr val="phClr">
+                <a:shade val="30000"/>
+                <a:satMod val="200000"/>
+              </a:schemeClr>
+            </a:gs>
+          </a:gsLst>
+          <a:path path="circle">
+            <a:fillToRect l="50000" t="50000" r="50000" b="50000"/>
+          </a:path>
+        </a:gradFill>
+      </a:bgFillStyleLst>
+    </a:fmtScheme>
+  </a:themeElements>
+  <a:objectDefaults/>
+  <a:extraClrSchemeLst/>
+</a:theme>
 </file>